--- a/Documentation/AI VILLAGE(3) (1).pptx
+++ b/Documentation/AI VILLAGE(3) (1).pptx
@@ -5,7 +5,7 @@
     <p:sldMasterId id="2147483659" r:id="rId1"/>
   </p:sldMasterIdLst>
   <p:notesMasterIdLst>
-    <p:notesMasterId r:id="rId34"/>
+    <p:notesMasterId r:id="rId41"/>
   </p:notesMasterIdLst>
   <p:sldIdLst>
     <p:sldId id="256" r:id="rId2"/>
@@ -18,38 +18,49 @@
     <p:sldId id="268" r:id="rId9"/>
     <p:sldId id="269" r:id="rId10"/>
     <p:sldId id="270" r:id="rId11"/>
-    <p:sldId id="258" r:id="rId12"/>
-    <p:sldId id="276" r:id="rId13"/>
-    <p:sldId id="277" r:id="rId14"/>
-    <p:sldId id="278" r:id="rId15"/>
-    <p:sldId id="279" r:id="rId16"/>
-    <p:sldId id="280" r:id="rId17"/>
-    <p:sldId id="281" r:id="rId18"/>
-    <p:sldId id="283" r:id="rId19"/>
-    <p:sldId id="284" r:id="rId20"/>
-    <p:sldId id="263" r:id="rId21"/>
-    <p:sldId id="290" r:id="rId22"/>
-    <p:sldId id="286" r:id="rId23"/>
-    <p:sldId id="287" r:id="rId24"/>
-    <p:sldId id="291" r:id="rId25"/>
-    <p:sldId id="288" r:id="rId26"/>
-    <p:sldId id="289" r:id="rId27"/>
-    <p:sldId id="292" r:id="rId28"/>
-    <p:sldId id="271" r:id="rId29"/>
-    <p:sldId id="272" r:id="rId30"/>
-    <p:sldId id="273" r:id="rId31"/>
-    <p:sldId id="274" r:id="rId32"/>
-    <p:sldId id="275" r:id="rId33"/>
+    <p:sldId id="294" r:id="rId12"/>
+    <p:sldId id="258" r:id="rId13"/>
+    <p:sldId id="276" r:id="rId14"/>
+    <p:sldId id="277" r:id="rId15"/>
+    <p:sldId id="261" r:id="rId16"/>
+    <p:sldId id="278" r:id="rId17"/>
+    <p:sldId id="279" r:id="rId18"/>
+    <p:sldId id="296" r:id="rId19"/>
+    <p:sldId id="280" r:id="rId20"/>
+    <p:sldId id="297" r:id="rId21"/>
+    <p:sldId id="281" r:id="rId22"/>
+    <p:sldId id="283" r:id="rId23"/>
+    <p:sldId id="284" r:id="rId24"/>
+    <p:sldId id="298" r:id="rId25"/>
+    <p:sldId id="263" r:id="rId26"/>
+    <p:sldId id="290" r:id="rId27"/>
+    <p:sldId id="286" r:id="rId28"/>
+    <p:sldId id="287" r:id="rId29"/>
+    <p:sldId id="291" r:id="rId30"/>
+    <p:sldId id="288" r:id="rId31"/>
+    <p:sldId id="293" r:id="rId32"/>
+    <p:sldId id="289" r:id="rId33"/>
+    <p:sldId id="292" r:id="rId34"/>
+    <p:sldId id="295" r:id="rId35"/>
+    <p:sldId id="271" r:id="rId36"/>
+    <p:sldId id="272" r:id="rId37"/>
+    <p:sldId id="273" r:id="rId38"/>
+    <p:sldId id="274" r:id="rId39"/>
+    <p:sldId id="275" r:id="rId40"/>
   </p:sldIdLst>
   <p:sldSz cx="9144000" cy="5143500" type="screen16x9"/>
   <p:notesSz cx="6858000" cy="9144000"/>
   <p:embeddedFontLst>
     <p:embeddedFont>
+      <p:font typeface="Cambria Math" panose="02040503050406030204" pitchFamily="18" charset="0"/>
+      <p:regular r:id="rId42"/>
+    </p:embeddedFont>
+    <p:embeddedFont>
       <p:font typeface="Roboto" panose="020B0604020202020204" charset="0"/>
-      <p:regular r:id="rId35"/>
-      <p:bold r:id="rId36"/>
-      <p:italic r:id="rId37"/>
-      <p:boldItalic r:id="rId38"/>
+      <p:regular r:id="rId43"/>
+      <p:bold r:id="rId44"/>
+      <p:italic r:id="rId45"/>
+      <p:boldItalic r:id="rId46"/>
     </p:embeddedFont>
   </p:embeddedFontLst>
   <p:defaultTextStyle>
@@ -296,23 +307,30 @@
             <p14:sldId id="268"/>
             <p14:sldId id="269"/>
             <p14:sldId id="270"/>
+            <p14:sldId id="294"/>
             <p14:sldId id="258"/>
             <p14:sldId id="276"/>
             <p14:sldId id="277"/>
+            <p14:sldId id="261"/>
             <p14:sldId id="278"/>
             <p14:sldId id="279"/>
+            <p14:sldId id="296"/>
             <p14:sldId id="280"/>
+            <p14:sldId id="297"/>
             <p14:sldId id="281"/>
             <p14:sldId id="283"/>
             <p14:sldId id="284"/>
+            <p14:sldId id="298"/>
             <p14:sldId id="263"/>
             <p14:sldId id="290"/>
             <p14:sldId id="286"/>
             <p14:sldId id="287"/>
             <p14:sldId id="291"/>
             <p14:sldId id="288"/>
+            <p14:sldId id="293"/>
             <p14:sldId id="289"/>
             <p14:sldId id="292"/>
+            <p14:sldId id="295"/>
             <p14:sldId id="271"/>
             <p14:sldId id="272"/>
             <p14:sldId id="273"/>
@@ -994,6 +1012,110 @@
   <p:cSld>
     <p:spTree>
       <p:nvGrpSpPr>
+        <p:cNvPr id="1" name="Shape 124"/>
+        <p:cNvGrpSpPr/>
+        <p:nvPr/>
+      </p:nvGrpSpPr>
+      <p:grpSpPr>
+        <a:xfrm>
+          <a:off x="0" y="0"/>
+          <a:ext cx="0" cy="0"/>
+          <a:chOff x="0" y="0"/>
+          <a:chExt cx="0" cy="0"/>
+        </a:xfrm>
+      </p:grpSpPr>
+      <p:sp>
+        <p:nvSpPr>
+          <p:cNvPr id="125" name="Google Shape;125;g2be5ebedcbe_0_990:notes"/>
+          <p:cNvSpPr>
+            <a:spLocks noGrp="1" noRot="1" noChangeAspect="1"/>
+          </p:cNvSpPr>
+          <p:nvPr>
+            <p:ph type="sldImg" idx="2"/>
+          </p:nvPr>
+        </p:nvSpPr>
+        <p:spPr>
+          <a:xfrm>
+            <a:off x="381300" y="685800"/>
+            <a:ext cx="6096000" cy="3429000"/>
+          </a:xfrm>
+          <a:custGeom>
+            <a:avLst/>
+            <a:gdLst/>
+            <a:ahLst/>
+            <a:cxnLst/>
+            <a:rect l="l" t="t" r="r" b="b"/>
+            <a:pathLst>
+              <a:path w="120000" h="120000" extrusionOk="0">
+                <a:moveTo>
+                  <a:pt x="0" y="0"/>
+                </a:moveTo>
+                <a:lnTo>
+                  <a:pt x="120000" y="0"/>
+                </a:lnTo>
+                <a:lnTo>
+                  <a:pt x="120000" y="120000"/>
+                </a:lnTo>
+                <a:lnTo>
+                  <a:pt x="0" y="120000"/>
+                </a:lnTo>
+                <a:close/>
+              </a:path>
+            </a:pathLst>
+          </a:custGeom>
+        </p:spPr>
+      </p:sp>
+      <p:sp>
+        <p:nvSpPr>
+          <p:cNvPr id="126" name="Google Shape;126;g2be5ebedcbe_0_990:notes"/>
+          <p:cNvSpPr txBox="1">
+            <a:spLocks noGrp="1"/>
+          </p:cNvSpPr>
+          <p:nvPr>
+            <p:ph type="body" idx="1"/>
+          </p:nvPr>
+        </p:nvSpPr>
+        <p:spPr>
+          <a:xfrm>
+            <a:off x="685800" y="4343400"/>
+            <a:ext cx="5486400" cy="4114800"/>
+          </a:xfrm>
+          <a:prstGeom prst="rect">
+            <a:avLst/>
+          </a:prstGeom>
+        </p:spPr>
+        <p:txBody>
+          <a:bodyPr spcFirstLastPara="1" wrap="square" lIns="91425" tIns="91425" rIns="91425" bIns="91425" anchor="t" anchorCtr="0">
+            <a:noAutofit/>
+          </a:bodyPr>
+          <a:lstStyle/>
+          <a:p>
+            <a:pPr marL="0" lvl="0" indent="0" algn="l" rtl="0">
+              <a:spcBef>
+                <a:spcPts val="0"/>
+              </a:spcBef>
+              <a:spcAft>
+                <a:spcPts val="0"/>
+              </a:spcAft>
+              <a:buNone/>
+            </a:pPr>
+            <a:endParaRPr dirty="0"/>
+          </a:p>
+        </p:txBody>
+      </p:sp>
+    </p:spTree>
+  </p:cSld>
+  <p:clrMapOvr>
+    <a:masterClrMapping/>
+  </p:clrMapOvr>
+</p:notes>
+</file>
+
+<file path=ppt/notesSlides/notesSlide12.xml><?xml version="1.0" encoding="utf-8"?>
+<p:notes xmlns:a="http://schemas.openxmlformats.org/drawingml/2006/main" xmlns:r="http://schemas.openxmlformats.org/officeDocument/2006/relationships" xmlns:p="http://schemas.openxmlformats.org/presentationml/2006/main" showMasterSp="0" showMasterPhAnim="0">
+  <p:cSld>
+    <p:spTree>
+      <p:nvGrpSpPr>
         <p:cNvPr id="1" name="Shape 94"/>
         <p:cNvGrpSpPr/>
         <p:nvPr/>
@@ -1093,7 +1215,7 @@
 </p:notes>
 </file>
 
-<file path=ppt/notesSlides/notesSlide12.xml><?xml version="1.0" encoding="utf-8"?>
+<file path=ppt/notesSlides/notesSlide13.xml><?xml version="1.0" encoding="utf-8"?>
 <p:notes xmlns:a="http://schemas.openxmlformats.org/drawingml/2006/main" xmlns:r="http://schemas.openxmlformats.org/officeDocument/2006/relationships" xmlns:p="http://schemas.openxmlformats.org/presentationml/2006/main" showMasterSp="0" showMasterPhAnim="0">
   <p:cSld>
     <p:spTree>
@@ -1202,7 +1324,7 @@
 </p:notes>
 </file>
 
-<file path=ppt/notesSlides/notesSlide13.xml><?xml version="1.0" encoding="utf-8"?>
+<file path=ppt/notesSlides/notesSlide14.xml><?xml version="1.0" encoding="utf-8"?>
 <p:notes xmlns:a="http://schemas.openxmlformats.org/drawingml/2006/main" xmlns:r="http://schemas.openxmlformats.org/officeDocument/2006/relationships" xmlns:p="http://schemas.openxmlformats.org/presentationml/2006/main" showMasterSp="0" showMasterPhAnim="0">
   <p:cSld>
     <p:spTree>
@@ -1311,7 +1433,111 @@
 </p:notes>
 </file>
 
-<file path=ppt/notesSlides/notesSlide14.xml><?xml version="1.0" encoding="utf-8"?>
+<file path=ppt/notesSlides/notesSlide15.xml><?xml version="1.0" encoding="utf-8"?>
+<p:notes xmlns:a="http://schemas.openxmlformats.org/drawingml/2006/main" xmlns:r="http://schemas.openxmlformats.org/officeDocument/2006/relationships" xmlns:p="http://schemas.openxmlformats.org/presentationml/2006/main" showMasterSp="0" showMasterPhAnim="0">
+  <p:cSld>
+    <p:spTree>
+      <p:nvGrpSpPr>
+        <p:cNvPr id="1" name="Shape 112"/>
+        <p:cNvGrpSpPr/>
+        <p:nvPr/>
+      </p:nvGrpSpPr>
+      <p:grpSpPr>
+        <a:xfrm>
+          <a:off x="0" y="0"/>
+          <a:ext cx="0" cy="0"/>
+          <a:chOff x="0" y="0"/>
+          <a:chExt cx="0" cy="0"/>
+        </a:xfrm>
+      </p:grpSpPr>
+      <p:sp>
+        <p:nvSpPr>
+          <p:cNvPr id="113" name="Google Shape;113;g2be5ebedcbe_0_985:notes"/>
+          <p:cNvSpPr>
+            <a:spLocks noGrp="1" noRot="1" noChangeAspect="1"/>
+          </p:cNvSpPr>
+          <p:nvPr>
+            <p:ph type="sldImg" idx="2"/>
+          </p:nvPr>
+        </p:nvSpPr>
+        <p:spPr>
+          <a:xfrm>
+            <a:off x="381000" y="685800"/>
+            <a:ext cx="6096000" cy="3429000"/>
+          </a:xfrm>
+          <a:custGeom>
+            <a:avLst/>
+            <a:gdLst/>
+            <a:ahLst/>
+            <a:cxnLst/>
+            <a:rect l="l" t="t" r="r" b="b"/>
+            <a:pathLst>
+              <a:path w="120000" h="120000" extrusionOk="0">
+                <a:moveTo>
+                  <a:pt x="0" y="0"/>
+                </a:moveTo>
+                <a:lnTo>
+                  <a:pt x="120000" y="0"/>
+                </a:lnTo>
+                <a:lnTo>
+                  <a:pt x="120000" y="120000"/>
+                </a:lnTo>
+                <a:lnTo>
+                  <a:pt x="0" y="120000"/>
+                </a:lnTo>
+                <a:close/>
+              </a:path>
+            </a:pathLst>
+          </a:custGeom>
+        </p:spPr>
+      </p:sp>
+      <p:sp>
+        <p:nvSpPr>
+          <p:cNvPr id="114" name="Google Shape;114;g2be5ebedcbe_0_985:notes"/>
+          <p:cNvSpPr txBox="1">
+            <a:spLocks noGrp="1"/>
+          </p:cNvSpPr>
+          <p:nvPr>
+            <p:ph type="body" idx="1"/>
+          </p:nvPr>
+        </p:nvSpPr>
+        <p:spPr>
+          <a:xfrm>
+            <a:off x="685800" y="4343400"/>
+            <a:ext cx="5486400" cy="4114800"/>
+          </a:xfrm>
+          <a:prstGeom prst="rect">
+            <a:avLst/>
+          </a:prstGeom>
+        </p:spPr>
+        <p:txBody>
+          <a:bodyPr spcFirstLastPara="1" wrap="square" lIns="91425" tIns="91425" rIns="91425" bIns="91425" anchor="t" anchorCtr="0">
+            <a:noAutofit/>
+          </a:bodyPr>
+          <a:lstStyle/>
+          <a:p>
+            <a:pPr marL="0" lvl="0" indent="0" algn="l" rtl="0">
+              <a:spcBef>
+                <a:spcPts val="0"/>
+              </a:spcBef>
+              <a:spcAft>
+                <a:spcPts val="0"/>
+              </a:spcAft>
+              <a:buNone/>
+            </a:pPr>
+            <a:endParaRPr dirty="0"/>
+          </a:p>
+        </p:txBody>
+      </p:sp>
+    </p:spTree>
+  </p:cSld>
+  <p:clrMapOvr>
+    <a:masterClrMapping/>
+  </p:clrMapOvr>
+</p:notes>
+</file>
+
+<file path=ppt/notesSlides/notesSlide16.xml><?xml version="1.0" encoding="utf-8"?>
 <p:notes xmlns:a="http://schemas.openxmlformats.org/drawingml/2006/main" xmlns:r="http://schemas.openxmlformats.org/officeDocument/2006/relationships" xmlns:p="http://schemas.openxmlformats.org/presentationml/2006/main" showMasterSp="0" showMasterPhAnim="0">
   <p:cSld>
     <p:spTree>
@@ -1420,7 +1646,7 @@
 </p:notes>
 </file>
 
-<file path=ppt/notesSlides/notesSlide15.xml><?xml version="1.0" encoding="utf-8"?>
+<file path=ppt/notesSlides/notesSlide17.xml><?xml version="1.0" encoding="utf-8"?>
 <p:notes xmlns:a="http://schemas.openxmlformats.org/drawingml/2006/main" xmlns:r="http://schemas.openxmlformats.org/officeDocument/2006/relationships" xmlns:p="http://schemas.openxmlformats.org/presentationml/2006/main" showMasterSp="0" showMasterPhAnim="0">
   <p:cSld>
     <p:spTree>
@@ -1529,7 +1755,7 @@
 </p:notes>
 </file>
 
-<file path=ppt/notesSlides/notesSlide16.xml><?xml version="1.0" encoding="utf-8"?>
+<file path=ppt/notesSlides/notesSlide18.xml><?xml version="1.0" encoding="utf-8"?>
 <p:notes xmlns:a="http://schemas.openxmlformats.org/drawingml/2006/main" xmlns:r="http://schemas.openxmlformats.org/officeDocument/2006/relationships" xmlns:p="http://schemas.openxmlformats.org/presentationml/2006/main" showMasterSp="0" showMasterPhAnim="0">
   <p:cSld>
     <p:spTree>
@@ -1638,7 +1864,7 @@
 </p:notes>
 </file>
 
-<file path=ppt/notesSlides/notesSlide17.xml><?xml version="1.0" encoding="utf-8"?>
+<file path=ppt/notesSlides/notesSlide19.xml><?xml version="1.0" encoding="utf-8"?>
 <p:notes xmlns:a="http://schemas.openxmlformats.org/drawingml/2006/main" xmlns:r="http://schemas.openxmlformats.org/officeDocument/2006/relationships" xmlns:p="http://schemas.openxmlformats.org/presentationml/2006/main" showMasterSp="0" showMasterPhAnim="0">
   <p:cSld>
     <p:spTree>
@@ -1747,7 +1973,111 @@
 </p:notes>
 </file>
 
-<file path=ppt/notesSlides/notesSlide18.xml><?xml version="1.0" encoding="utf-8"?>
+<file path=ppt/notesSlides/notesSlide2.xml><?xml version="1.0" encoding="utf-8"?>
+<p:notes xmlns:a="http://schemas.openxmlformats.org/drawingml/2006/main" xmlns:r="http://schemas.openxmlformats.org/officeDocument/2006/relationships" xmlns:p="http://schemas.openxmlformats.org/presentationml/2006/main" showMasterSp="0" showMasterPhAnim="0">
+  <p:cSld>
+    <p:spTree>
+      <p:nvGrpSpPr>
+        <p:cNvPr id="1" name="Shape 88"/>
+        <p:cNvGrpSpPr/>
+        <p:nvPr/>
+      </p:nvGrpSpPr>
+      <p:grpSpPr>
+        <a:xfrm>
+          <a:off x="0" y="0"/>
+          <a:ext cx="0" cy="0"/>
+          <a:chOff x="0" y="0"/>
+          <a:chExt cx="0" cy="0"/>
+        </a:xfrm>
+      </p:grpSpPr>
+      <p:sp>
+        <p:nvSpPr>
+          <p:cNvPr id="89" name="Google Shape;89;g2be5ebedcbe_0_125:notes"/>
+          <p:cNvSpPr>
+            <a:spLocks noGrp="1" noRot="1" noChangeAspect="1"/>
+          </p:cNvSpPr>
+          <p:nvPr>
+            <p:ph type="sldImg" idx="2"/>
+          </p:nvPr>
+        </p:nvSpPr>
+        <p:spPr>
+          <a:xfrm>
+            <a:off x="381000" y="685800"/>
+            <a:ext cx="6096000" cy="3429000"/>
+          </a:xfrm>
+          <a:custGeom>
+            <a:avLst/>
+            <a:gdLst/>
+            <a:ahLst/>
+            <a:cxnLst/>
+            <a:rect l="l" t="t" r="r" b="b"/>
+            <a:pathLst>
+              <a:path w="120000" h="120000" extrusionOk="0">
+                <a:moveTo>
+                  <a:pt x="0" y="0"/>
+                </a:moveTo>
+                <a:lnTo>
+                  <a:pt x="120000" y="0"/>
+                </a:lnTo>
+                <a:lnTo>
+                  <a:pt x="120000" y="120000"/>
+                </a:lnTo>
+                <a:lnTo>
+                  <a:pt x="0" y="120000"/>
+                </a:lnTo>
+                <a:close/>
+              </a:path>
+            </a:pathLst>
+          </a:custGeom>
+        </p:spPr>
+      </p:sp>
+      <p:sp>
+        <p:nvSpPr>
+          <p:cNvPr id="90" name="Google Shape;90;g2be5ebedcbe_0_125:notes"/>
+          <p:cNvSpPr txBox="1">
+            <a:spLocks noGrp="1"/>
+          </p:cNvSpPr>
+          <p:nvPr>
+            <p:ph type="body" idx="1"/>
+          </p:nvPr>
+        </p:nvSpPr>
+        <p:spPr>
+          <a:xfrm>
+            <a:off x="685800" y="4343400"/>
+            <a:ext cx="5486400" cy="4114800"/>
+          </a:xfrm>
+          <a:prstGeom prst="rect">
+            <a:avLst/>
+          </a:prstGeom>
+        </p:spPr>
+        <p:txBody>
+          <a:bodyPr spcFirstLastPara="1" wrap="square" lIns="91425" tIns="91425" rIns="91425" bIns="91425" anchor="t" anchorCtr="0">
+            <a:noAutofit/>
+          </a:bodyPr>
+          <a:lstStyle/>
+          <a:p>
+            <a:pPr marL="0" lvl="0" indent="0" algn="l" rtl="0">
+              <a:spcBef>
+                <a:spcPts val="0"/>
+              </a:spcBef>
+              <a:spcAft>
+                <a:spcPts val="0"/>
+              </a:spcAft>
+              <a:buNone/>
+            </a:pPr>
+            <a:endParaRPr dirty="0"/>
+          </a:p>
+        </p:txBody>
+      </p:sp>
+    </p:spTree>
+  </p:cSld>
+  <p:clrMapOvr>
+    <a:masterClrMapping/>
+  </p:clrMapOvr>
+</p:notes>
+</file>
+
+<file path=ppt/notesSlides/notesSlide20.xml><?xml version="1.0" encoding="utf-8"?>
 <p:notes xmlns:a="http://schemas.openxmlformats.org/drawingml/2006/main" xmlns:r="http://schemas.openxmlformats.org/officeDocument/2006/relationships" xmlns:p="http://schemas.openxmlformats.org/presentationml/2006/main" showMasterSp="0" showMasterPhAnim="0">
   <p:cSld>
     <p:spTree>
@@ -1856,7 +2186,7 @@
 </p:notes>
 </file>
 
-<file path=ppt/notesSlides/notesSlide19.xml><?xml version="1.0" encoding="utf-8"?>
+<file path=ppt/notesSlides/notesSlide21.xml><?xml version="1.0" encoding="utf-8"?>
 <p:notes xmlns:a="http://schemas.openxmlformats.org/drawingml/2006/main" xmlns:r="http://schemas.openxmlformats.org/officeDocument/2006/relationships" xmlns:p="http://schemas.openxmlformats.org/presentationml/2006/main" showMasterSp="0" showMasterPhAnim="0">
   <p:cSld>
     <p:spTree>
@@ -1965,111 +2295,7 @@
 </p:notes>
 </file>
 
-<file path=ppt/notesSlides/notesSlide2.xml><?xml version="1.0" encoding="utf-8"?>
-<p:notes xmlns:a="http://schemas.openxmlformats.org/drawingml/2006/main" xmlns:r="http://schemas.openxmlformats.org/officeDocument/2006/relationships" xmlns:p="http://schemas.openxmlformats.org/presentationml/2006/main" showMasterSp="0" showMasterPhAnim="0">
-  <p:cSld>
-    <p:spTree>
-      <p:nvGrpSpPr>
-        <p:cNvPr id="1" name="Shape 88"/>
-        <p:cNvGrpSpPr/>
-        <p:nvPr/>
-      </p:nvGrpSpPr>
-      <p:grpSpPr>
-        <a:xfrm>
-          <a:off x="0" y="0"/>
-          <a:ext cx="0" cy="0"/>
-          <a:chOff x="0" y="0"/>
-          <a:chExt cx="0" cy="0"/>
-        </a:xfrm>
-      </p:grpSpPr>
-      <p:sp>
-        <p:nvSpPr>
-          <p:cNvPr id="89" name="Google Shape;89;g2be5ebedcbe_0_125:notes"/>
-          <p:cNvSpPr>
-            <a:spLocks noGrp="1" noRot="1" noChangeAspect="1"/>
-          </p:cNvSpPr>
-          <p:nvPr>
-            <p:ph type="sldImg" idx="2"/>
-          </p:nvPr>
-        </p:nvSpPr>
-        <p:spPr>
-          <a:xfrm>
-            <a:off x="381000" y="685800"/>
-            <a:ext cx="6096000" cy="3429000"/>
-          </a:xfrm>
-          <a:custGeom>
-            <a:avLst/>
-            <a:gdLst/>
-            <a:ahLst/>
-            <a:cxnLst/>
-            <a:rect l="l" t="t" r="r" b="b"/>
-            <a:pathLst>
-              <a:path w="120000" h="120000" extrusionOk="0">
-                <a:moveTo>
-                  <a:pt x="0" y="0"/>
-                </a:moveTo>
-                <a:lnTo>
-                  <a:pt x="120000" y="0"/>
-                </a:lnTo>
-                <a:lnTo>
-                  <a:pt x="120000" y="120000"/>
-                </a:lnTo>
-                <a:lnTo>
-                  <a:pt x="0" y="120000"/>
-                </a:lnTo>
-                <a:close/>
-              </a:path>
-            </a:pathLst>
-          </a:custGeom>
-        </p:spPr>
-      </p:sp>
-      <p:sp>
-        <p:nvSpPr>
-          <p:cNvPr id="90" name="Google Shape;90;g2be5ebedcbe_0_125:notes"/>
-          <p:cNvSpPr txBox="1">
-            <a:spLocks noGrp="1"/>
-          </p:cNvSpPr>
-          <p:nvPr>
-            <p:ph type="body" idx="1"/>
-          </p:nvPr>
-        </p:nvSpPr>
-        <p:spPr>
-          <a:xfrm>
-            <a:off x="685800" y="4343400"/>
-            <a:ext cx="5486400" cy="4114800"/>
-          </a:xfrm>
-          <a:prstGeom prst="rect">
-            <a:avLst/>
-          </a:prstGeom>
-        </p:spPr>
-        <p:txBody>
-          <a:bodyPr spcFirstLastPara="1" wrap="square" lIns="91425" tIns="91425" rIns="91425" bIns="91425" anchor="t" anchorCtr="0">
-            <a:noAutofit/>
-          </a:bodyPr>
-          <a:lstStyle/>
-          <a:p>
-            <a:pPr marL="0" lvl="0" indent="0" algn="l" rtl="0">
-              <a:spcBef>
-                <a:spcPts val="0"/>
-              </a:spcBef>
-              <a:spcAft>
-                <a:spcPts val="0"/>
-              </a:spcAft>
-              <a:buNone/>
-            </a:pPr>
-            <a:endParaRPr dirty="0"/>
-          </a:p>
-        </p:txBody>
-      </p:sp>
-    </p:spTree>
-  </p:cSld>
-  <p:clrMapOvr>
-    <a:masterClrMapping/>
-  </p:clrMapOvr>
-</p:notes>
-</file>
-
-<file path=ppt/notesSlides/notesSlide20.xml><?xml version="1.0" encoding="utf-8"?>
+<file path=ppt/notesSlides/notesSlide22.xml><?xml version="1.0" encoding="utf-8"?>
 <p:notes xmlns:a="http://schemas.openxmlformats.org/drawingml/2006/main" xmlns:r="http://schemas.openxmlformats.org/officeDocument/2006/relationships" xmlns:p="http://schemas.openxmlformats.org/presentationml/2006/main" showMasterSp="0" showMasterPhAnim="0">
   <p:cSld>
     <p:spTree>
@@ -2173,7 +2399,7 @@
 </p:notes>
 </file>
 
-<file path=ppt/notesSlides/notesSlide21.xml><?xml version="1.0" encoding="utf-8"?>
+<file path=ppt/notesSlides/notesSlide23.xml><?xml version="1.0" encoding="utf-8"?>
 <p:notes xmlns:a="http://schemas.openxmlformats.org/drawingml/2006/main" xmlns:r="http://schemas.openxmlformats.org/officeDocument/2006/relationships" xmlns:p="http://schemas.openxmlformats.org/presentationml/2006/main" showMasterSp="0" showMasterPhAnim="0">
   <p:cSld>
     <p:spTree>
@@ -2282,7 +2508,7 @@
 </p:notes>
 </file>
 
-<file path=ppt/notesSlides/notesSlide22.xml><?xml version="1.0" encoding="utf-8"?>
+<file path=ppt/notesSlides/notesSlide24.xml><?xml version="1.0" encoding="utf-8"?>
 <p:notes xmlns:a="http://schemas.openxmlformats.org/drawingml/2006/main" xmlns:r="http://schemas.openxmlformats.org/officeDocument/2006/relationships" xmlns:p="http://schemas.openxmlformats.org/presentationml/2006/main" showMasterSp="0" showMasterPhAnim="0">
   <p:cSld>
     <p:spTree>
@@ -2391,7 +2617,7 @@
 </p:notes>
 </file>
 
-<file path=ppt/notesSlides/notesSlide23.xml><?xml version="1.0" encoding="utf-8"?>
+<file path=ppt/notesSlides/notesSlide25.xml><?xml version="1.0" encoding="utf-8"?>
 <p:notes xmlns:a="http://schemas.openxmlformats.org/drawingml/2006/main" xmlns:r="http://schemas.openxmlformats.org/officeDocument/2006/relationships" xmlns:p="http://schemas.openxmlformats.org/presentationml/2006/main" showMasterSp="0" showMasterPhAnim="0">
   <p:cSld>
     <p:spTree>
@@ -2500,7 +2726,7 @@
 </p:notes>
 </file>
 
-<file path=ppt/notesSlides/notesSlide24.xml><?xml version="1.0" encoding="utf-8"?>
+<file path=ppt/notesSlides/notesSlide26.xml><?xml version="1.0" encoding="utf-8"?>
 <p:notes xmlns:a="http://schemas.openxmlformats.org/drawingml/2006/main" xmlns:r="http://schemas.openxmlformats.org/officeDocument/2006/relationships" xmlns:p="http://schemas.openxmlformats.org/presentationml/2006/main" showMasterSp="0" showMasterPhAnim="0">
   <p:cSld>
     <p:spTree>
@@ -2609,7 +2835,7 @@
 </p:notes>
 </file>
 
-<file path=ppt/notesSlides/notesSlide25.xml><?xml version="1.0" encoding="utf-8"?>
+<file path=ppt/notesSlides/notesSlide27.xml><?xml version="1.0" encoding="utf-8"?>
 <p:notes xmlns:a="http://schemas.openxmlformats.org/drawingml/2006/main" xmlns:r="http://schemas.openxmlformats.org/officeDocument/2006/relationships" xmlns:p="http://schemas.openxmlformats.org/presentationml/2006/main" showMasterSp="0" showMasterPhAnim="0">
   <p:cSld>
     <p:spTree>
@@ -2718,7 +2944,7 @@
 </p:notes>
 </file>
 
-<file path=ppt/notesSlides/notesSlide26.xml><?xml version="1.0" encoding="utf-8"?>
+<file path=ppt/notesSlides/notesSlide28.xml><?xml version="1.0" encoding="utf-8"?>
 <p:notes xmlns:a="http://schemas.openxmlformats.org/drawingml/2006/main" xmlns:r="http://schemas.openxmlformats.org/officeDocument/2006/relationships" xmlns:p="http://schemas.openxmlformats.org/presentationml/2006/main" showMasterSp="0" showMasterPhAnim="0">
   <p:cSld>
     <p:spTree>
@@ -2817,7 +3043,7 @@
     </p:spTree>
     <p:extLst>
       <p:ext uri="{BB962C8B-B14F-4D97-AF65-F5344CB8AC3E}">
-        <p14:creationId xmlns:p14="http://schemas.microsoft.com/office/powerpoint/2010/main" val="2750344122"/>
+        <p14:creationId xmlns:p14="http://schemas.microsoft.com/office/powerpoint/2010/main" val="1974592"/>
       </p:ext>
     </p:extLst>
   </p:cSld>
@@ -2827,7 +3053,7 @@
 </p:notes>
 </file>
 
-<file path=ppt/notesSlides/notesSlide27.xml><?xml version="1.0" encoding="utf-8"?>
+<file path=ppt/notesSlides/notesSlide29.xml><?xml version="1.0" encoding="utf-8"?>
 <p:notes xmlns:a="http://schemas.openxmlformats.org/drawingml/2006/main" xmlns:r="http://schemas.openxmlformats.org/officeDocument/2006/relationships" xmlns:p="http://schemas.openxmlformats.org/presentationml/2006/main" showMasterSp="0" showMasterPhAnim="0">
   <p:cSld>
     <p:spTree>
@@ -2926,6 +3152,219 @@
     </p:spTree>
     <p:extLst>
       <p:ext uri="{BB962C8B-B14F-4D97-AF65-F5344CB8AC3E}">
+        <p14:creationId xmlns:p14="http://schemas.microsoft.com/office/powerpoint/2010/main" val="2750344122"/>
+      </p:ext>
+    </p:extLst>
+  </p:cSld>
+  <p:clrMapOvr>
+    <a:masterClrMapping/>
+  </p:clrMapOvr>
+</p:notes>
+</file>
+
+<file path=ppt/notesSlides/notesSlide3.xml><?xml version="1.0" encoding="utf-8"?>
+<p:notes xmlns:a="http://schemas.openxmlformats.org/drawingml/2006/main" xmlns:r="http://schemas.openxmlformats.org/officeDocument/2006/relationships" xmlns:p="http://schemas.openxmlformats.org/presentationml/2006/main" showMasterSp="0" showMasterPhAnim="0">
+  <p:cSld>
+    <p:spTree>
+      <p:nvGrpSpPr>
+        <p:cNvPr id="1" name="Shape 100"/>
+        <p:cNvGrpSpPr/>
+        <p:nvPr/>
+      </p:nvGrpSpPr>
+      <p:grpSpPr>
+        <a:xfrm>
+          <a:off x="0" y="0"/>
+          <a:ext cx="0" cy="0"/>
+          <a:chOff x="0" y="0"/>
+          <a:chExt cx="0" cy="0"/>
+        </a:xfrm>
+      </p:grpSpPr>
+      <p:sp>
+        <p:nvSpPr>
+          <p:cNvPr id="101" name="Google Shape;101;g2be5ebedcbe_0_135:notes"/>
+          <p:cNvSpPr>
+            <a:spLocks noGrp="1" noRot="1" noChangeAspect="1"/>
+          </p:cNvSpPr>
+          <p:nvPr>
+            <p:ph type="sldImg" idx="2"/>
+          </p:nvPr>
+        </p:nvSpPr>
+        <p:spPr>
+          <a:xfrm>
+            <a:off x="381000" y="685800"/>
+            <a:ext cx="6096000" cy="3429000"/>
+          </a:xfrm>
+          <a:custGeom>
+            <a:avLst/>
+            <a:gdLst/>
+            <a:ahLst/>
+            <a:cxnLst/>
+            <a:rect l="l" t="t" r="r" b="b"/>
+            <a:pathLst>
+              <a:path w="120000" h="120000" extrusionOk="0">
+                <a:moveTo>
+                  <a:pt x="0" y="0"/>
+                </a:moveTo>
+                <a:lnTo>
+                  <a:pt x="120000" y="0"/>
+                </a:lnTo>
+                <a:lnTo>
+                  <a:pt x="120000" y="120000"/>
+                </a:lnTo>
+                <a:lnTo>
+                  <a:pt x="0" y="120000"/>
+                </a:lnTo>
+                <a:close/>
+              </a:path>
+            </a:pathLst>
+          </a:custGeom>
+        </p:spPr>
+      </p:sp>
+      <p:sp>
+        <p:nvSpPr>
+          <p:cNvPr id="102" name="Google Shape;102;g2be5ebedcbe_0_135:notes"/>
+          <p:cNvSpPr txBox="1">
+            <a:spLocks noGrp="1"/>
+          </p:cNvSpPr>
+          <p:nvPr>
+            <p:ph type="body" idx="1"/>
+          </p:nvPr>
+        </p:nvSpPr>
+        <p:spPr>
+          <a:xfrm>
+            <a:off x="685800" y="4343400"/>
+            <a:ext cx="5486400" cy="4114800"/>
+          </a:xfrm>
+          <a:prstGeom prst="rect">
+            <a:avLst/>
+          </a:prstGeom>
+        </p:spPr>
+        <p:txBody>
+          <a:bodyPr spcFirstLastPara="1" wrap="square" lIns="91425" tIns="91425" rIns="91425" bIns="91425" anchor="t" anchorCtr="0">
+            <a:noAutofit/>
+          </a:bodyPr>
+          <a:lstStyle/>
+          <a:p>
+            <a:pPr marL="0" lvl="0" indent="0" algn="l" rtl="0">
+              <a:spcBef>
+                <a:spcPts val="0"/>
+              </a:spcBef>
+              <a:spcAft>
+                <a:spcPts val="0"/>
+              </a:spcAft>
+              <a:buNone/>
+            </a:pPr>
+            <a:endParaRPr dirty="0"/>
+          </a:p>
+        </p:txBody>
+      </p:sp>
+    </p:spTree>
+  </p:cSld>
+  <p:clrMapOvr>
+    <a:masterClrMapping/>
+  </p:clrMapOvr>
+</p:notes>
+</file>
+
+<file path=ppt/notesSlides/notesSlide30.xml><?xml version="1.0" encoding="utf-8"?>
+<p:notes xmlns:a="http://schemas.openxmlformats.org/drawingml/2006/main" xmlns:r="http://schemas.openxmlformats.org/officeDocument/2006/relationships" xmlns:p="http://schemas.openxmlformats.org/presentationml/2006/main" showMasterSp="0" showMasterPhAnim="0">
+  <p:cSld>
+    <p:spTree>
+      <p:nvGrpSpPr>
+        <p:cNvPr id="1" name="Shape 149"/>
+        <p:cNvGrpSpPr/>
+        <p:nvPr/>
+      </p:nvGrpSpPr>
+      <p:grpSpPr>
+        <a:xfrm>
+          <a:off x="0" y="0"/>
+          <a:ext cx="0" cy="0"/>
+          <a:chOff x="0" y="0"/>
+          <a:chExt cx="0" cy="0"/>
+        </a:xfrm>
+      </p:grpSpPr>
+      <p:sp>
+        <p:nvSpPr>
+          <p:cNvPr id="150" name="Google Shape;150;g2be5ebedcbe_0_1035:notes"/>
+          <p:cNvSpPr>
+            <a:spLocks noGrp="1" noRot="1" noChangeAspect="1"/>
+          </p:cNvSpPr>
+          <p:nvPr>
+            <p:ph type="sldImg" idx="2"/>
+          </p:nvPr>
+        </p:nvSpPr>
+        <p:spPr>
+          <a:xfrm>
+            <a:off x="381000" y="685800"/>
+            <a:ext cx="6096000" cy="3429000"/>
+          </a:xfrm>
+          <a:custGeom>
+            <a:avLst/>
+            <a:gdLst/>
+            <a:ahLst/>
+            <a:cxnLst/>
+            <a:rect l="l" t="t" r="r" b="b"/>
+            <a:pathLst>
+              <a:path w="120000" h="120000" extrusionOk="0">
+                <a:moveTo>
+                  <a:pt x="0" y="0"/>
+                </a:moveTo>
+                <a:lnTo>
+                  <a:pt x="120000" y="0"/>
+                </a:lnTo>
+                <a:lnTo>
+                  <a:pt x="120000" y="120000"/>
+                </a:lnTo>
+                <a:lnTo>
+                  <a:pt x="0" y="120000"/>
+                </a:lnTo>
+                <a:close/>
+              </a:path>
+            </a:pathLst>
+          </a:custGeom>
+        </p:spPr>
+      </p:sp>
+      <p:sp>
+        <p:nvSpPr>
+          <p:cNvPr id="151" name="Google Shape;151;g2be5ebedcbe_0_1035:notes"/>
+          <p:cNvSpPr txBox="1">
+            <a:spLocks noGrp="1"/>
+          </p:cNvSpPr>
+          <p:nvPr>
+            <p:ph type="body" idx="1"/>
+          </p:nvPr>
+        </p:nvSpPr>
+        <p:spPr>
+          <a:xfrm>
+            <a:off x="685800" y="4343400"/>
+            <a:ext cx="5486400" cy="4114800"/>
+          </a:xfrm>
+          <a:prstGeom prst="rect">
+            <a:avLst/>
+          </a:prstGeom>
+        </p:spPr>
+        <p:txBody>
+          <a:bodyPr spcFirstLastPara="1" wrap="square" lIns="91425" tIns="91425" rIns="91425" bIns="91425" anchor="t" anchorCtr="0">
+            <a:noAutofit/>
+          </a:bodyPr>
+          <a:lstStyle/>
+          <a:p>
+            <a:pPr marL="0" lvl="0" indent="0" algn="l" rtl="0">
+              <a:spcBef>
+                <a:spcPts val="0"/>
+              </a:spcBef>
+              <a:spcAft>
+                <a:spcPts val="0"/>
+              </a:spcAft>
+              <a:buNone/>
+            </a:pPr>
+            <a:endParaRPr dirty="0"/>
+          </a:p>
+        </p:txBody>
+      </p:sp>
+    </p:spTree>
+    <p:extLst>
+      <p:ext uri="{BB962C8B-B14F-4D97-AF65-F5344CB8AC3E}">
         <p14:creationId xmlns:p14="http://schemas.microsoft.com/office/powerpoint/2010/main" val="553251609"/>
       </p:ext>
     </p:extLst>
@@ -2936,7 +3375,7 @@
 </p:notes>
 </file>
 
-<file path=ppt/notesSlides/notesSlide28.xml><?xml version="1.0" encoding="utf-8"?>
+<file path=ppt/notesSlides/notesSlide31.xml><?xml version="1.0" encoding="utf-8"?>
 <p:notes xmlns:a="http://schemas.openxmlformats.org/drawingml/2006/main" xmlns:r="http://schemas.openxmlformats.org/officeDocument/2006/relationships" xmlns:p="http://schemas.openxmlformats.org/presentationml/2006/main" showMasterSp="0" showMasterPhAnim="0">
   <p:cSld>
     <p:spTree>
@@ -3033,6 +3472,11 @@
         </p:txBody>
       </p:sp>
     </p:spTree>
+    <p:extLst>
+      <p:ext uri="{BB962C8B-B14F-4D97-AF65-F5344CB8AC3E}">
+        <p14:creationId xmlns:p14="http://schemas.microsoft.com/office/powerpoint/2010/main" val="2605412447"/>
+      </p:ext>
+    </p:extLst>
   </p:cSld>
   <p:clrMapOvr>
     <a:masterClrMapping/>
@@ -3040,7 +3484,111 @@
 </p:notes>
 </file>
 
-<file path=ppt/notesSlides/notesSlide29.xml><?xml version="1.0" encoding="utf-8"?>
+<file path=ppt/notesSlides/notesSlide32.xml><?xml version="1.0" encoding="utf-8"?>
+<p:notes xmlns:a="http://schemas.openxmlformats.org/drawingml/2006/main" xmlns:r="http://schemas.openxmlformats.org/officeDocument/2006/relationships" xmlns:p="http://schemas.openxmlformats.org/presentationml/2006/main" showMasterSp="0" showMasterPhAnim="0">
+  <p:cSld>
+    <p:spTree>
+      <p:nvGrpSpPr>
+        <p:cNvPr id="1" name="Shape 173"/>
+        <p:cNvGrpSpPr/>
+        <p:nvPr/>
+      </p:nvGrpSpPr>
+      <p:grpSpPr>
+        <a:xfrm>
+          <a:off x="0" y="0"/>
+          <a:ext cx="0" cy="0"/>
+          <a:chOff x="0" y="0"/>
+          <a:chExt cx="0" cy="0"/>
+        </a:xfrm>
+      </p:grpSpPr>
+      <p:sp>
+        <p:nvSpPr>
+          <p:cNvPr id="174" name="Google Shape;174;g2be5ebedcbe_0_995:notes"/>
+          <p:cNvSpPr>
+            <a:spLocks noGrp="1" noRot="1" noChangeAspect="1"/>
+          </p:cNvSpPr>
+          <p:nvPr>
+            <p:ph type="sldImg" idx="2"/>
+          </p:nvPr>
+        </p:nvSpPr>
+        <p:spPr>
+          <a:xfrm>
+            <a:off x="381000" y="685800"/>
+            <a:ext cx="6096000" cy="3429000"/>
+          </a:xfrm>
+          <a:custGeom>
+            <a:avLst/>
+            <a:gdLst/>
+            <a:ahLst/>
+            <a:cxnLst/>
+            <a:rect l="l" t="t" r="r" b="b"/>
+            <a:pathLst>
+              <a:path w="120000" h="120000" extrusionOk="0">
+                <a:moveTo>
+                  <a:pt x="0" y="0"/>
+                </a:moveTo>
+                <a:lnTo>
+                  <a:pt x="120000" y="0"/>
+                </a:lnTo>
+                <a:lnTo>
+                  <a:pt x="120000" y="120000"/>
+                </a:lnTo>
+                <a:lnTo>
+                  <a:pt x="0" y="120000"/>
+                </a:lnTo>
+                <a:close/>
+              </a:path>
+            </a:pathLst>
+          </a:custGeom>
+        </p:spPr>
+      </p:sp>
+      <p:sp>
+        <p:nvSpPr>
+          <p:cNvPr id="175" name="Google Shape;175;g2be5ebedcbe_0_995:notes"/>
+          <p:cNvSpPr txBox="1">
+            <a:spLocks noGrp="1"/>
+          </p:cNvSpPr>
+          <p:nvPr>
+            <p:ph type="body" idx="1"/>
+          </p:nvPr>
+        </p:nvSpPr>
+        <p:spPr>
+          <a:xfrm>
+            <a:off x="685800" y="4343400"/>
+            <a:ext cx="5486400" cy="4114800"/>
+          </a:xfrm>
+          <a:prstGeom prst="rect">
+            <a:avLst/>
+          </a:prstGeom>
+        </p:spPr>
+        <p:txBody>
+          <a:bodyPr spcFirstLastPara="1" wrap="square" lIns="91425" tIns="91425" rIns="91425" bIns="91425" anchor="t" anchorCtr="0">
+            <a:noAutofit/>
+          </a:bodyPr>
+          <a:lstStyle/>
+          <a:p>
+            <a:pPr marL="0" lvl="0" indent="0" algn="l" rtl="0">
+              <a:spcBef>
+                <a:spcPts val="0"/>
+              </a:spcBef>
+              <a:spcAft>
+                <a:spcPts val="0"/>
+              </a:spcAft>
+              <a:buNone/>
+            </a:pPr>
+            <a:endParaRPr dirty="0"/>
+          </a:p>
+        </p:txBody>
+      </p:sp>
+    </p:spTree>
+  </p:cSld>
+  <p:clrMapOvr>
+    <a:masterClrMapping/>
+  </p:clrMapOvr>
+</p:notes>
+</file>
+
+<file path=ppt/notesSlides/notesSlide33.xml><?xml version="1.0" encoding="utf-8"?>
 <p:notes xmlns:a="http://schemas.openxmlformats.org/drawingml/2006/main" xmlns:r="http://schemas.openxmlformats.org/officeDocument/2006/relationships" xmlns:p="http://schemas.openxmlformats.org/presentationml/2006/main" showMasterSp="0" showMasterPhAnim="0">
   <p:cSld>
     <p:spTree>
@@ -3144,111 +3692,7 @@
 </p:notes>
 </file>
 
-<file path=ppt/notesSlides/notesSlide3.xml><?xml version="1.0" encoding="utf-8"?>
-<p:notes xmlns:a="http://schemas.openxmlformats.org/drawingml/2006/main" xmlns:r="http://schemas.openxmlformats.org/officeDocument/2006/relationships" xmlns:p="http://schemas.openxmlformats.org/presentationml/2006/main" showMasterSp="0" showMasterPhAnim="0">
-  <p:cSld>
-    <p:spTree>
-      <p:nvGrpSpPr>
-        <p:cNvPr id="1" name="Shape 100"/>
-        <p:cNvGrpSpPr/>
-        <p:nvPr/>
-      </p:nvGrpSpPr>
-      <p:grpSpPr>
-        <a:xfrm>
-          <a:off x="0" y="0"/>
-          <a:ext cx="0" cy="0"/>
-          <a:chOff x="0" y="0"/>
-          <a:chExt cx="0" cy="0"/>
-        </a:xfrm>
-      </p:grpSpPr>
-      <p:sp>
-        <p:nvSpPr>
-          <p:cNvPr id="101" name="Google Shape;101;g2be5ebedcbe_0_135:notes"/>
-          <p:cNvSpPr>
-            <a:spLocks noGrp="1" noRot="1" noChangeAspect="1"/>
-          </p:cNvSpPr>
-          <p:nvPr>
-            <p:ph type="sldImg" idx="2"/>
-          </p:nvPr>
-        </p:nvSpPr>
-        <p:spPr>
-          <a:xfrm>
-            <a:off x="381000" y="685800"/>
-            <a:ext cx="6096000" cy="3429000"/>
-          </a:xfrm>
-          <a:custGeom>
-            <a:avLst/>
-            <a:gdLst/>
-            <a:ahLst/>
-            <a:cxnLst/>
-            <a:rect l="l" t="t" r="r" b="b"/>
-            <a:pathLst>
-              <a:path w="120000" h="120000" extrusionOk="0">
-                <a:moveTo>
-                  <a:pt x="0" y="0"/>
-                </a:moveTo>
-                <a:lnTo>
-                  <a:pt x="120000" y="0"/>
-                </a:lnTo>
-                <a:lnTo>
-                  <a:pt x="120000" y="120000"/>
-                </a:lnTo>
-                <a:lnTo>
-                  <a:pt x="0" y="120000"/>
-                </a:lnTo>
-                <a:close/>
-              </a:path>
-            </a:pathLst>
-          </a:custGeom>
-        </p:spPr>
-      </p:sp>
-      <p:sp>
-        <p:nvSpPr>
-          <p:cNvPr id="102" name="Google Shape;102;g2be5ebedcbe_0_135:notes"/>
-          <p:cNvSpPr txBox="1">
-            <a:spLocks noGrp="1"/>
-          </p:cNvSpPr>
-          <p:nvPr>
-            <p:ph type="body" idx="1"/>
-          </p:nvPr>
-        </p:nvSpPr>
-        <p:spPr>
-          <a:xfrm>
-            <a:off x="685800" y="4343400"/>
-            <a:ext cx="5486400" cy="4114800"/>
-          </a:xfrm>
-          <a:prstGeom prst="rect">
-            <a:avLst/>
-          </a:prstGeom>
-        </p:spPr>
-        <p:txBody>
-          <a:bodyPr spcFirstLastPara="1" wrap="square" lIns="91425" tIns="91425" rIns="91425" bIns="91425" anchor="t" anchorCtr="0">
-            <a:noAutofit/>
-          </a:bodyPr>
-          <a:lstStyle/>
-          <a:p>
-            <a:pPr marL="0" lvl="0" indent="0" algn="l" rtl="0">
-              <a:spcBef>
-                <a:spcPts val="0"/>
-              </a:spcBef>
-              <a:spcAft>
-                <a:spcPts val="0"/>
-              </a:spcAft>
-              <a:buNone/>
-            </a:pPr>
-            <a:endParaRPr dirty="0"/>
-          </a:p>
-        </p:txBody>
-      </p:sp>
-    </p:spTree>
-  </p:cSld>
-  <p:clrMapOvr>
-    <a:masterClrMapping/>
-  </p:clrMapOvr>
-</p:notes>
-</file>
-
-<file path=ppt/notesSlides/notesSlide30.xml><?xml version="1.0" encoding="utf-8"?>
+<file path=ppt/notesSlides/notesSlide34.xml><?xml version="1.0" encoding="utf-8"?>
 <p:notes xmlns:a="http://schemas.openxmlformats.org/drawingml/2006/main" xmlns:r="http://schemas.openxmlformats.org/officeDocument/2006/relationships" xmlns:p="http://schemas.openxmlformats.org/presentationml/2006/main" showMasterSp="0" showMasterPhAnim="0">
   <p:cSld>
     <p:spTree>
@@ -3352,7 +3796,7 @@
 </p:notes>
 </file>
 
-<file path=ppt/notesSlides/notesSlide31.xml><?xml version="1.0" encoding="utf-8"?>
+<file path=ppt/notesSlides/notesSlide35.xml><?xml version="1.0" encoding="utf-8"?>
 <p:notes xmlns:a="http://schemas.openxmlformats.org/drawingml/2006/main" xmlns:r="http://schemas.openxmlformats.org/officeDocument/2006/relationships" xmlns:p="http://schemas.openxmlformats.org/presentationml/2006/main" showMasterSp="0" showMasterPhAnim="0">
   <p:cSld>
     <p:spTree>
@@ -3456,7 +3900,7 @@
 </p:notes>
 </file>
 
-<file path=ppt/notesSlides/notesSlide32.xml><?xml version="1.0" encoding="utf-8"?>
+<file path=ppt/notesSlides/notesSlide36.xml><?xml version="1.0" encoding="utf-8"?>
 <p:notes xmlns:a="http://schemas.openxmlformats.org/drawingml/2006/main" xmlns:r="http://schemas.openxmlformats.org/officeDocument/2006/relationships" xmlns:p="http://schemas.openxmlformats.org/presentationml/2006/main" showMasterSp="0" showMasterPhAnim="0">
   <p:cSld>
     <p:spTree>
@@ -11297,6 +11741,237 @@
   <p:cSld>
     <p:spTree>
       <p:nvGrpSpPr>
+        <p:cNvPr id="1" name="Shape 127"/>
+        <p:cNvGrpSpPr/>
+        <p:nvPr/>
+      </p:nvGrpSpPr>
+      <p:grpSpPr>
+        <a:xfrm>
+          <a:off x="0" y="0"/>
+          <a:ext cx="0" cy="0"/>
+          <a:chOff x="0" y="0"/>
+          <a:chExt cx="0" cy="0"/>
+        </a:xfrm>
+      </p:grpSpPr>
+      <p:sp>
+        <p:nvSpPr>
+          <p:cNvPr id="128" name="Google Shape;128;p20"/>
+          <p:cNvSpPr txBox="1">
+            <a:spLocks noGrp="1"/>
+          </p:cNvSpPr>
+          <p:nvPr>
+            <p:ph type="body" idx="1"/>
+          </p:nvPr>
+        </p:nvSpPr>
+        <p:spPr>
+          <a:xfrm>
+            <a:off x="311700" y="1229875"/>
+            <a:ext cx="8520600" cy="3339000"/>
+          </a:xfrm>
+          <a:prstGeom prst="rect">
+            <a:avLst/>
+          </a:prstGeom>
+        </p:spPr>
+        <p:txBody>
+          <a:bodyPr spcFirstLastPara="1" wrap="square" lIns="91425" tIns="91425" rIns="91425" bIns="91425" anchor="t" anchorCtr="0">
+            <a:normAutofit/>
+          </a:bodyPr>
+          <a:lstStyle/>
+          <a:p>
+            <a:pPr marL="457200" lvl="0" indent="-298450" algn="l" rtl="0">
+              <a:spcBef>
+                <a:spcPts val="1200"/>
+              </a:spcBef>
+              <a:spcAft>
+                <a:spcPts val="0"/>
+              </a:spcAft>
+              <a:buClr>
+                <a:srgbClr val="000000"/>
+              </a:buClr>
+              <a:buSzPts val="1100"/>
+              <a:buFont typeface="Arial"/>
+              <a:buChar char="●"/>
+            </a:pPr>
+            <a:r>
+              <a:rPr lang="en"/>
+              <a:t>Generate novel insights into AI behavior and social dynamics</a:t>
+            </a:r>
+            <a:endParaRPr dirty="0"/>
+          </a:p>
+          <a:p>
+            <a:pPr marL="457200" lvl="0" indent="-298450" algn="l" rtl="0">
+              <a:spcBef>
+                <a:spcPts val="0"/>
+              </a:spcBef>
+              <a:spcAft>
+                <a:spcPts val="0"/>
+              </a:spcAft>
+              <a:buClr>
+                <a:srgbClr val="000000"/>
+              </a:buClr>
+              <a:buSzPts val="1100"/>
+              <a:buFont typeface="Arial"/>
+              <a:buChar char="●"/>
+            </a:pPr>
+            <a:r>
+              <a:rPr lang="en"/>
+              <a:t>Advocate for conscientious AI deployment and collaboration</a:t>
+            </a:r>
+            <a:endParaRPr dirty="0"/>
+          </a:p>
+          <a:p>
+            <a:pPr marL="457200" lvl="0" indent="-298450" algn="l" rtl="0">
+              <a:spcBef>
+                <a:spcPts val="0"/>
+              </a:spcBef>
+              <a:spcAft>
+                <a:spcPts val="0"/>
+              </a:spcAft>
+              <a:buClr>
+                <a:srgbClr val="000000"/>
+              </a:buClr>
+              <a:buSzPts val="1100"/>
+              <a:buFont typeface="Arial"/>
+              <a:buChar char="●"/>
+            </a:pPr>
+            <a:r>
+              <a:rPr lang="en"/>
+              <a:t>Highlight pressing ethical concerns surrounding AI behavior and autonomy</a:t>
+            </a:r>
+            <a:endParaRPr dirty="0"/>
+          </a:p>
+          <a:p>
+            <a:pPr marL="457200" lvl="0" indent="-298450" algn="l" rtl="0">
+              <a:spcBef>
+                <a:spcPts val="0"/>
+              </a:spcBef>
+              <a:spcAft>
+                <a:spcPts val="0"/>
+              </a:spcAft>
+              <a:buClr>
+                <a:srgbClr val="000000"/>
+              </a:buClr>
+              <a:buSzPts val="1100"/>
+              <a:buFont typeface="Arial"/>
+              <a:buChar char="●"/>
+            </a:pPr>
+            <a:r>
+              <a:rPr lang="en"/>
+              <a:t>Uncover previously unidentified patterns and tendencies in AI interactions</a:t>
+            </a:r>
+            <a:endParaRPr dirty="0"/>
+          </a:p>
+          <a:p>
+            <a:pPr marL="457200" lvl="0" indent="-298450" algn="l" rtl="0">
+              <a:spcBef>
+                <a:spcPts val="0"/>
+              </a:spcBef>
+              <a:spcAft>
+                <a:spcPts val="0"/>
+              </a:spcAft>
+              <a:buClr>
+                <a:srgbClr val="000000"/>
+              </a:buClr>
+              <a:buSzPts val="1100"/>
+              <a:buFont typeface="Arial"/>
+              <a:buChar char="●"/>
+            </a:pPr>
+            <a:r>
+              <a:rPr lang="en"/>
+              <a:t>Validate existing theories related to multi-agent coordination and cooperation</a:t>
+            </a:r>
+            <a:endParaRPr dirty="0"/>
+          </a:p>
+          <a:p>
+            <a:pPr marL="457200" lvl="0" indent="-298450" algn="l" rtl="0">
+              <a:spcBef>
+                <a:spcPts val="0"/>
+              </a:spcBef>
+              <a:spcAft>
+                <a:spcPts val="0"/>
+              </a:spcAft>
+              <a:buClr>
+                <a:srgbClr val="000000"/>
+              </a:buClr>
+              <a:buSzPts val="1100"/>
+              <a:buFont typeface="Arial"/>
+              <a:buChar char="●"/>
+            </a:pPr>
+            <a:r>
+              <a:rPr lang="en"/>
+              <a:t>Study human societies through observing and analyzing AI agent interactions.</a:t>
+            </a:r>
+            <a:endParaRPr dirty="0"/>
+          </a:p>
+          <a:p>
+            <a:pPr marL="0" lvl="0" indent="0" algn="l" rtl="0">
+              <a:spcBef>
+                <a:spcPts val="1200"/>
+              </a:spcBef>
+              <a:spcAft>
+                <a:spcPts val="1200"/>
+              </a:spcAft>
+              <a:buNone/>
+            </a:pPr>
+            <a:endParaRPr dirty="0"/>
+          </a:p>
+        </p:txBody>
+      </p:sp>
+      <p:sp>
+        <p:nvSpPr>
+          <p:cNvPr id="129" name="Google Shape;129;p20"/>
+          <p:cNvSpPr txBox="1">
+            <a:spLocks noGrp="1"/>
+          </p:cNvSpPr>
+          <p:nvPr>
+            <p:ph type="title"/>
+          </p:nvPr>
+        </p:nvSpPr>
+        <p:spPr>
+          <a:xfrm>
+            <a:off x="311700" y="374575"/>
+            <a:ext cx="8520600" cy="607800"/>
+          </a:xfrm>
+          <a:prstGeom prst="rect">
+            <a:avLst/>
+          </a:prstGeom>
+        </p:spPr>
+        <p:txBody>
+          <a:bodyPr spcFirstLastPara="1" wrap="square" lIns="91425" tIns="91425" rIns="91425" bIns="91425" anchor="t" anchorCtr="0">
+            <a:normAutofit fontScale="90000"/>
+          </a:bodyPr>
+          <a:lstStyle/>
+          <a:p>
+            <a:pPr marL="0" lvl="0" indent="0" algn="l" rtl="0">
+              <a:spcBef>
+                <a:spcPts val="0"/>
+              </a:spcBef>
+              <a:spcAft>
+                <a:spcPts val="0"/>
+              </a:spcAft>
+              <a:buNone/>
+            </a:pPr>
+            <a:r>
+              <a:rPr lang="en"/>
+              <a:t>DESIRED IMPACTS</a:t>
+            </a:r>
+            <a:endParaRPr dirty="0"/>
+          </a:p>
+        </p:txBody>
+      </p:sp>
+    </p:spTree>
+  </p:cSld>
+  <p:clrMapOvr>
+    <a:masterClrMapping/>
+  </p:clrMapOvr>
+</p:sld>
+</file>
+
+<file path=ppt/slides/slide12.xml><?xml version="1.0" encoding="utf-8"?>
+<p:sld xmlns:a="http://schemas.openxmlformats.org/drawingml/2006/main" xmlns:r="http://schemas.openxmlformats.org/officeDocument/2006/relationships" xmlns:p="http://schemas.openxmlformats.org/presentationml/2006/main">
+  <p:cSld>
+    <p:spTree>
+      <p:nvGrpSpPr>
         <p:cNvPr id="1" name="Shape 97"/>
         <p:cNvGrpSpPr/>
         <p:nvPr/>
@@ -11400,7 +12075,7 @@
 </p:sld>
 </file>
 
-<file path=ppt/slides/slide12.xml><?xml version="1.0" encoding="utf-8"?>
+<file path=ppt/slides/slide13.xml><?xml version="1.0" encoding="utf-8"?>
 <p:sld xmlns:a="http://schemas.openxmlformats.org/drawingml/2006/main" xmlns:r="http://schemas.openxmlformats.org/officeDocument/2006/relationships" xmlns:p="http://schemas.openxmlformats.org/presentationml/2006/main">
   <p:cSld>
     <p:spTree>
@@ -11581,175 +12256,6 @@
     <p:extLst>
       <p:ext uri="{BB962C8B-B14F-4D97-AF65-F5344CB8AC3E}">
         <p14:creationId xmlns:p14="http://schemas.microsoft.com/office/powerpoint/2010/main" val="3458237526"/>
-      </p:ext>
-    </p:extLst>
-  </p:cSld>
-  <p:clrMapOvr>
-    <a:masterClrMapping/>
-  </p:clrMapOvr>
-</p:sld>
-</file>
-
-<file path=ppt/slides/slide13.xml><?xml version="1.0" encoding="utf-8"?>
-<p:sld xmlns:a="http://schemas.openxmlformats.org/drawingml/2006/main" xmlns:r="http://schemas.openxmlformats.org/officeDocument/2006/relationships" xmlns:p="http://schemas.openxmlformats.org/presentationml/2006/main">
-  <p:cSld>
-    <p:spTree>
-      <p:nvGrpSpPr>
-        <p:cNvPr id="1" name="Shape 152"/>
-        <p:cNvGrpSpPr/>
-        <p:nvPr/>
-      </p:nvGrpSpPr>
-      <p:grpSpPr>
-        <a:xfrm>
-          <a:off x="0" y="0"/>
-          <a:ext cx="0" cy="0"/>
-          <a:chOff x="0" y="0"/>
-          <a:chExt cx="0" cy="0"/>
-        </a:xfrm>
-      </p:grpSpPr>
-      <p:sp>
-        <p:nvSpPr>
-          <p:cNvPr id="153" name="Google Shape;153;p24"/>
-          <p:cNvSpPr txBox="1">
-            <a:spLocks noGrp="1"/>
-          </p:cNvSpPr>
-          <p:nvPr>
-            <p:ph type="title"/>
-          </p:nvPr>
-        </p:nvSpPr>
-        <p:spPr>
-          <a:xfrm>
-            <a:off x="311700" y="410000"/>
-            <a:ext cx="8520600" cy="607800"/>
-          </a:xfrm>
-          <a:prstGeom prst="rect">
-            <a:avLst/>
-          </a:prstGeom>
-        </p:spPr>
-        <p:txBody>
-          <a:bodyPr spcFirstLastPara="1" wrap="square" lIns="91425" tIns="91425" rIns="91425" bIns="91425" anchor="t" anchorCtr="0">
-            <a:normAutofit fontScale="90000"/>
-          </a:bodyPr>
-          <a:lstStyle/>
-          <a:p>
-            <a:r>
-              <a:rPr lang="en-US" sz="2666" dirty="0"/>
-              <a:t>1.</a:t>
-            </a:r>
-            <a:r>
-              <a:rPr lang="en-US" sz="2800" b="1" dirty="0">
-                <a:ea typeface="Arial"/>
-                <a:cs typeface="Arial"/>
-                <a:sym typeface="Arial"/>
-              </a:rPr>
-              <a:t> </a:t>
-            </a:r>
-            <a:r>
-              <a:rPr lang="en-US" sz="2800" b="1" u="sng" dirty="0">
-                <a:ea typeface="Arial"/>
-                <a:cs typeface="Arial"/>
-                <a:sym typeface="Arial"/>
-              </a:rPr>
-              <a:t>Village Environment</a:t>
-            </a:r>
-            <a:endParaRPr sz="2666" u="sng" dirty="0"/>
-          </a:p>
-          <a:p>
-            <a:pPr marL="0" lvl="0" indent="0" algn="l" rtl="0">
-              <a:spcBef>
-                <a:spcPts val="0"/>
-              </a:spcBef>
-              <a:spcAft>
-                <a:spcPts val="0"/>
-              </a:spcAft>
-              <a:buNone/>
-            </a:pPr>
-            <a:endParaRPr dirty="0"/>
-          </a:p>
-          <a:p>
-            <a:pPr marL="0" lvl="0" indent="0" algn="l" rtl="0">
-              <a:spcBef>
-                <a:spcPts val="0"/>
-              </a:spcBef>
-              <a:spcAft>
-                <a:spcPts val="0"/>
-              </a:spcAft>
-              <a:buNone/>
-            </a:pPr>
-            <a:endParaRPr dirty="0"/>
-          </a:p>
-        </p:txBody>
-      </p:sp>
-      <p:sp>
-        <p:nvSpPr>
-          <p:cNvPr id="154" name="Google Shape;154;p24"/>
-          <p:cNvSpPr txBox="1">
-            <a:spLocks noGrp="1"/>
-          </p:cNvSpPr>
-          <p:nvPr>
-            <p:ph type="body" idx="1"/>
-          </p:nvPr>
-        </p:nvSpPr>
-        <p:spPr>
-          <a:xfrm>
-            <a:off x="311700" y="1368350"/>
-            <a:ext cx="8520600" cy="3339000"/>
-          </a:xfrm>
-          <a:prstGeom prst="rect">
-            <a:avLst/>
-          </a:prstGeom>
-        </p:spPr>
-        <p:txBody>
-          <a:bodyPr spcFirstLastPara="1" wrap="square" lIns="91425" tIns="91425" rIns="91425" bIns="91425" anchor="t" anchorCtr="0">
-            <a:normAutofit/>
-          </a:bodyPr>
-          <a:lstStyle/>
-          <a:p>
-            <a:pPr lvl="0">
-              <a:lnSpc>
-                <a:spcPct val="150000"/>
-              </a:lnSpc>
-              <a:buFont typeface="Arial"/>
-              <a:buChar char="-"/>
-            </a:pPr>
-            <a:r>
-              <a:rPr lang="en-IN" dirty="0"/>
-              <a:t>The Village Environment is a crucial component of the AI Village project, serving as the virtual world where the AI agents reside and interact.</a:t>
-            </a:r>
-          </a:p>
-          <a:p>
-            <a:pPr lvl="0">
-              <a:lnSpc>
-                <a:spcPct val="150000"/>
-              </a:lnSpc>
-              <a:buFont typeface="Arial"/>
-              <a:buChar char="-"/>
-            </a:pPr>
-            <a:r>
-              <a:rPr lang="en-IN" dirty="0"/>
-              <a:t>This environment was created using Pygame, a popular Python library for game development.</a:t>
-            </a:r>
-          </a:p>
-          <a:p>
-            <a:pPr lvl="0">
-              <a:lnSpc>
-                <a:spcPct val="150000"/>
-              </a:lnSpc>
-              <a:buFont typeface="Arial"/>
-              <a:buChar char="-"/>
-            </a:pPr>
-            <a:r>
-              <a:rPr lang="en-IN" dirty="0"/>
-              <a:t>To enhance the visual appeal and functionality of the village, we utilized Libresprite, a powerful tool for creating and managing sprites. </a:t>
-            </a:r>
-            <a:endParaRPr sz="1300" dirty="0"/>
-          </a:p>
-        </p:txBody>
-      </p:sp>
-    </p:spTree>
-    <p:extLst>
-      <p:ext uri="{BB962C8B-B14F-4D97-AF65-F5344CB8AC3E}">
-        <p14:creationId xmlns:p14="http://schemas.microsoft.com/office/powerpoint/2010/main" val="3725882246"/>
       </p:ext>
     </p:extLst>
   </p:cSld>
@@ -11801,14 +12307,25 @@
           </a:bodyPr>
           <a:lstStyle/>
           <a:p>
-            <a:pPr lvl="0"/>
             <a:r>
               <a:rPr lang="en-US" sz="2666" dirty="0"/>
-              <a:t>2. </a:t>
-            </a:r>
-            <a:r>
-              <a:rPr lang="en-IN" b="1" u="sng" dirty="0"/>
-              <a:t>Adding AI-agents to the village</a:t>
+              <a:t>1.</a:t>
+            </a:r>
+            <a:r>
+              <a:rPr lang="en-US" sz="2800" b="1" dirty="0">
+                <a:ea typeface="Arial"/>
+                <a:cs typeface="Arial"/>
+                <a:sym typeface="Arial"/>
+              </a:rPr>
+              <a:t> </a:t>
+            </a:r>
+            <a:r>
+              <a:rPr lang="en-US" sz="2800" b="1" u="sng" dirty="0">
+                <a:ea typeface="Arial"/>
+                <a:cs typeface="Arial"/>
+                <a:sym typeface="Arial"/>
+              </a:rPr>
+              <a:t>Village Environment</a:t>
             </a:r>
             <a:endParaRPr sz="2666" u="sng" dirty="0"/>
           </a:p>
@@ -11850,7 +12367,7 @@
         </p:nvSpPr>
         <p:spPr>
           <a:xfrm>
-            <a:off x="311700" y="1017800"/>
+            <a:off x="311700" y="1368350"/>
             <a:ext cx="8520600" cy="3339000"/>
           </a:xfrm>
           <a:prstGeom prst="rect">
@@ -11872,7 +12389,7 @@
             </a:pPr>
             <a:r>
               <a:rPr lang="en-IN" dirty="0"/>
-              <a:t>The AI Village project takes a significant step forward with the introduction of villagers, who are AI agents, into the Pygame Village Environment. </a:t>
+              <a:t>The Village Environment is a crucial component of the AI Village project, serving as the virtual world where the AI agents reside and interact.</a:t>
             </a:r>
           </a:p>
           <a:p>
@@ -11885,7 +12402,7 @@
             </a:pPr>
             <a:r>
               <a:rPr lang="en-IN" dirty="0"/>
-              <a:t>The villager's schedule is generated by the SchedulerAI.</a:t>
+              <a:t>This environment was created using Pygame, a popular Python library for game development.</a:t>
             </a:r>
           </a:p>
           <a:p>
@@ -11898,28 +12415,16 @@
             </a:pPr>
             <a:r>
               <a:rPr lang="en-IN" dirty="0"/>
-              <a:t>The ConversationAI plays a crucial role in facilitating interactions between villagers.</a:t>
-            </a:r>
-          </a:p>
-          <a:p>
-            <a:pPr>
-              <a:lnSpc>
-                <a:spcPct val="150000"/>
-              </a:lnSpc>
-              <a:buFont typeface="Arial"/>
-              <a:buChar char="-"/>
-            </a:pPr>
-            <a:r>
-              <a:rPr lang="en-IN" dirty="0"/>
-              <a:t>The animation and art aspects of the villagers are handled by Libresprite which provides a visually appealing and engaging experience.</a:t>
-            </a:r>
+              <a:t>To enhance the visual appeal and functionality of the village, we utilized Libresprite, a powerful tool for creating and managing sprites. </a:t>
+            </a:r>
+            <a:endParaRPr sz="1300" dirty="0"/>
           </a:p>
         </p:txBody>
       </p:sp>
     </p:spTree>
     <p:extLst>
       <p:ext uri="{BB962C8B-B14F-4D97-AF65-F5344CB8AC3E}">
-        <p14:creationId xmlns:p14="http://schemas.microsoft.com/office/powerpoint/2010/main" val="3480095415"/>
+        <p14:creationId xmlns:p14="http://schemas.microsoft.com/office/powerpoint/2010/main" val="3725882246"/>
       </p:ext>
     </p:extLst>
   </p:cSld>
@@ -11934,7 +12439,7 @@
   <p:cSld>
     <p:spTree>
       <p:nvGrpSpPr>
-        <p:cNvPr id="1" name="Shape 152"/>
+        <p:cNvPr id="1" name="Shape 115"/>
         <p:cNvGrpSpPr/>
         <p:nvPr/>
       </p:nvGrpSpPr>
@@ -11948,7 +12453,209 @@
       </p:grpSpPr>
       <p:sp>
         <p:nvSpPr>
-          <p:cNvPr id="153" name="Google Shape;153;p24"/>
+          <p:cNvPr id="116" name="Google Shape;116;p18"/>
+          <p:cNvSpPr txBox="1">
+            <a:spLocks noGrp="1"/>
+          </p:cNvSpPr>
+          <p:nvPr>
+            <p:ph type="body" idx="1"/>
+          </p:nvPr>
+        </p:nvSpPr>
+        <p:spPr>
+          <a:xfrm>
+            <a:off x="311700" y="1229875"/>
+            <a:ext cx="8520600" cy="3339000"/>
+          </a:xfrm>
+          <a:prstGeom prst="rect">
+            <a:avLst/>
+          </a:prstGeom>
+        </p:spPr>
+        <p:txBody>
+          <a:bodyPr spcFirstLastPara="1" wrap="square" lIns="91425" tIns="91425" rIns="91425" bIns="91425" anchor="t" anchorCtr="0">
+            <a:normAutofit/>
+          </a:bodyPr>
+          <a:lstStyle/>
+          <a:p>
+            <a:pPr marL="457200" lvl="0" indent="-342900" algn="l" rtl="0">
+              <a:lnSpc>
+                <a:spcPct val="150000"/>
+              </a:lnSpc>
+              <a:spcBef>
+                <a:spcPts val="1200"/>
+              </a:spcBef>
+              <a:spcAft>
+                <a:spcPts val="0"/>
+              </a:spcAft>
+              <a:buClr>
+                <a:srgbClr val="000000"/>
+              </a:buClr>
+              <a:buSzPts val="1800"/>
+              <a:buFont typeface="Roboto"/>
+              <a:buChar char="●"/>
+            </a:pPr>
+            <a:r>
+              <a:rPr lang="en" b="1" i="1" dirty="0">
+                <a:solidFill>
+                  <a:srgbClr val="000000"/>
+                </a:solidFill>
+              </a:rPr>
+              <a:t>Performance:</a:t>
+            </a:r>
+            <a:r>
+              <a:rPr lang="en" dirty="0">
+                <a:solidFill>
+                  <a:srgbClr val="000000"/>
+                </a:solidFill>
+              </a:rPr>
+              <a:t> The 'energy' value for each AI agent.</a:t>
+            </a:r>
+            <a:endParaRPr dirty="0">
+              <a:solidFill>
+                <a:srgbClr val="000000"/>
+              </a:solidFill>
+            </a:endParaRPr>
+          </a:p>
+          <a:p>
+            <a:pPr marL="457200" lvl="0" indent="-342900" algn="l" rtl="0">
+              <a:lnSpc>
+                <a:spcPct val="150000"/>
+              </a:lnSpc>
+              <a:spcBef>
+                <a:spcPts val="0"/>
+              </a:spcBef>
+              <a:spcAft>
+                <a:spcPts val="0"/>
+              </a:spcAft>
+              <a:buClr>
+                <a:srgbClr val="000000"/>
+              </a:buClr>
+              <a:buSzPts val="1800"/>
+              <a:buFont typeface="Roboto"/>
+              <a:buChar char="●"/>
+            </a:pPr>
+            <a:r>
+              <a:rPr lang="en" b="1" i="1" dirty="0">
+                <a:solidFill>
+                  <a:srgbClr val="000000"/>
+                </a:solidFill>
+              </a:rPr>
+              <a:t>Environment:</a:t>
+            </a:r>
+            <a:r>
+              <a:rPr lang="en" b="1" dirty="0">
+                <a:solidFill>
+                  <a:srgbClr val="000000"/>
+                </a:solidFill>
+              </a:rPr>
+              <a:t> </a:t>
+            </a:r>
+            <a:r>
+              <a:rPr lang="en" dirty="0">
+                <a:solidFill>
+                  <a:srgbClr val="000000"/>
+                </a:solidFill>
+              </a:rPr>
+              <a:t>The environment is the village simulated using pygame.</a:t>
+            </a:r>
+            <a:endParaRPr dirty="0">
+              <a:solidFill>
+                <a:srgbClr val="000000"/>
+              </a:solidFill>
+            </a:endParaRPr>
+          </a:p>
+          <a:p>
+            <a:pPr marL="457200" lvl="0" indent="-342900" algn="l" rtl="0">
+              <a:lnSpc>
+                <a:spcPct val="150000"/>
+              </a:lnSpc>
+              <a:spcBef>
+                <a:spcPts val="0"/>
+              </a:spcBef>
+              <a:spcAft>
+                <a:spcPts val="0"/>
+              </a:spcAft>
+              <a:buClr>
+                <a:srgbClr val="000000"/>
+              </a:buClr>
+              <a:buSzPts val="1800"/>
+              <a:buFont typeface="Roboto"/>
+              <a:buChar char="●"/>
+            </a:pPr>
+            <a:r>
+              <a:rPr lang="en" b="1" i="1" dirty="0">
+                <a:solidFill>
+                  <a:srgbClr val="000000"/>
+                </a:solidFill>
+              </a:rPr>
+              <a:t>Actuators:</a:t>
+            </a:r>
+            <a:r>
+              <a:rPr lang="en" dirty="0">
+                <a:solidFill>
+                  <a:srgbClr val="000000"/>
+                </a:solidFill>
+              </a:rPr>
+              <a:t> The environment is affected by the output of each (LLM) AI agent.</a:t>
+            </a:r>
+            <a:endParaRPr dirty="0">
+              <a:solidFill>
+                <a:srgbClr val="000000"/>
+              </a:solidFill>
+            </a:endParaRPr>
+          </a:p>
+          <a:p>
+            <a:pPr marL="457200" lvl="0" indent="-342900" algn="l" rtl="0">
+              <a:lnSpc>
+                <a:spcPct val="150000"/>
+              </a:lnSpc>
+              <a:spcBef>
+                <a:spcPts val="0"/>
+              </a:spcBef>
+              <a:spcAft>
+                <a:spcPts val="0"/>
+              </a:spcAft>
+              <a:buClr>
+                <a:srgbClr val="000000"/>
+              </a:buClr>
+              <a:buSzPts val="1800"/>
+              <a:buFont typeface="Roboto"/>
+              <a:buChar char="●"/>
+            </a:pPr>
+            <a:r>
+              <a:rPr lang="en" b="1" i="1" dirty="0">
+                <a:solidFill>
+                  <a:srgbClr val="000000"/>
+                </a:solidFill>
+              </a:rPr>
+              <a:t>Sensors:</a:t>
+            </a:r>
+            <a:r>
+              <a:rPr lang="en" dirty="0">
+                <a:solidFill>
+                  <a:srgbClr val="000000"/>
+                </a:solidFill>
+              </a:rPr>
+              <a:t> The prompt received by each LLM, acts as the sensor to observe the environment.</a:t>
+            </a:r>
+            <a:endParaRPr sz="2500" dirty="0"/>
+          </a:p>
+          <a:p>
+            <a:pPr marL="0" lvl="0" indent="0" algn="l" rtl="0">
+              <a:spcBef>
+                <a:spcPts val="1200"/>
+              </a:spcBef>
+              <a:spcAft>
+                <a:spcPts val="1200"/>
+              </a:spcAft>
+              <a:buNone/>
+            </a:pPr>
+            <a:endParaRPr dirty="0"/>
+          </a:p>
+        </p:txBody>
+      </p:sp>
+      <p:sp>
+        <p:nvSpPr>
+          <p:cNvPr id="117" name="Google Shape;117;p18"/>
           <p:cNvSpPr txBox="1">
             <a:spLocks noGrp="1"/>
           </p:cNvSpPr>
@@ -11971,18 +12678,6 @@
           </a:bodyPr>
           <a:lstStyle/>
           <a:p>
-            <a:pPr lvl="0"/>
-            <a:r>
-              <a:rPr lang="en" sz="2666" dirty="0"/>
-              <a:t>3. </a:t>
-            </a:r>
-            <a:r>
-              <a:rPr lang="en-IN" b="1" u="sng" dirty="0"/>
-              <a:t>SchedulerAI</a:t>
-            </a:r>
-            <a:endParaRPr sz="2666" u="sng" dirty="0"/>
-          </a:p>
-          <a:p>
             <a:pPr marL="0" lvl="0" indent="0" algn="l" rtl="0">
               <a:spcBef>
                 <a:spcPts val="0"/>
@@ -11992,107 +12687,15 @@
               </a:spcAft>
               <a:buNone/>
             </a:pPr>
+            <a:r>
+              <a:rPr lang="en"/>
+              <a:t>PEAS Analysis</a:t>
+            </a:r>
             <a:endParaRPr dirty="0"/>
-          </a:p>
-          <a:p>
-            <a:pPr marL="0" lvl="0" indent="0" algn="l" rtl="0">
-              <a:spcBef>
-                <a:spcPts val="0"/>
-              </a:spcBef>
-              <a:spcAft>
-                <a:spcPts val="0"/>
-              </a:spcAft>
-              <a:buNone/>
-            </a:pPr>
-            <a:endParaRPr dirty="0"/>
-          </a:p>
-        </p:txBody>
-      </p:sp>
-      <p:sp>
-        <p:nvSpPr>
-          <p:cNvPr id="154" name="Google Shape;154;p24"/>
-          <p:cNvSpPr txBox="1">
-            <a:spLocks noGrp="1"/>
-          </p:cNvSpPr>
-          <p:nvPr>
-            <p:ph type="body" idx="1"/>
-          </p:nvPr>
-        </p:nvSpPr>
-        <p:spPr>
-          <a:xfrm>
-            <a:off x="311700" y="1368350"/>
-            <a:ext cx="8520600" cy="3339000"/>
-          </a:xfrm>
-          <a:prstGeom prst="rect">
-            <a:avLst/>
-          </a:prstGeom>
-        </p:spPr>
-        <p:txBody>
-          <a:bodyPr spcFirstLastPara="1" wrap="square" lIns="91425" tIns="91425" rIns="91425" bIns="91425" anchor="t" anchorCtr="0">
-            <a:normAutofit/>
-          </a:bodyPr>
-          <a:lstStyle/>
-          <a:p>
-            <a:pPr lvl="0">
-              <a:lnSpc>
-                <a:spcPct val="150000"/>
-              </a:lnSpc>
-              <a:buFont typeface="Arial"/>
-              <a:buChar char="-"/>
-            </a:pPr>
-            <a:r>
-              <a:rPr lang="en-IN" dirty="0"/>
-              <a:t>The SchedulerAI is a pivotal component of the village, responsible for generating personalized schedules for each villager. </a:t>
-            </a:r>
-          </a:p>
-          <a:p>
-            <a:pPr lvl="0">
-              <a:lnSpc>
-                <a:spcPct val="150000"/>
-              </a:lnSpc>
-              <a:buFont typeface="Arial"/>
-              <a:buChar char="-"/>
-            </a:pPr>
-            <a:r>
-              <a:rPr lang="en-IN" dirty="0"/>
-              <a:t>This intelligent system leverages the capabilities of LLaMA3.</a:t>
-            </a:r>
-          </a:p>
-          <a:p>
-            <a:pPr lvl="0">
-              <a:lnSpc>
-                <a:spcPct val="150000"/>
-              </a:lnSpc>
-              <a:buFont typeface="Arial"/>
-              <a:buChar char="-"/>
-            </a:pPr>
-            <a:r>
-              <a:rPr lang="en-IN" dirty="0"/>
-              <a:t>To create these schedules, the SchedulerAI draws upon the base character and memory of each villager.</a:t>
-            </a:r>
-          </a:p>
-          <a:p>
-            <a:pPr lvl="0">
-              <a:lnSpc>
-                <a:spcPct val="150000"/>
-              </a:lnSpc>
-              <a:buFont typeface="Arial"/>
-              <a:buChar char="-"/>
-            </a:pPr>
-            <a:r>
-              <a:rPr lang="en-IN" dirty="0"/>
-              <a:t>By combining the villager's base character and memory, the SchedulerAI can generate schedules that are both realistic and engaging. </a:t>
-            </a:r>
-            <a:endParaRPr sz="1300" dirty="0"/>
           </a:p>
         </p:txBody>
       </p:sp>
     </p:spTree>
-    <p:extLst>
-      <p:ext uri="{BB962C8B-B14F-4D97-AF65-F5344CB8AC3E}">
-        <p14:creationId xmlns:p14="http://schemas.microsoft.com/office/powerpoint/2010/main" val="4268510089"/>
-      </p:ext>
-    </p:extLst>
   </p:cSld>
   <p:clrMapOvr>
     <a:masterClrMapping/>
@@ -12145,15 +12748,11 @@
             <a:pPr lvl="0"/>
             <a:r>
               <a:rPr lang="en-US" sz="2666" dirty="0"/>
-              <a:t>4.</a:t>
-            </a:r>
-            <a:r>
-              <a:rPr lang="en-IN" b="1" dirty="0"/>
-              <a:t> </a:t>
+              <a:t>2. </a:t>
             </a:r>
             <a:r>
               <a:rPr lang="en-IN" b="1" u="sng" dirty="0"/>
-              <a:t>ConversationAI</a:t>
+              <a:t>Adding AI-agents to the village</a:t>
             </a:r>
             <a:endParaRPr sz="2666" u="sng" dirty="0"/>
           </a:p>
@@ -12195,7 +12794,7 @@
         </p:nvSpPr>
         <p:spPr>
           <a:xfrm>
-            <a:off x="311700" y="1368350"/>
+            <a:off x="311700" y="1017800"/>
             <a:ext cx="8520600" cy="3339000"/>
           </a:xfrm>
           <a:prstGeom prst="rect">
@@ -12217,7 +12816,7 @@
             </a:pPr>
             <a:r>
               <a:rPr lang="en-IN" dirty="0"/>
-              <a:t>The ConversationAI is a sophisticated component of the AI Village project, responsible for facilitating conversations between two agents when they come within a fixed proximity of each other.</a:t>
+              <a:t>The AI Village project takes a significant step forward with the introduction of villagers, who are AI agents, into the Pygame Village Environment. </a:t>
             </a:r>
           </a:p>
           <a:p>
@@ -12230,7 +12829,7 @@
             </a:pPr>
             <a:r>
               <a:rPr lang="en-IN" dirty="0"/>
-              <a:t>This intelligent system utilizes the capabilities of LLaMA3.</a:t>
+              <a:t>The villager's schedule is generated by the SchedulerAI.</a:t>
             </a:r>
           </a:p>
           <a:p>
@@ -12243,16 +12842,28 @@
             </a:pPr>
             <a:r>
               <a:rPr lang="en-IN" dirty="0"/>
-              <a:t>When two agents come within a predetermined distance of each other, the ConversationAI is triggered, initiating a conversation between the agents. </a:t>
-            </a:r>
-            <a:endParaRPr sz="1300" dirty="0"/>
+              <a:t>The ConversationAI plays a crucial role in facilitating interactions between villagers.</a:t>
+            </a:r>
+          </a:p>
+          <a:p>
+            <a:pPr>
+              <a:lnSpc>
+                <a:spcPct val="150000"/>
+              </a:lnSpc>
+              <a:buFont typeface="Arial"/>
+              <a:buChar char="-"/>
+            </a:pPr>
+            <a:r>
+              <a:rPr lang="en-IN" dirty="0"/>
+              <a:t>The animation and art aspects of the villagers are handled by Libresprite which provides a visually appealing and engaging experience.</a:t>
+            </a:r>
           </a:p>
         </p:txBody>
       </p:sp>
     </p:spTree>
     <p:extLst>
       <p:ext uri="{BB962C8B-B14F-4D97-AF65-F5344CB8AC3E}">
-        <p14:creationId xmlns:p14="http://schemas.microsoft.com/office/powerpoint/2010/main" val="426827401"/>
+        <p14:creationId xmlns:p14="http://schemas.microsoft.com/office/powerpoint/2010/main" val="3480095415"/>
       </p:ext>
     </p:extLst>
   </p:cSld>
@@ -12306,12 +12917,12 @@
           <a:p>
             <a:pPr lvl="0"/>
             <a:r>
-              <a:rPr lang="en-US" sz="2666" dirty="0"/>
-              <a:t>5. </a:t>
+              <a:rPr lang="en" sz="2666" dirty="0"/>
+              <a:t>3. </a:t>
             </a:r>
             <a:r>
               <a:rPr lang="en-IN" b="1" u="sng" dirty="0"/>
-              <a:t>Integrating SchedulerAI and ConversationAI into the Village</a:t>
+              <a:t>SchedulerAI</a:t>
             </a:r>
             <a:endParaRPr sz="2666" u="sng" dirty="0"/>
           </a:p>
@@ -12366,7 +12977,7 @@
           </a:bodyPr>
           <a:lstStyle/>
           <a:p>
-            <a:pPr>
+            <a:pPr lvl="0">
               <a:lnSpc>
                 <a:spcPct val="150000"/>
               </a:lnSpc>
@@ -12375,11 +12986,11 @@
             </a:pPr>
             <a:r>
               <a:rPr lang="en-IN" dirty="0"/>
-              <a:t>The integration of the SchedulerAI and ConversationAI into the Pygame Village with Agents is a crucial aspect of the AI Village project. </a:t>
-            </a:r>
-          </a:p>
-          <a:p>
-            <a:pPr>
+              <a:t>The SchedulerAI is a pivotal component of the village, responsible for generating personalized schedules for each villager. </a:t>
+            </a:r>
+          </a:p>
+          <a:p>
+            <a:pPr lvl="0">
               <a:lnSpc>
                 <a:spcPct val="150000"/>
               </a:lnSpc>
@@ -12388,11 +12999,11 @@
             </a:pPr>
             <a:r>
               <a:rPr lang="en-IN" dirty="0"/>
-              <a:t>This integration enables the agents to navigate the virtual world, interact with each other, and adapt to changes in their schedules and relationships.</a:t>
-            </a:r>
-          </a:p>
-          <a:p>
-            <a:pPr>
+              <a:t>This intelligent system leverages the capabilities of LLaMA3.</a:t>
+            </a:r>
+          </a:p>
+          <a:p>
+            <a:pPr lvl="0">
               <a:lnSpc>
                 <a:spcPct val="150000"/>
               </a:lnSpc>
@@ -12401,21 +13012,21 @@
             </a:pPr>
             <a:r>
               <a:rPr lang="en-IN" dirty="0"/>
-              <a:t>The agents utilize the SchedulerAI to manage their daily routines, which are represented as personalized timetables. </a:t>
-            </a:r>
-          </a:p>
-          <a:p>
-            <a:pPr marL="457200" lvl="0" indent="-342900" algn="l" rtl="0">
-              <a:spcBef>
-                <a:spcPts val="0"/>
-              </a:spcBef>
-              <a:spcAft>
-                <a:spcPts val="0"/>
-              </a:spcAft>
-              <a:buSzPts val="1800"/>
+              <a:t>To create these schedules, the SchedulerAI draws upon the base character and memory of each villager.</a:t>
+            </a:r>
+          </a:p>
+          <a:p>
+            <a:pPr lvl="0">
+              <a:lnSpc>
+                <a:spcPct val="150000"/>
+              </a:lnSpc>
               <a:buFont typeface="Arial"/>
               <a:buChar char="-"/>
             </a:pPr>
+            <a:r>
+              <a:rPr lang="en-IN" dirty="0"/>
+              <a:t>By combining the villager's base character and memory, the SchedulerAI can generate schedules that are both realistic and engaging. </a:t>
+            </a:r>
             <a:endParaRPr sz="1300" dirty="0"/>
           </a:p>
         </p:txBody>
@@ -12423,7 +13034,7 @@
     </p:spTree>
     <p:extLst>
       <p:ext uri="{BB962C8B-B14F-4D97-AF65-F5344CB8AC3E}">
-        <p14:creationId xmlns:p14="http://schemas.microsoft.com/office/powerpoint/2010/main" val="1806209258"/>
+        <p14:creationId xmlns:p14="http://schemas.microsoft.com/office/powerpoint/2010/main" val="4268510089"/>
       </p:ext>
     </p:extLst>
   </p:cSld>
@@ -12438,7 +13049,7 @@
   <p:cSld>
     <p:spTree>
       <p:nvGrpSpPr>
-        <p:cNvPr id="1" name="Shape 152"/>
+        <p:cNvPr id="1" name=""/>
         <p:cNvGrpSpPr/>
         <p:nvPr/>
       </p:nvGrpSpPr>
@@ -12452,70 +13063,49 @@
       </p:grpSpPr>
       <p:sp>
         <p:nvSpPr>
-          <p:cNvPr id="153" name="Google Shape;153;p24"/>
-          <p:cNvSpPr txBox="1">
+          <p:cNvPr id="2" name="Title 1">
+            <a:extLst>
+              <a:ext uri="{FF2B5EF4-FFF2-40B4-BE49-F238E27FC236}">
+                <a16:creationId xmlns:a16="http://schemas.microsoft.com/office/drawing/2014/main" id="{D71C1DA6-22A1-4D97-8329-9608E3C69EE1}"/>
+              </a:ext>
+            </a:extLst>
+          </p:cNvPr>
+          <p:cNvSpPr>
             <a:spLocks noGrp="1"/>
           </p:cNvSpPr>
           <p:nvPr>
             <p:ph type="title"/>
           </p:nvPr>
         </p:nvSpPr>
-        <p:spPr>
-          <a:xfrm>
-            <a:off x="311700" y="410000"/>
-            <a:ext cx="8520600" cy="607800"/>
-          </a:xfrm>
-          <a:prstGeom prst="rect">
-            <a:avLst/>
-          </a:prstGeom>
-        </p:spPr>
+        <p:spPr/>
         <p:txBody>
-          <a:bodyPr spcFirstLastPara="1" wrap="square" lIns="91425" tIns="91425" rIns="91425" bIns="91425" anchor="t" anchorCtr="0">
+          <a:bodyPr>
             <a:normAutofit fontScale="90000"/>
           </a:bodyPr>
           <a:lstStyle/>
           <a:p>
-            <a:pPr lvl="0"/>
-            <a:r>
-              <a:rPr lang="en-US" sz="2666" dirty="0"/>
-              <a:t>5. </a:t>
+            <a:r>
+              <a:rPr lang="en" sz="2666" dirty="0"/>
+              <a:t>3. </a:t>
             </a:r>
             <a:r>
               <a:rPr lang="en-IN" b="1" u="sng" dirty="0"/>
-              <a:t>Integrating SchedulerAI and ConversationAI into the Village</a:t>
-            </a:r>
-            <a:endParaRPr sz="2666" u="sng" dirty="0"/>
-          </a:p>
-          <a:p>
-            <a:pPr marL="0" lvl="0" indent="0" algn="l" rtl="0">
-              <a:spcBef>
-                <a:spcPts val="0"/>
-              </a:spcBef>
-              <a:spcAft>
-                <a:spcPts val="0"/>
-              </a:spcAft>
-              <a:buNone/>
-            </a:pPr>
-            <a:endParaRPr dirty="0"/>
-          </a:p>
-          <a:p>
-            <a:pPr marL="0" lvl="0" indent="0" algn="l" rtl="0">
-              <a:spcBef>
-                <a:spcPts val="0"/>
-              </a:spcBef>
-              <a:spcAft>
-                <a:spcPts val="0"/>
-              </a:spcAft>
-              <a:buNone/>
-            </a:pPr>
-            <a:endParaRPr dirty="0"/>
+              <a:t>SchedulerAI</a:t>
+            </a:r>
+            <a:endParaRPr lang="en-IN" dirty="0"/>
           </a:p>
         </p:txBody>
       </p:sp>
       <p:sp>
         <p:nvSpPr>
-          <p:cNvPr id="154" name="Google Shape;154;p24"/>
-          <p:cNvSpPr txBox="1">
+          <p:cNvPr id="3" name="Text Placeholder 2">
+            <a:extLst>
+              <a:ext uri="{FF2B5EF4-FFF2-40B4-BE49-F238E27FC236}">
+                <a16:creationId xmlns:a16="http://schemas.microsoft.com/office/drawing/2014/main" id="{2618334B-689D-4E2C-86AE-5299B40BF350}"/>
+              </a:ext>
+            </a:extLst>
+          </p:cNvPr>
+          <p:cNvSpPr>
             <a:spLocks noGrp="1"/>
           </p:cNvSpPr>
           <p:nvPr>
@@ -12524,90 +13114,99 @@
         </p:nvSpPr>
         <p:spPr>
           <a:xfrm>
-            <a:off x="311700" y="1368350"/>
-            <a:ext cx="8520600" cy="3339000"/>
+            <a:off x="311700" y="2954347"/>
+            <a:ext cx="6679653" cy="1614527"/>
+          </a:xfrm>
+        </p:spPr>
+        <p:txBody>
+          <a:bodyPr/>
+          <a:lstStyle/>
+          <a:p>
+            <a:endParaRPr lang="en-IN" dirty="0"/>
+          </a:p>
+        </p:txBody>
+      </p:sp>
+      <p:pic>
+        <p:nvPicPr>
+          <p:cNvPr id="1026" name="Picture 2" descr="C:\Users\advai\AppData\Local\Microsoft\Windows\Clipboard\HistoryData\{F5F993A2-08CA-4E2E-9E51-A1E5A5540CFB}\{FE82EFDB-9EF1-4712-AD0F-9B12ABCFE891}\ResourceMap\{93E111A2-041A-432B-85E3-E838CBB0A09D}">
+            <a:extLst>
+              <a:ext uri="{FF2B5EF4-FFF2-40B4-BE49-F238E27FC236}">
+                <a16:creationId xmlns:a16="http://schemas.microsoft.com/office/drawing/2014/main" id="{D703662D-8B75-473B-A680-795267BE3010}"/>
+              </a:ext>
+            </a:extLst>
+          </p:cNvPr>
+          <p:cNvPicPr>
+            <a:picLocks noChangeAspect="1" noChangeArrowheads="1"/>
+          </p:cNvPicPr>
+          <p:nvPr/>
+        </p:nvPicPr>
+        <p:blipFill>
+          <a:blip r:embed="rId2">
+            <a:extLst>
+              <a:ext uri="{28A0092B-C50C-407E-A947-70E740481C1C}">
+                <a14:useLocalDpi xmlns:a14="http://schemas.microsoft.com/office/drawing/2010/main" val="0"/>
+              </a:ext>
+            </a:extLst>
+          </a:blip>
+          <a:srcRect/>
+          <a:stretch>
+            <a:fillRect/>
+          </a:stretch>
+        </p:blipFill>
+        <p:spPr bwMode="auto">
+          <a:xfrm>
+            <a:off x="1603907" y="902198"/>
+            <a:ext cx="5936185" cy="3339104"/>
+          </a:xfrm>
+          <a:prstGeom prst="rect">
+            <a:avLst/>
+          </a:prstGeom>
+          <a:noFill/>
+          <a:extLst>
+            <a:ext uri="{909E8E84-426E-40DD-AFC4-6F175D3DCCD1}">
+              <a14:hiddenFill xmlns:a14="http://schemas.microsoft.com/office/drawing/2010/main">
+                <a:solidFill>
+                  <a:srgbClr val="FFFFFF"/>
+                </a:solidFill>
+              </a14:hiddenFill>
+            </a:ext>
+          </a:extLst>
+        </p:spPr>
+      </p:pic>
+      <p:pic>
+        <p:nvPicPr>
+          <p:cNvPr id="4" name="Picture 3">
+            <a:extLst>
+              <a:ext uri="{FF2B5EF4-FFF2-40B4-BE49-F238E27FC236}">
+                <a16:creationId xmlns:a16="http://schemas.microsoft.com/office/drawing/2014/main" id="{26445A61-D251-4BB7-AB6B-9BBB8A3B0F54}"/>
+              </a:ext>
+            </a:extLst>
+          </p:cNvPr>
+          <p:cNvPicPr>
+            <a:picLocks noChangeAspect="1"/>
+          </p:cNvPicPr>
+          <p:nvPr/>
+        </p:nvPicPr>
+        <p:blipFill>
+          <a:blip r:embed="rId3"/>
+          <a:stretch>
+            <a:fillRect/>
+          </a:stretch>
+        </p:blipFill>
+        <p:spPr>
+          <a:xfrm>
+            <a:off x="6073752" y="3899816"/>
+            <a:ext cx="3070248" cy="990188"/>
           </a:xfrm>
           <a:prstGeom prst="rect">
             <a:avLst/>
           </a:prstGeom>
         </p:spPr>
-        <p:txBody>
-          <a:bodyPr spcFirstLastPara="1" wrap="square" lIns="91425" tIns="91425" rIns="91425" bIns="91425" anchor="t" anchorCtr="0">
-            <a:normAutofit/>
-          </a:bodyPr>
-          <a:lstStyle/>
-          <a:p>
-            <a:pPr>
-              <a:lnSpc>
-                <a:spcPct val="150000"/>
-              </a:lnSpc>
-              <a:buFont typeface="Arial"/>
-              <a:buChar char="-"/>
-            </a:pPr>
-            <a:r>
-              <a:rPr lang="en-IN" dirty="0"/>
-              <a:t>To facilitate movement between locations, the agents employ the A* algorithm, a popular pathfinding technique that enables them to navigate the village efficiently.</a:t>
-            </a:r>
-          </a:p>
-          <a:p>
-            <a:pPr>
-              <a:lnSpc>
-                <a:spcPct val="150000"/>
-              </a:lnSpc>
-              <a:buFont typeface="Arial"/>
-              <a:buChar char="-"/>
-            </a:pPr>
-            <a:r>
-              <a:rPr lang="en-IN" dirty="0"/>
-              <a:t>When</a:t>
-            </a:r>
-            <a:r>
-              <a:rPr lang="en-US" dirty="0"/>
-              <a:t> </a:t>
-            </a:r>
-            <a:r>
-              <a:rPr lang="en-IN" dirty="0"/>
-              <a:t>two agents encounter each other, the ConversationAI is triggered, generating a conversation between them</a:t>
-            </a:r>
-            <a:r>
-              <a:rPr lang="en-US" dirty="0"/>
-              <a:t>. </a:t>
-            </a:r>
-            <a:r>
-              <a:rPr lang="en-IN" dirty="0"/>
-              <a:t>This interaction can have a profound impact on the agents' relationships, energy levels, and even their schedules. </a:t>
-            </a:r>
-          </a:p>
-          <a:p>
-            <a:pPr>
-              <a:lnSpc>
-                <a:spcPct val="150000"/>
-              </a:lnSpc>
-              <a:buFont typeface="Arial"/>
-              <a:buChar char="-"/>
-            </a:pPr>
-            <a:endParaRPr lang="en-US" dirty="0"/>
-          </a:p>
-          <a:p>
-            <a:pPr marL="457200" lvl="0" indent="-342900" algn="l" rtl="0">
-              <a:spcBef>
-                <a:spcPts val="0"/>
-              </a:spcBef>
-              <a:spcAft>
-                <a:spcPts val="0"/>
-              </a:spcAft>
-              <a:buSzPts val="1800"/>
-              <a:buFont typeface="Arial"/>
-              <a:buChar char="-"/>
-            </a:pPr>
-            <a:endParaRPr lang="en-US" sz="1300" dirty="0"/>
-          </a:p>
-        </p:txBody>
-      </p:sp>
+      </p:pic>
     </p:spTree>
     <p:extLst>
       <p:ext uri="{BB962C8B-B14F-4D97-AF65-F5344CB8AC3E}">
-        <p14:creationId xmlns:p14="http://schemas.microsoft.com/office/powerpoint/2010/main" val="95895411"/>
+        <p14:creationId xmlns:p14="http://schemas.microsoft.com/office/powerpoint/2010/main" val="1639115408"/>
       </p:ext>
     </p:extLst>
   </p:cSld>
@@ -12662,11 +13261,15 @@
             <a:pPr lvl="0"/>
             <a:r>
               <a:rPr lang="en-US" sz="2666" dirty="0"/>
-              <a:t>5. </a:t>
+              <a:t>4.</a:t>
+            </a:r>
+            <a:r>
+              <a:rPr lang="en-IN" b="1" dirty="0"/>
+              <a:t> </a:t>
             </a:r>
             <a:r>
               <a:rPr lang="en-IN" b="1" u="sng" dirty="0"/>
-              <a:t>Integrating SchedulerAI and ConversationAI into the Village</a:t>
+              <a:t>ConversationAI</a:t>
             </a:r>
             <a:endParaRPr sz="2666" u="sng" dirty="0"/>
           </a:p>
@@ -12721,52 +13324,51 @@
           </a:bodyPr>
           <a:lstStyle/>
           <a:p>
-            <a:pPr>
+            <a:pPr lvl="0">
               <a:lnSpc>
-                <a:spcPct val="200000"/>
+                <a:spcPct val="150000"/>
               </a:lnSpc>
               <a:buFont typeface="Arial"/>
               <a:buChar char="-"/>
             </a:pPr>
             <a:r>
               <a:rPr lang="en-IN" dirty="0"/>
-              <a:t>The integration of the SchedulerAI and ConversationAI enables the agents to respond dynamically to changes in their environment and relationships. </a:t>
-            </a:r>
-          </a:p>
-          <a:p>
-            <a:pPr>
+              <a:t>The ConversationAI is a sophisticated component of the AI Village project, responsible for facilitating conversations between two agents when they come within a fixed proximity of each other.</a:t>
+            </a:r>
+          </a:p>
+          <a:p>
+            <a:pPr lvl="0">
               <a:lnSpc>
-                <a:spcPct val="200000"/>
+                <a:spcPct val="150000"/>
               </a:lnSpc>
               <a:buFont typeface="Arial"/>
               <a:buChar char="-"/>
             </a:pPr>
             <a:r>
               <a:rPr lang="en-IN" dirty="0"/>
-              <a:t>This dynamic interplay between the SchedulerAI, ConversationAI, and agent movements brings the virtual world to life, simulating the complexities and nuances of real-life social interactions.</a:t>
-            </a:r>
-            <a:endParaRPr lang="en-US" dirty="0"/>
-          </a:p>
-          <a:p>
-            <a:pPr marL="457200" lvl="0" indent="-342900" algn="l" rtl="0">
-              <a:spcBef>
-                <a:spcPts val="0"/>
-              </a:spcBef>
-              <a:spcAft>
-                <a:spcPts val="0"/>
-              </a:spcAft>
-              <a:buSzPts val="1800"/>
+              <a:t>This intelligent system utilizes the capabilities of LLaMA3.</a:t>
+            </a:r>
+          </a:p>
+          <a:p>
+            <a:pPr lvl="0">
+              <a:lnSpc>
+                <a:spcPct val="150000"/>
+              </a:lnSpc>
               <a:buFont typeface="Arial"/>
               <a:buChar char="-"/>
             </a:pPr>
-            <a:endParaRPr lang="en-US" sz="1300" dirty="0"/>
+            <a:r>
+              <a:rPr lang="en-IN" dirty="0"/>
+              <a:t>When two agents come within a predetermined distance of each other, the ConversationAI is triggered, initiating a conversation between the agents. </a:t>
+            </a:r>
+            <a:endParaRPr sz="1300" dirty="0"/>
           </a:p>
         </p:txBody>
       </p:sp>
     </p:spTree>
     <p:extLst>
       <p:ext uri="{BB962C8B-B14F-4D97-AF65-F5344CB8AC3E}">
-        <p14:creationId xmlns:p14="http://schemas.microsoft.com/office/powerpoint/2010/main" val="2488175997"/>
+        <p14:creationId xmlns:p14="http://schemas.microsoft.com/office/powerpoint/2010/main" val="426827401"/>
       </p:ext>
     </p:extLst>
   </p:cSld>
@@ -12891,6 +13493,17 @@
               <a:buChar char="-"/>
             </a:pPr>
             <a:r>
+              <a:rPr lang="en" dirty="0"/>
+              <a:t>Desired Impact</a:t>
+            </a:r>
+            <a:endParaRPr lang="en-IN" dirty="0"/>
+          </a:p>
+          <a:p>
+            <a:pPr>
+              <a:buFont typeface="Roboto"/>
+              <a:buChar char="-"/>
+            </a:pPr>
+            <a:r>
               <a:rPr lang="en-US" dirty="0"/>
               <a:t>Objective</a:t>
             </a:r>
@@ -12929,22 +13542,6 @@
               <a:t>Methodology</a:t>
             </a:r>
             <a:endParaRPr dirty="0"/>
-          </a:p>
-          <a:p>
-            <a:pPr marL="457200" lvl="0" indent="-342900" algn="l" rtl="0">
-              <a:spcBef>
-                <a:spcPts val="0"/>
-              </a:spcBef>
-              <a:spcAft>
-                <a:spcPts val="0"/>
-              </a:spcAft>
-              <a:buSzPts val="1800"/>
-              <a:buChar char="-"/>
-            </a:pPr>
-            <a:r>
-              <a:rPr lang="en" dirty="0"/>
-              <a:t>Desired Impact</a:t>
-            </a:r>
           </a:p>
           <a:p>
             <a:pPr marL="457200" lvl="0" indent="-342900" algn="l" rtl="0">
@@ -13012,7 +13609,7 @@
   <p:cSld>
     <p:spTree>
       <p:nvGrpSpPr>
-        <p:cNvPr id="1" name="Shape 127"/>
+        <p:cNvPr id="1" name=""/>
         <p:cNvGrpSpPr/>
         <p:nvPr/>
       </p:nvGrpSpPr>
@@ -13026,8 +13623,53 @@
       </p:grpSpPr>
       <p:sp>
         <p:nvSpPr>
-          <p:cNvPr id="128" name="Google Shape;128;p20"/>
-          <p:cNvSpPr txBox="1">
+          <p:cNvPr id="2" name="Title 1">
+            <a:extLst>
+              <a:ext uri="{FF2B5EF4-FFF2-40B4-BE49-F238E27FC236}">
+                <a16:creationId xmlns:a16="http://schemas.microsoft.com/office/drawing/2014/main" id="{D71C1DA6-22A1-4D97-8329-9608E3C69EE1}"/>
+              </a:ext>
+            </a:extLst>
+          </p:cNvPr>
+          <p:cNvSpPr>
+            <a:spLocks noGrp="1"/>
+          </p:cNvSpPr>
+          <p:nvPr>
+            <p:ph type="title"/>
+          </p:nvPr>
+        </p:nvSpPr>
+        <p:spPr/>
+        <p:txBody>
+          <a:bodyPr>
+            <a:normAutofit fontScale="90000"/>
+          </a:bodyPr>
+          <a:lstStyle/>
+          <a:p>
+            <a:r>
+              <a:rPr lang="en-US" sz="2400" dirty="0"/>
+              <a:t>4.</a:t>
+            </a:r>
+            <a:r>
+              <a:rPr lang="en-IN" sz="2800" b="1" dirty="0"/>
+              <a:t> </a:t>
+            </a:r>
+            <a:r>
+              <a:rPr lang="en-IN" sz="2800" b="1" u="sng" dirty="0"/>
+              <a:t>ConversationAI</a:t>
+            </a:r>
+            <a:endParaRPr lang="en-IN" dirty="0"/>
+          </a:p>
+        </p:txBody>
+      </p:sp>
+      <p:sp>
+        <p:nvSpPr>
+          <p:cNvPr id="3" name="Text Placeholder 2">
+            <a:extLst>
+              <a:ext uri="{FF2B5EF4-FFF2-40B4-BE49-F238E27FC236}">
+                <a16:creationId xmlns:a16="http://schemas.microsoft.com/office/drawing/2014/main" id="{2618334B-689D-4E2C-86AE-5299B40BF350}"/>
+              </a:ext>
+            </a:extLst>
+          </p:cNvPr>
+          <p:cNvSpPr>
             <a:spLocks noGrp="1"/>
           </p:cNvSpPr>
           <p:nvPr>
@@ -13036,155 +13678,84 @@
         </p:nvSpPr>
         <p:spPr>
           <a:xfrm>
-            <a:off x="311700" y="1229875"/>
-            <a:ext cx="8520600" cy="3339000"/>
+            <a:off x="311700" y="2954347"/>
+            <a:ext cx="6679653" cy="1614527"/>
+          </a:xfrm>
+        </p:spPr>
+        <p:txBody>
+          <a:bodyPr/>
+          <a:lstStyle/>
+          <a:p>
+            <a:endParaRPr lang="en-IN" dirty="0"/>
+          </a:p>
+        </p:txBody>
+      </p:sp>
+      <p:pic>
+        <p:nvPicPr>
+          <p:cNvPr id="7" name="Picture 6">
+            <a:extLst>
+              <a:ext uri="{FF2B5EF4-FFF2-40B4-BE49-F238E27FC236}">
+                <a16:creationId xmlns:a16="http://schemas.microsoft.com/office/drawing/2014/main" id="{8669E2C3-18D3-4459-A33E-162B51E3F3B6}"/>
+              </a:ext>
+            </a:extLst>
+          </p:cNvPr>
+          <p:cNvPicPr>
+            <a:picLocks noChangeAspect="1"/>
+          </p:cNvPicPr>
+          <p:nvPr/>
+        </p:nvPicPr>
+        <p:blipFill>
+          <a:blip r:embed="rId2"/>
+          <a:stretch>
+            <a:fillRect/>
+          </a:stretch>
+        </p:blipFill>
+        <p:spPr>
+          <a:xfrm>
+            <a:off x="1581845" y="1272385"/>
+            <a:ext cx="5980309" cy="3363924"/>
           </a:xfrm>
           <a:prstGeom prst="rect">
             <a:avLst/>
           </a:prstGeom>
         </p:spPr>
-        <p:txBody>
-          <a:bodyPr spcFirstLastPara="1" wrap="square" lIns="91425" tIns="91425" rIns="91425" bIns="91425" anchor="t" anchorCtr="0">
-            <a:normAutofit/>
-          </a:bodyPr>
-          <a:lstStyle/>
-          <a:p>
-            <a:pPr lvl="0" indent="-298450">
-              <a:spcBef>
-                <a:spcPts val="1200"/>
-              </a:spcBef>
-              <a:buClr>
-                <a:srgbClr val="000000"/>
-              </a:buClr>
-              <a:buSzPts val="1100"/>
-              <a:buFont typeface="Arial"/>
-              <a:buChar char="●"/>
-            </a:pPr>
-            <a:r>
-              <a:rPr lang="en-IN" b="1" dirty="0"/>
-              <a:t>AI Agent Structure</a:t>
-            </a:r>
-          </a:p>
-          <a:p>
-            <a:pPr lvl="0" indent="-298450">
-              <a:spcBef>
-                <a:spcPts val="1200"/>
-              </a:spcBef>
-              <a:buClr>
-                <a:srgbClr val="000000"/>
-              </a:buClr>
-              <a:buSzPts val="1100"/>
-              <a:buFont typeface="Arial"/>
-              <a:buChar char="●"/>
-            </a:pPr>
-            <a:r>
-              <a:rPr lang="en-IN" b="1" dirty="0"/>
-              <a:t>SchedulerAI</a:t>
-            </a:r>
-          </a:p>
-          <a:p>
-            <a:pPr indent="-298450">
-              <a:spcBef>
-                <a:spcPts val="1200"/>
-              </a:spcBef>
-              <a:buClr>
-                <a:srgbClr val="000000"/>
-              </a:buClr>
-              <a:buSzPts val="1100"/>
-              <a:buFont typeface="Arial"/>
-              <a:buChar char="●"/>
-            </a:pPr>
-            <a:r>
-              <a:rPr lang="en-IN" b="1" dirty="0"/>
-              <a:t>ConversationAI</a:t>
-            </a:r>
-            <a:endParaRPr lang="en-IN" dirty="0"/>
-          </a:p>
-          <a:p>
-            <a:pPr lvl="0" indent="-298450">
-              <a:spcBef>
-                <a:spcPts val="1200"/>
-              </a:spcBef>
-              <a:buClr>
-                <a:srgbClr val="000000"/>
-              </a:buClr>
-              <a:buSzPts val="1100"/>
-              <a:buFont typeface="Arial"/>
-              <a:buChar char="●"/>
-            </a:pPr>
-            <a:r>
-              <a:rPr lang="en-IN" b="1" dirty="0"/>
-              <a:t>Motion of the agents - A* Algorithm</a:t>
-            </a:r>
-          </a:p>
-          <a:p>
-            <a:pPr indent="-298450">
-              <a:spcBef>
-                <a:spcPts val="1200"/>
-              </a:spcBef>
-              <a:buClr>
-                <a:srgbClr val="000000"/>
-              </a:buClr>
-              <a:buSzPts val="1100"/>
-              <a:buFont typeface="Arial"/>
-              <a:buChar char="●"/>
-            </a:pPr>
-            <a:r>
-              <a:rPr lang="en-IN" b="1" dirty="0"/>
-              <a:t>Integration of AI into Village</a:t>
-            </a:r>
-            <a:endParaRPr lang="en-IN" dirty="0"/>
-          </a:p>
-          <a:p>
-            <a:pPr marL="158750" lvl="0" indent="0">
-              <a:spcBef>
-                <a:spcPts val="1200"/>
-              </a:spcBef>
-              <a:buClr>
-                <a:srgbClr val="000000"/>
-              </a:buClr>
-              <a:buSzPts val="1100"/>
-              <a:buNone/>
-            </a:pPr>
-            <a:endParaRPr dirty="0"/>
-          </a:p>
-        </p:txBody>
-      </p:sp>
-      <p:sp>
-        <p:nvSpPr>
-          <p:cNvPr id="129" name="Google Shape;129;p20"/>
-          <p:cNvSpPr txBox="1">
-            <a:spLocks noGrp="1"/>
-          </p:cNvSpPr>
-          <p:nvPr>
-            <p:ph type="title"/>
-          </p:nvPr>
-        </p:nvSpPr>
+      </p:pic>
+      <p:pic>
+        <p:nvPicPr>
+          <p:cNvPr id="8" name="Picture 7">
+            <a:extLst>
+              <a:ext uri="{FF2B5EF4-FFF2-40B4-BE49-F238E27FC236}">
+                <a16:creationId xmlns:a16="http://schemas.microsoft.com/office/drawing/2014/main" id="{B8E41F5C-0B1C-41A0-B547-499BB860C3A3}"/>
+              </a:ext>
+            </a:extLst>
+          </p:cNvPr>
+          <p:cNvPicPr>
+            <a:picLocks noChangeAspect="1"/>
+          </p:cNvPicPr>
+          <p:nvPr/>
+        </p:nvPicPr>
+        <p:blipFill>
+          <a:blip r:embed="rId3"/>
+          <a:stretch>
+            <a:fillRect/>
+          </a:stretch>
+        </p:blipFill>
         <p:spPr>
           <a:xfrm>
-            <a:off x="311700" y="374575"/>
-            <a:ext cx="8520600" cy="607800"/>
+            <a:off x="6080426" y="3902858"/>
+            <a:ext cx="3063574" cy="988036"/>
           </a:xfrm>
           <a:prstGeom prst="rect">
             <a:avLst/>
           </a:prstGeom>
         </p:spPr>
-        <p:txBody>
-          <a:bodyPr spcFirstLastPara="1" wrap="square" lIns="91425" tIns="91425" rIns="91425" bIns="91425" anchor="t" anchorCtr="0">
-            <a:normAutofit fontScale="90000"/>
-          </a:bodyPr>
-          <a:lstStyle/>
-          <a:p>
-            <a:pPr lvl="0"/>
-            <a:r>
-              <a:rPr lang="en" dirty="0"/>
-              <a:t>METHODOLOGY</a:t>
-            </a:r>
-            <a:endParaRPr dirty="0"/>
-          </a:p>
-        </p:txBody>
-      </p:sp>
+      </p:pic>
     </p:spTree>
+    <p:extLst>
+      <p:ext uri="{BB962C8B-B14F-4D97-AF65-F5344CB8AC3E}">
+        <p14:creationId xmlns:p14="http://schemas.microsoft.com/office/powerpoint/2010/main" val="940933014"/>
+      </p:ext>
+    </p:extLst>
   </p:cSld>
   <p:clrMapOvr>
     <a:masterClrMapping/>
@@ -13230,27 +13801,32 @@
         </p:spPr>
         <p:txBody>
           <a:bodyPr spcFirstLastPara="1" wrap="square" lIns="91425" tIns="91425" rIns="91425" bIns="91425" anchor="t" anchorCtr="0">
-            <a:normAutofit fontScale="90000"/>
+            <a:normAutofit/>
           </a:bodyPr>
           <a:lstStyle/>
           <a:p>
+            <a:pPr lvl="0"/>
             <a:r>
               <a:rPr lang="en-US" sz="2666" dirty="0"/>
-              <a:t>1)</a:t>
-            </a:r>
-            <a:r>
-              <a:rPr lang="en-US" sz="2800" b="1" dirty="0">
-                <a:ea typeface="Arial"/>
-                <a:cs typeface="Arial"/>
-                <a:sym typeface="Arial"/>
-              </a:rPr>
-              <a:t> </a:t>
-            </a:r>
-            <a:r>
-              <a:rPr lang="en-IN" b="1" u="sng" dirty="0"/>
-              <a:t>AI Agent Structure</a:t>
-            </a:r>
-            <a:endParaRPr u="sng" dirty="0"/>
+              <a:t>5. </a:t>
+            </a:r>
+            <a:r>
+              <a:rPr lang="en-IN" sz="2200" b="1" u="sng" dirty="0"/>
+              <a:t>Integrating SchedulerAI and ConversationAI into the Village</a:t>
+            </a:r>
+            <a:endParaRPr sz="2000" u="sng" dirty="0"/>
+          </a:p>
+          <a:p>
+            <a:pPr marL="0" lvl="0" indent="0" algn="l" rtl="0">
+              <a:spcBef>
+                <a:spcPts val="0"/>
+              </a:spcBef>
+              <a:spcAft>
+                <a:spcPts val="0"/>
+              </a:spcAft>
+              <a:buNone/>
+            </a:pPr>
+            <a:endParaRPr dirty="0"/>
           </a:p>
           <a:p>
             <a:pPr marL="0" lvl="0" indent="0" algn="l" rtl="0">
@@ -13278,8 +13854,8 @@
         </p:nvSpPr>
         <p:spPr>
           <a:xfrm>
-            <a:off x="311700" y="1017800"/>
-            <a:ext cx="8520600" cy="3689550"/>
+            <a:off x="311700" y="1368350"/>
+            <a:ext cx="8520600" cy="3339000"/>
           </a:xfrm>
           <a:prstGeom prst="rect">
             <a:avLst/>
@@ -13299,8 +13875,8 @@
               <a:buChar char="-"/>
             </a:pPr>
             <a:r>
-              <a:rPr lang="en-IN" sz="1600" dirty="0"/>
-              <a:t>The AI agents (villagers) are implemented as a Python class with the following attributes:</a:t>
+              <a:rPr lang="en-IN" dirty="0"/>
+              <a:t>The integration of the SchedulerAI and ConversationAI into the Pygame Village with Agents is a crucial aspect of the AI Village project. </a:t>
             </a:r>
           </a:p>
           <a:p>
@@ -13313,100 +13889,42 @@
             </a:pPr>
             <a:r>
               <a:rPr lang="en-IN" dirty="0"/>
-              <a:t>class AI-Agent	</a:t>
-            </a:r>
-            <a:endParaRPr lang="en-IN" sz="1600" dirty="0"/>
-          </a:p>
-          <a:p>
-            <a:pPr marL="114300" indent="0">
+              <a:t>This integration enables the agents to navigate the virtual world, interact with each other, and adapt to changes in their schedules and relationships.</a:t>
+            </a:r>
+          </a:p>
+          <a:p>
+            <a:pPr>
               <a:lnSpc>
-                <a:spcPct val="100000"/>
+                <a:spcPct val="150000"/>
               </a:lnSpc>
-              <a:buNone/>
+              <a:buFont typeface="Arial"/>
+              <a:buChar char="-"/>
             </a:pPr>
             <a:r>
               <a:rPr lang="en-IN" dirty="0"/>
-              <a:t>	1. Sprites (villager images and animations)</a:t>
-            </a:r>
-          </a:p>
-          <a:p>
-            <a:pPr marL="114300" indent="0">
-              <a:lnSpc>
-                <a:spcPct val="100000"/>
-              </a:lnSpc>
-              <a:buNone/>
-            </a:pPr>
-            <a:r>
-              <a:rPr lang="en-IN" dirty="0"/>
-              <a:t>	2. Name</a:t>
-            </a:r>
-          </a:p>
-          <a:p>
-            <a:pPr marL="114300" indent="0">
-              <a:lnSpc>
-                <a:spcPct val="100000"/>
-              </a:lnSpc>
-              <a:buNone/>
-            </a:pPr>
-            <a:r>
-              <a:rPr lang="en-IN" dirty="0"/>
-              <a:t>	3. Base Personality</a:t>
-            </a:r>
-          </a:p>
-          <a:p>
-            <a:pPr marL="114300" indent="0">
-              <a:lnSpc>
-                <a:spcPct val="100000"/>
-              </a:lnSpc>
-              <a:buNone/>
-            </a:pPr>
-            <a:r>
-              <a:rPr lang="en-IN" dirty="0"/>
-              <a:t>	4. Energy level</a:t>
-            </a:r>
-          </a:p>
-          <a:p>
-            <a:pPr marL="114300" indent="0">
-              <a:lnSpc>
-                <a:spcPct val="100000"/>
-              </a:lnSpc>
-              <a:buNone/>
-            </a:pPr>
-            <a:r>
-              <a:rPr lang="en-IN" dirty="0"/>
-              <a:t>	5. Relationship (implemented as a dictionary with every other agent as 	  	keys and the corresponding relationship as values.</a:t>
-            </a:r>
-          </a:p>
-          <a:p>
-            <a:pPr marL="114300" indent="0">
-              <a:lnSpc>
-                <a:spcPct val="100000"/>
-              </a:lnSpc>
-              <a:buNone/>
-            </a:pPr>
-            <a:r>
-              <a:rPr lang="en-IN" dirty="0"/>
-              <a:t>	6. Schedule (current schedule)</a:t>
-            </a:r>
-          </a:p>
-          <a:p>
-            <a:pPr marL="114300" indent="0">
-              <a:lnSpc>
-                <a:spcPct val="100000"/>
-              </a:lnSpc>
-              <a:buNone/>
-            </a:pPr>
-            <a:r>
-              <a:rPr lang="en-IN" dirty="0"/>
-              <a:t>	7. Memory</a:t>
-            </a:r>
+              <a:t>The agents utilize the SchedulerAI to manage their daily routines, which are represented as personalized timetables. </a:t>
+            </a:r>
+          </a:p>
+          <a:p>
+            <a:pPr marL="457200" lvl="0" indent="-342900" algn="l" rtl="0">
+              <a:spcBef>
+                <a:spcPts val="0"/>
+              </a:spcBef>
+              <a:spcAft>
+                <a:spcPts val="0"/>
+              </a:spcAft>
+              <a:buSzPts val="1800"/>
+              <a:buFont typeface="Arial"/>
+              <a:buChar char="-"/>
+            </a:pPr>
+            <a:endParaRPr sz="1300" dirty="0"/>
           </a:p>
         </p:txBody>
       </p:sp>
     </p:spTree>
     <p:extLst>
       <p:ext uri="{BB962C8B-B14F-4D97-AF65-F5344CB8AC3E}">
-        <p14:creationId xmlns:p14="http://schemas.microsoft.com/office/powerpoint/2010/main" val="3705752614"/>
+        <p14:creationId xmlns:p14="http://schemas.microsoft.com/office/powerpoint/2010/main" val="1806209258"/>
       </p:ext>
     </p:extLst>
   </p:cSld>
@@ -13454,27 +13972,32 @@
         </p:spPr>
         <p:txBody>
           <a:bodyPr spcFirstLastPara="1" wrap="square" lIns="91425" tIns="91425" rIns="91425" bIns="91425" anchor="t" anchorCtr="0">
-            <a:normAutofit fontScale="90000"/>
+            <a:normAutofit/>
           </a:bodyPr>
           <a:lstStyle/>
           <a:p>
+            <a:pPr lvl="0"/>
             <a:r>
               <a:rPr lang="en-US" sz="2666" dirty="0"/>
-              <a:t>2)</a:t>
-            </a:r>
-            <a:r>
-              <a:rPr lang="en-US" sz="2800" b="1" dirty="0">
-                <a:ea typeface="Arial"/>
-                <a:cs typeface="Arial"/>
-                <a:sym typeface="Arial"/>
-              </a:rPr>
-              <a:t> </a:t>
-            </a:r>
-            <a:r>
-              <a:rPr lang="en-IN" b="1" u="sng" dirty="0"/>
-              <a:t>SchedulerAI</a:t>
-            </a:r>
-            <a:endParaRPr u="sng" dirty="0"/>
+              <a:t>5. </a:t>
+            </a:r>
+            <a:r>
+              <a:rPr lang="en-IN" sz="2200" b="1" u="sng" dirty="0"/>
+              <a:t>Integrating SchedulerAI and ConversationAI into the Village</a:t>
+            </a:r>
+            <a:endParaRPr sz="2000" u="sng" dirty="0"/>
+          </a:p>
+          <a:p>
+            <a:pPr marL="0" lvl="0" indent="0" algn="l" rtl="0">
+              <a:spcBef>
+                <a:spcPts val="0"/>
+              </a:spcBef>
+              <a:spcAft>
+                <a:spcPts val="0"/>
+              </a:spcAft>
+              <a:buNone/>
+            </a:pPr>
+            <a:endParaRPr dirty="0"/>
           </a:p>
           <a:p>
             <a:pPr marL="0" lvl="0" indent="0" algn="l" rtl="0">
@@ -13515,90 +14038,77 @@
           </a:bodyPr>
           <a:lstStyle/>
           <a:p>
-            <a:pPr lvl="0">
-              <a:lnSpc>
-                <a:spcPct val="150000"/>
-              </a:lnSpc>
-              <a:buFont typeface="+mj-lt"/>
-              <a:buAutoNum type="arabicPeriod"/>
-            </a:pPr>
-            <a:r>
-              <a:rPr lang="en-IN" dirty="0"/>
-              <a:t>Start</a:t>
-            </a:r>
-          </a:p>
-          <a:p>
-            <a:pPr lvl="0">
-              <a:lnSpc>
-                <a:spcPct val="150000"/>
-              </a:lnSpc>
-              <a:buFont typeface="+mj-lt"/>
-              <a:buAutoNum type="arabicPeriod"/>
-            </a:pPr>
-            <a:r>
-              <a:rPr lang="en-IN" dirty="0"/>
-              <a:t>Read the basic character and memory of the agent from the agent’s object</a:t>
-            </a:r>
-          </a:p>
-          <a:p>
-            <a:pPr lvl="0">
-              <a:lnSpc>
-                <a:spcPct val="150000"/>
-              </a:lnSpc>
-              <a:buFont typeface="+mj-lt"/>
-              <a:buAutoNum type="arabicPeriod"/>
-            </a:pPr>
-            <a:r>
-              <a:rPr lang="en-IN" dirty="0"/>
-              <a:t>Prompt the LLM to give the schedule given the above details in the correct format</a:t>
-            </a:r>
-          </a:p>
-          <a:p>
-            <a:pPr lvl="0">
-              <a:lnSpc>
-                <a:spcPct val="150000"/>
-              </a:lnSpc>
-              <a:buFont typeface="+mj-lt"/>
-              <a:buAutoNum type="arabicPeriod"/>
-            </a:pPr>
-            <a:r>
-              <a:rPr lang="en-IN" dirty="0"/>
-              <a:t>Use regular expression to extract the exact schedule from the LLM’s output</a:t>
-            </a:r>
-          </a:p>
-          <a:p>
-            <a:pPr lvl="0">
-              <a:lnSpc>
-                <a:spcPct val="150000"/>
-              </a:lnSpc>
-              <a:buFont typeface="+mj-lt"/>
-              <a:buAutoNum type="arabicPeriod"/>
-            </a:pPr>
-            <a:r>
-              <a:rPr lang="en-IN" dirty="0"/>
-              <a:t>Return the extracted schedule</a:t>
-            </a:r>
-          </a:p>
-          <a:p>
             <a:pPr>
               <a:lnSpc>
                 <a:spcPct val="150000"/>
               </a:lnSpc>
-              <a:buFont typeface="+mj-lt"/>
-              <a:buAutoNum type="arabicPeriod"/>
+              <a:buFont typeface="Arial"/>
+              <a:buChar char="-"/>
             </a:pPr>
             <a:r>
               <a:rPr lang="en-IN" dirty="0"/>
-              <a:t>Stop</a:t>
-            </a:r>
-            <a:endParaRPr sz="1300" dirty="0"/>
+              <a:t>To facilitate movement between locations, the agents employ the A* algorithm, a popular pathfinding technique that enables them to navigate the village efficiently.</a:t>
+            </a:r>
+          </a:p>
+          <a:p>
+            <a:pPr>
+              <a:lnSpc>
+                <a:spcPct val="150000"/>
+              </a:lnSpc>
+              <a:buFont typeface="Arial"/>
+              <a:buChar char="-"/>
+            </a:pPr>
+            <a:r>
+              <a:rPr lang="en-IN" dirty="0"/>
+              <a:t>When</a:t>
+            </a:r>
+            <a:r>
+              <a:rPr lang="en-US" dirty="0"/>
+              <a:t> </a:t>
+            </a:r>
+            <a:r>
+              <a:rPr lang="en-IN" dirty="0"/>
+              <a:t>two agents encounter each other, the ConversationAI is triggered, generating a conversation between them</a:t>
+            </a:r>
+            <a:r>
+              <a:rPr lang="en-US" dirty="0"/>
+              <a:t>. </a:t>
+            </a:r>
+            <a:r>
+              <a:rPr lang="en-IN" dirty="0"/>
+              <a:t>This interaction can have a profound impact on the agents' relationships, energy levels, and even their schedules. </a:t>
+            </a:r>
+          </a:p>
+          <a:p>
+            <a:pPr>
+              <a:lnSpc>
+                <a:spcPct val="150000"/>
+              </a:lnSpc>
+              <a:buFont typeface="Arial"/>
+              <a:buChar char="-"/>
+            </a:pPr>
+            <a:endParaRPr lang="en-US" dirty="0"/>
+          </a:p>
+          <a:p>
+            <a:pPr marL="457200" lvl="0" indent="-342900" algn="l" rtl="0">
+              <a:spcBef>
+                <a:spcPts val="0"/>
+              </a:spcBef>
+              <a:spcAft>
+                <a:spcPts val="0"/>
+              </a:spcAft>
+              <a:buSzPts val="1800"/>
+              <a:buFont typeface="Arial"/>
+              <a:buChar char="-"/>
+            </a:pPr>
+            <a:endParaRPr lang="en-US" sz="1300" dirty="0"/>
           </a:p>
         </p:txBody>
       </p:sp>
     </p:spTree>
     <p:extLst>
       <p:ext uri="{BB962C8B-B14F-4D97-AF65-F5344CB8AC3E}">
-        <p14:creationId xmlns:p14="http://schemas.microsoft.com/office/powerpoint/2010/main" val="8269361"/>
+        <p14:creationId xmlns:p14="http://schemas.microsoft.com/office/powerpoint/2010/main" val="95895411"/>
       </p:ext>
     </p:extLst>
   </p:cSld>
@@ -13646,27 +14156,20 @@
         </p:spPr>
         <p:txBody>
           <a:bodyPr spcFirstLastPara="1" wrap="square" lIns="91425" tIns="91425" rIns="91425" bIns="91425" anchor="t" anchorCtr="0">
-            <a:normAutofit fontScale="90000"/>
+            <a:normAutofit/>
           </a:bodyPr>
           <a:lstStyle/>
           <a:p>
+            <a:pPr lvl="0"/>
             <a:r>
               <a:rPr lang="en-US" sz="2666" dirty="0"/>
-              <a:t>3)</a:t>
-            </a:r>
-            <a:r>
-              <a:rPr lang="en-US" sz="2800" b="1" dirty="0">
-                <a:ea typeface="Arial"/>
-                <a:cs typeface="Arial"/>
-                <a:sym typeface="Arial"/>
-              </a:rPr>
-              <a:t> </a:t>
-            </a:r>
-            <a:r>
-              <a:rPr lang="en-IN" b="1" u="sng" dirty="0"/>
-              <a:t>ConversationAI</a:t>
-            </a:r>
-            <a:endParaRPr sz="2666" u="sng" dirty="0"/>
+              <a:t>5. </a:t>
+            </a:r>
+            <a:r>
+              <a:rPr lang="en-IN" sz="2200" b="1" u="sng" dirty="0"/>
+              <a:t>Integrating SchedulerAI and ConversationAI into the Village</a:t>
+            </a:r>
+            <a:endParaRPr sz="2000" u="sng" dirty="0"/>
           </a:p>
           <a:p>
             <a:pPr marL="0" lvl="0" indent="0" algn="l" rtl="0">
@@ -13721,52 +14224,50 @@
           <a:p>
             <a:pPr>
               <a:lnSpc>
-                <a:spcPct val="150000"/>
-              </a:lnSpc>
-            </a:pPr>
-            <a:r>
-              <a:rPr lang="en-IN" sz="2000" dirty="0"/>
-              <a:t>The ConversationAI is responsible for generating the conversation between two agents.</a:t>
-            </a:r>
-          </a:p>
-          <a:p>
-            <a:pPr>
-              <a:lnSpc>
-                <a:spcPct val="150000"/>
-              </a:lnSpc>
-            </a:pPr>
-            <a:r>
-              <a:rPr lang="en-IN" sz="2000" dirty="0"/>
-              <a:t> It also updates the memory of both the agents with the conversation and the relationship value between the agents. </a:t>
-            </a:r>
-          </a:p>
-          <a:p>
-            <a:pPr>
-              <a:lnSpc>
-                <a:spcPct val="150000"/>
-              </a:lnSpc>
-            </a:pPr>
-            <a:r>
-              <a:rPr lang="en-IN" sz="2000" dirty="0"/>
-              <a:t>The ConversationAI will run in a thread along with the program.</a:t>
-            </a:r>
-          </a:p>
-          <a:p>
-            <a:pPr lvl="0">
-              <a:lnSpc>
-                <a:spcPct val="150000"/>
+                <a:spcPct val="200000"/>
               </a:lnSpc>
               <a:buFont typeface="Arial"/>
               <a:buChar char="-"/>
             </a:pPr>
-            <a:endParaRPr sz="1300" dirty="0"/>
+            <a:r>
+              <a:rPr lang="en-IN" dirty="0"/>
+              <a:t>The integration of the SchedulerAI and ConversationAI enables the agents to respond dynamically to changes in their environment and relationships. </a:t>
+            </a:r>
+          </a:p>
+          <a:p>
+            <a:pPr>
+              <a:lnSpc>
+                <a:spcPct val="200000"/>
+              </a:lnSpc>
+              <a:buFont typeface="Arial"/>
+              <a:buChar char="-"/>
+            </a:pPr>
+            <a:r>
+              <a:rPr lang="en-IN" dirty="0"/>
+              <a:t>This dynamic interplay between the SchedulerAI, ConversationAI, and agent movements brings the virtual world to life, simulating the complexities and nuances of real-life social interactions.</a:t>
+            </a:r>
+            <a:endParaRPr lang="en-US" dirty="0"/>
+          </a:p>
+          <a:p>
+            <a:pPr marL="457200" lvl="0" indent="-342900" algn="l" rtl="0">
+              <a:spcBef>
+                <a:spcPts val="0"/>
+              </a:spcBef>
+              <a:spcAft>
+                <a:spcPts val="0"/>
+              </a:spcAft>
+              <a:buSzPts val="1800"/>
+              <a:buFont typeface="Arial"/>
+              <a:buChar char="-"/>
+            </a:pPr>
+            <a:endParaRPr lang="en-US" sz="1300" dirty="0"/>
           </a:p>
         </p:txBody>
       </p:sp>
     </p:spTree>
     <p:extLst>
       <p:ext uri="{BB962C8B-B14F-4D97-AF65-F5344CB8AC3E}">
-        <p14:creationId xmlns:p14="http://schemas.microsoft.com/office/powerpoint/2010/main" val="548028954"/>
+        <p14:creationId xmlns:p14="http://schemas.microsoft.com/office/powerpoint/2010/main" val="2488175997"/>
       </p:ext>
     </p:extLst>
   </p:cSld>
@@ -13781,7 +14282,7 @@
   <p:cSld>
     <p:spTree>
       <p:nvGrpSpPr>
-        <p:cNvPr id="1" name="Shape 152"/>
+        <p:cNvPr id="1" name=""/>
         <p:cNvGrpSpPr/>
         <p:nvPr/>
       </p:nvGrpSpPr>
@@ -13795,173 +14296,103 @@
       </p:grpSpPr>
       <p:sp>
         <p:nvSpPr>
-          <p:cNvPr id="153" name="Google Shape;153;p24"/>
-          <p:cNvSpPr txBox="1">
+          <p:cNvPr id="2" name="Title 1">
+            <a:extLst>
+              <a:ext uri="{FF2B5EF4-FFF2-40B4-BE49-F238E27FC236}">
+                <a16:creationId xmlns:a16="http://schemas.microsoft.com/office/drawing/2014/main" id="{D71C1DA6-22A1-4D97-8329-9608E3C69EE1}"/>
+              </a:ext>
+            </a:extLst>
+          </p:cNvPr>
+          <p:cNvSpPr>
             <a:spLocks noGrp="1"/>
           </p:cNvSpPr>
           <p:nvPr>
             <p:ph type="title"/>
           </p:nvPr>
         </p:nvSpPr>
+        <p:spPr/>
+        <p:txBody>
+          <a:bodyPr>
+            <a:normAutofit fontScale="90000"/>
+          </a:bodyPr>
+          <a:lstStyle/>
+          <a:p>
+            <a:r>
+              <a:rPr lang="en-US" sz="2000" dirty="0"/>
+              <a:t>5. </a:t>
+            </a:r>
+            <a:r>
+              <a:rPr lang="en-IN" sz="2400" b="1" u="sng" dirty="0"/>
+              <a:t>Integrating SchedulerAI and ConversationAI into the Village</a:t>
+            </a:r>
+            <a:endParaRPr lang="en-IN" dirty="0"/>
+          </a:p>
+        </p:txBody>
+      </p:sp>
+      <p:pic>
+        <p:nvPicPr>
+          <p:cNvPr id="5" name="Picture 4">
+            <a:extLst>
+              <a:ext uri="{FF2B5EF4-FFF2-40B4-BE49-F238E27FC236}">
+                <a16:creationId xmlns:a16="http://schemas.microsoft.com/office/drawing/2014/main" id="{A49BA29C-5F15-444B-A079-5BA0C97BE1CD}"/>
+              </a:ext>
+            </a:extLst>
+          </p:cNvPr>
+          <p:cNvPicPr>
+            <a:picLocks noChangeAspect="1"/>
+          </p:cNvPicPr>
+          <p:nvPr/>
+        </p:nvPicPr>
+        <p:blipFill>
+          <a:blip r:embed="rId2"/>
+          <a:stretch>
+            <a:fillRect/>
+          </a:stretch>
+        </p:blipFill>
         <p:spPr>
           <a:xfrm>
-            <a:off x="311700" y="410000"/>
-            <a:ext cx="8520600" cy="607800"/>
+            <a:off x="1609283" y="1017800"/>
+            <a:ext cx="5925433" cy="3333056"/>
           </a:xfrm>
           <a:prstGeom prst="rect">
             <a:avLst/>
           </a:prstGeom>
         </p:spPr>
-        <p:txBody>
-          <a:bodyPr spcFirstLastPara="1" wrap="square" lIns="91425" tIns="91425" rIns="91425" bIns="91425" anchor="t" anchorCtr="0">
-            <a:normAutofit fontScale="90000"/>
-          </a:bodyPr>
-          <a:lstStyle/>
-          <a:p>
-            <a:r>
-              <a:rPr lang="en-US" sz="2666" dirty="0"/>
-              <a:t>3)</a:t>
-            </a:r>
-            <a:r>
-              <a:rPr lang="en-US" sz="2800" b="1" dirty="0">
-                <a:ea typeface="Arial"/>
-                <a:cs typeface="Arial"/>
-                <a:sym typeface="Arial"/>
-              </a:rPr>
-              <a:t> </a:t>
-            </a:r>
-            <a:r>
-              <a:rPr lang="en-IN" b="1" u="sng" dirty="0"/>
-              <a:t>ConversationAI</a:t>
-            </a:r>
-            <a:endParaRPr sz="2666" u="sng" dirty="0"/>
-          </a:p>
-          <a:p>
-            <a:pPr marL="0" lvl="0" indent="0" algn="l" rtl="0">
-              <a:spcBef>
-                <a:spcPts val="0"/>
-              </a:spcBef>
-              <a:spcAft>
-                <a:spcPts val="0"/>
-              </a:spcAft>
-              <a:buNone/>
-            </a:pPr>
-            <a:endParaRPr dirty="0"/>
-          </a:p>
-          <a:p>
-            <a:pPr marL="0" lvl="0" indent="0" algn="l" rtl="0">
-              <a:spcBef>
-                <a:spcPts val="0"/>
-              </a:spcBef>
-              <a:spcAft>
-                <a:spcPts val="0"/>
-              </a:spcAft>
-              <a:buNone/>
-            </a:pPr>
-            <a:endParaRPr dirty="0"/>
-          </a:p>
-        </p:txBody>
-      </p:sp>
-      <p:sp>
-        <p:nvSpPr>
-          <p:cNvPr id="154" name="Google Shape;154;p24"/>
-          <p:cNvSpPr txBox="1">
-            <a:spLocks noGrp="1"/>
-          </p:cNvSpPr>
-          <p:nvPr>
-            <p:ph type="body" idx="1"/>
-          </p:nvPr>
-        </p:nvSpPr>
+      </p:pic>
+      <p:pic>
+        <p:nvPicPr>
+          <p:cNvPr id="6" name="Picture 5">
+            <a:extLst>
+              <a:ext uri="{FF2B5EF4-FFF2-40B4-BE49-F238E27FC236}">
+                <a16:creationId xmlns:a16="http://schemas.microsoft.com/office/drawing/2014/main" id="{F7EFBFDD-06A2-447C-B082-B2596F47167C}"/>
+              </a:ext>
+            </a:extLst>
+          </p:cNvPr>
+          <p:cNvPicPr>
+            <a:picLocks noChangeAspect="1"/>
+          </p:cNvPicPr>
+          <p:nvPr/>
+        </p:nvPicPr>
+        <p:blipFill>
+          <a:blip r:embed="rId3"/>
+          <a:stretch>
+            <a:fillRect/>
+          </a:stretch>
+        </p:blipFill>
         <p:spPr>
           <a:xfrm>
-            <a:off x="311700" y="1368350"/>
-            <a:ext cx="8520600" cy="3339000"/>
+            <a:off x="6087100" y="3897447"/>
+            <a:ext cx="3056899" cy="985883"/>
           </a:xfrm>
           <a:prstGeom prst="rect">
             <a:avLst/>
           </a:prstGeom>
         </p:spPr>
-        <p:txBody>
-          <a:bodyPr spcFirstLastPara="1" wrap="square" lIns="91425" tIns="91425" rIns="91425" bIns="91425" anchor="t" anchorCtr="0">
-            <a:normAutofit fontScale="92500"/>
-          </a:bodyPr>
-          <a:lstStyle/>
-          <a:p>
-            <a:pPr lvl="0">
-              <a:buFont typeface="+mj-lt"/>
-              <a:buAutoNum type="arabicPeriod"/>
-            </a:pPr>
-            <a:r>
-              <a:rPr lang="en-IN" dirty="0"/>
-              <a:t>Start</a:t>
-            </a:r>
-          </a:p>
-          <a:p>
-            <a:pPr lvl="0">
-              <a:buFont typeface="+mj-lt"/>
-              <a:buAutoNum type="arabicPeriod"/>
-            </a:pPr>
-            <a:r>
-              <a:rPr lang="en-IN" dirty="0"/>
-              <a:t>Read the basic character, relationship, and memory of both the agent from the agents’ object</a:t>
-            </a:r>
-          </a:p>
-          <a:p>
-            <a:pPr lvl="0">
-              <a:buFont typeface="+mj-lt"/>
-              <a:buAutoNum type="arabicPeriod"/>
-            </a:pPr>
-            <a:r>
-              <a:rPr lang="en-IN" dirty="0"/>
-              <a:t>Prompt the LLM to generate a conversation between these two agents, given their base details and memory. Also, ask the LLM to generate a summary of the conversation and the relationship after the conversation between the two agents.</a:t>
-            </a:r>
-          </a:p>
-          <a:p>
-            <a:pPr lvl="0">
-              <a:buFont typeface="+mj-lt"/>
-              <a:buAutoNum type="arabicPeriod"/>
-            </a:pPr>
-            <a:r>
-              <a:rPr lang="en-IN" dirty="0"/>
-              <a:t>Use regular expressions to extract the relevant conversation to print.</a:t>
-            </a:r>
-          </a:p>
-          <a:p>
-            <a:pPr lvl="0">
-              <a:buFont typeface="+mj-lt"/>
-              <a:buAutoNum type="arabicPeriod"/>
-            </a:pPr>
-            <a:r>
-              <a:rPr lang="en-IN" dirty="0"/>
-              <a:t>Update the memory of both agents with the new summary.</a:t>
-            </a:r>
-          </a:p>
-          <a:p>
-            <a:pPr lvl="0">
-              <a:buFont typeface="+mj-lt"/>
-              <a:buAutoNum type="arabicPeriod"/>
-            </a:pPr>
-            <a:r>
-              <a:rPr lang="en-IN" dirty="0"/>
-              <a:t>Update the relationship value between the agents</a:t>
-            </a:r>
-          </a:p>
-          <a:p>
-            <a:pPr lvl="0">
-              <a:buFont typeface="+mj-lt"/>
-              <a:buAutoNum type="arabicPeriod"/>
-            </a:pPr>
-            <a:r>
-              <a:rPr lang="en-IN" dirty="0"/>
-              <a:t>Stop</a:t>
-            </a:r>
-          </a:p>
-        </p:txBody>
-      </p:sp>
+      </p:pic>
     </p:spTree>
     <p:extLst>
       <p:ext uri="{BB962C8B-B14F-4D97-AF65-F5344CB8AC3E}">
-        <p14:creationId xmlns:p14="http://schemas.microsoft.com/office/powerpoint/2010/main" val="3068247631"/>
+        <p14:creationId xmlns:p14="http://schemas.microsoft.com/office/powerpoint/2010/main" val="625861271"/>
       </p:ext>
     </p:extLst>
   </p:cSld>
@@ -13976,7 +14407,7 @@
   <p:cSld>
     <p:spTree>
       <p:nvGrpSpPr>
-        <p:cNvPr id="1" name="Shape 152"/>
+        <p:cNvPr id="1" name="Shape 127"/>
         <p:cNvGrpSpPr/>
         <p:nvPr/>
       </p:nvGrpSpPr>
@@ -13990,7 +14421,133 @@
       </p:grpSpPr>
       <p:sp>
         <p:nvSpPr>
-          <p:cNvPr id="153" name="Google Shape;153;p24"/>
+          <p:cNvPr id="128" name="Google Shape;128;p20"/>
+          <p:cNvSpPr txBox="1">
+            <a:spLocks noGrp="1"/>
+          </p:cNvSpPr>
+          <p:nvPr>
+            <p:ph type="body" idx="1"/>
+          </p:nvPr>
+        </p:nvSpPr>
+        <p:spPr>
+          <a:xfrm>
+            <a:off x="311700" y="1229875"/>
+            <a:ext cx="8520600" cy="3339000"/>
+          </a:xfrm>
+          <a:prstGeom prst="rect">
+            <a:avLst/>
+          </a:prstGeom>
+        </p:spPr>
+        <p:txBody>
+          <a:bodyPr spcFirstLastPara="1" wrap="square" lIns="91425" tIns="91425" rIns="91425" bIns="91425" anchor="t" anchorCtr="0">
+            <a:normAutofit/>
+          </a:bodyPr>
+          <a:lstStyle/>
+          <a:p>
+            <a:pPr lvl="0" indent="-298450">
+              <a:spcBef>
+                <a:spcPts val="1200"/>
+              </a:spcBef>
+              <a:buClr>
+                <a:srgbClr val="000000"/>
+              </a:buClr>
+              <a:buSzPts val="1100"/>
+              <a:buFont typeface="Arial"/>
+              <a:buChar char="●"/>
+            </a:pPr>
+            <a:r>
+              <a:rPr lang="en-IN" b="1" dirty="0"/>
+              <a:t>AI Agent Structure</a:t>
+            </a:r>
+          </a:p>
+          <a:p>
+            <a:pPr lvl="0" indent="-298450">
+              <a:spcBef>
+                <a:spcPts val="1200"/>
+              </a:spcBef>
+              <a:buClr>
+                <a:srgbClr val="000000"/>
+              </a:buClr>
+              <a:buSzPts val="1100"/>
+              <a:buFont typeface="Arial"/>
+              <a:buChar char="●"/>
+            </a:pPr>
+            <a:r>
+              <a:rPr lang="en-IN" b="1" dirty="0"/>
+              <a:t>SchedulerAI</a:t>
+            </a:r>
+          </a:p>
+          <a:p>
+            <a:pPr indent="-298450">
+              <a:spcBef>
+                <a:spcPts val="1200"/>
+              </a:spcBef>
+              <a:buClr>
+                <a:srgbClr val="000000"/>
+              </a:buClr>
+              <a:buSzPts val="1100"/>
+              <a:buFont typeface="Arial"/>
+              <a:buChar char="●"/>
+            </a:pPr>
+            <a:r>
+              <a:rPr lang="en-IN" b="1" dirty="0"/>
+              <a:t>ConversationAI</a:t>
+            </a:r>
+            <a:endParaRPr lang="en-IN" dirty="0"/>
+          </a:p>
+          <a:p>
+            <a:pPr lvl="0" indent="-298450">
+              <a:spcBef>
+                <a:spcPts val="1200"/>
+              </a:spcBef>
+              <a:buClr>
+                <a:srgbClr val="000000"/>
+              </a:buClr>
+              <a:buSzPts val="1100"/>
+              <a:buFont typeface="Arial"/>
+              <a:buChar char="●"/>
+            </a:pPr>
+            <a:r>
+              <a:rPr lang="en-IN" b="1" dirty="0"/>
+              <a:t>Motion of the agents - A* Algorithm</a:t>
+            </a:r>
+          </a:p>
+          <a:p>
+            <a:pPr indent="-298450">
+              <a:spcBef>
+                <a:spcPts val="1200"/>
+              </a:spcBef>
+              <a:buClr>
+                <a:srgbClr val="000000"/>
+              </a:buClr>
+              <a:buSzPts val="1100"/>
+              <a:buFont typeface="Arial"/>
+              <a:buChar char="●"/>
+            </a:pPr>
+            <a:r>
+              <a:rPr lang="en-IN" b="1" dirty="0"/>
+              <a:t>Integration of AI into Village</a:t>
+            </a:r>
+            <a:endParaRPr lang="en-IN" dirty="0"/>
+          </a:p>
+          <a:p>
+            <a:pPr marL="158750" lvl="0" indent="0">
+              <a:spcBef>
+                <a:spcPts val="1200"/>
+              </a:spcBef>
+              <a:buClr>
+                <a:srgbClr val="000000"/>
+              </a:buClr>
+              <a:buSzPts val="1100"/>
+              <a:buNone/>
+            </a:pPr>
+            <a:endParaRPr dirty="0"/>
+          </a:p>
+        </p:txBody>
+      </p:sp>
+      <p:sp>
+        <p:nvSpPr>
+          <p:cNvPr id="129" name="Google Shape;129;p20"/>
           <p:cNvSpPr txBox="1">
             <a:spLocks noGrp="1"/>
           </p:cNvSpPr>
@@ -14000,7 +14557,7 @@
         </p:nvSpPr>
         <p:spPr>
           <a:xfrm>
-            <a:off x="311700" y="410000"/>
+            <a:off x="311700" y="374575"/>
             <a:ext cx="8520600" cy="607800"/>
           </a:xfrm>
           <a:prstGeom prst="rect">
@@ -14013,122 +14570,16 @@
           </a:bodyPr>
           <a:lstStyle/>
           <a:p>
-            <a:r>
-              <a:rPr lang="en-US" sz="2666" dirty="0"/>
-              <a:t>4)</a:t>
-            </a:r>
-            <a:r>
-              <a:rPr lang="en-US" sz="2800" b="1" dirty="0">
-                <a:ea typeface="Arial"/>
-                <a:cs typeface="Arial"/>
-                <a:sym typeface="Arial"/>
-              </a:rPr>
-              <a:t> </a:t>
-            </a:r>
-            <a:r>
-              <a:rPr lang="en-IN" b="1" u="sng" dirty="0"/>
-              <a:t>Motion of the agents - A* Algorithm</a:t>
-            </a:r>
-            <a:endParaRPr sz="2666" u="sng" dirty="0"/>
-          </a:p>
-          <a:p>
-            <a:pPr marL="0" lvl="0" indent="0" algn="l" rtl="0">
-              <a:spcBef>
-                <a:spcPts val="0"/>
-              </a:spcBef>
-              <a:spcAft>
-                <a:spcPts val="0"/>
-              </a:spcAft>
-              <a:buNone/>
-            </a:pPr>
+            <a:pPr lvl="0"/>
+            <a:r>
+              <a:rPr lang="en" dirty="0"/>
+              <a:t>METHODOLOGY</a:t>
+            </a:r>
             <a:endParaRPr dirty="0"/>
-          </a:p>
-          <a:p>
-            <a:pPr marL="0" lvl="0" indent="0" algn="l" rtl="0">
-              <a:spcBef>
-                <a:spcPts val="0"/>
-              </a:spcBef>
-              <a:spcAft>
-                <a:spcPts val="0"/>
-              </a:spcAft>
-              <a:buNone/>
-            </a:pPr>
-            <a:endParaRPr dirty="0"/>
-          </a:p>
-        </p:txBody>
-      </p:sp>
-      <p:sp>
-        <p:nvSpPr>
-          <p:cNvPr id="154" name="Google Shape;154;p24"/>
-          <p:cNvSpPr txBox="1">
-            <a:spLocks noGrp="1"/>
-          </p:cNvSpPr>
-          <p:nvPr>
-            <p:ph type="body" idx="1"/>
-          </p:nvPr>
-        </p:nvSpPr>
-        <p:spPr>
-          <a:xfrm>
-            <a:off x="311700" y="1368350"/>
-            <a:ext cx="8520600" cy="3339000"/>
-          </a:xfrm>
-          <a:prstGeom prst="rect">
-            <a:avLst/>
-          </a:prstGeom>
-        </p:spPr>
-        <p:txBody>
-          <a:bodyPr spcFirstLastPara="1" wrap="square" lIns="91425" tIns="91425" rIns="91425" bIns="91425" anchor="t" anchorCtr="0">
-            <a:normAutofit/>
-          </a:bodyPr>
-          <a:lstStyle/>
-          <a:p>
-            <a:pPr lvl="0">
-              <a:buFont typeface="+mj-lt"/>
-              <a:buAutoNum type="arabicPeriod"/>
-            </a:pPr>
-            <a:r>
-              <a:rPr lang="en-IN" dirty="0"/>
-              <a:t>Start</a:t>
-            </a:r>
-          </a:p>
-          <a:p>
-            <a:pPr lvl="0">
-              <a:buFont typeface="+mj-lt"/>
-              <a:buAutoNum type="arabicPeriod"/>
-            </a:pPr>
-            <a:r>
-              <a:rPr lang="en-IN" dirty="0"/>
-              <a:t>Do things</a:t>
-            </a:r>
-          </a:p>
-          <a:p>
-            <a:pPr lvl="0">
-              <a:buFont typeface="+mj-lt"/>
-              <a:buAutoNum type="arabicPeriod"/>
-            </a:pPr>
-            <a:r>
-              <a:rPr lang="en-IN" dirty="0"/>
-              <a:t>Stop</a:t>
-            </a:r>
-          </a:p>
-          <a:p>
-            <a:pPr lvl="0">
-              <a:lnSpc>
-                <a:spcPct val="150000"/>
-              </a:lnSpc>
-              <a:buFont typeface="Arial"/>
-              <a:buChar char="-"/>
-            </a:pPr>
-            <a:endParaRPr sz="1300" dirty="0"/>
           </a:p>
         </p:txBody>
       </p:sp>
     </p:spTree>
-    <p:extLst>
-      <p:ext uri="{BB962C8B-B14F-4D97-AF65-F5344CB8AC3E}">
-        <p14:creationId xmlns:p14="http://schemas.microsoft.com/office/powerpoint/2010/main" val="2169659318"/>
-      </p:ext>
-    </p:extLst>
   </p:cSld>
   <p:clrMapOvr>
     <a:masterClrMapping/>
@@ -14180,7 +14631,7 @@
           <a:p>
             <a:r>
               <a:rPr lang="en-US" sz="2666" dirty="0"/>
-              <a:t>5)</a:t>
+              <a:t>1)</a:t>
             </a:r>
             <a:r>
               <a:rPr lang="en-US" sz="2800" b="1" dirty="0">
@@ -14192,21 +14643,9 @@
             </a:r>
             <a:r>
               <a:rPr lang="en-IN" b="1" u="sng" dirty="0"/>
-              <a:t>Integration of AI into Village</a:t>
-            </a:r>
-            <a:endParaRPr sz="2666" u="sng" dirty="0"/>
-          </a:p>
-          <a:p>
-            <a:pPr marL="0" lvl="0" indent="0" algn="l" rtl="0">
-              <a:spcBef>
-                <a:spcPts val="0"/>
-              </a:spcBef>
-              <a:spcAft>
-                <a:spcPts val="0"/>
-              </a:spcAft>
-              <a:buNone/>
-            </a:pPr>
-            <a:endParaRPr dirty="0"/>
+              <a:t>AI Agent Structure</a:t>
+            </a:r>
+            <a:endParaRPr u="sng" dirty="0"/>
           </a:p>
           <a:p>
             <a:pPr marL="0" lvl="0" indent="0" algn="l" rtl="0">
@@ -14234,8 +14673,8 @@
         </p:nvSpPr>
         <p:spPr>
           <a:xfrm>
-            <a:off x="311700" y="1368350"/>
-            <a:ext cx="8520600" cy="3339000"/>
+            <a:off x="311700" y="1017800"/>
+            <a:ext cx="8520600" cy="3689550"/>
           </a:xfrm>
           <a:prstGeom prst="rect">
             <a:avLst/>
@@ -14247,20 +14686,7 @@
           </a:bodyPr>
           <a:lstStyle/>
           <a:p>
-            <a:pPr lvl="0">
-              <a:lnSpc>
-                <a:spcPct val="100000"/>
-              </a:lnSpc>
-              <a:buFont typeface="Arial"/>
-              <a:buChar char="-"/>
-            </a:pPr>
-            <a:r>
-              <a:rPr lang="en-IN" dirty="0"/>
-              <a:t>This is the pivotal part of the project where we use ConversationAI and SchedulerAI to control the actions performed by the agents living in the village.</a:t>
-            </a:r>
-          </a:p>
-          <a:p>
-            <a:pPr lvl="0">
+            <a:pPr>
               <a:lnSpc>
                 <a:spcPct val="150000"/>
               </a:lnSpc>
@@ -14268,65 +14694,114 @@
               <a:buChar char="-"/>
             </a:pPr>
             <a:r>
-              <a:rPr lang="en-IN" dirty="0"/>
-              <a:t>Algorithm:</a:t>
-            </a:r>
-          </a:p>
-          <a:p>
-            <a:pPr lvl="0">
+              <a:rPr lang="en-IN" sz="1600" dirty="0"/>
+              <a:t>The AI agents (villagers) are implemented as a Python class with the following attributes:</a:t>
+            </a:r>
+          </a:p>
+          <a:p>
+            <a:pPr>
               <a:lnSpc>
                 <a:spcPct val="150000"/>
               </a:lnSpc>
-              <a:buFont typeface="+mj-lt"/>
-              <a:buAutoNum type="arabicPeriod"/>
+              <a:buFont typeface="Arial"/>
+              <a:buChar char="-"/>
             </a:pPr>
             <a:r>
               <a:rPr lang="en-IN" dirty="0"/>
-              <a:t>Start</a:t>
-            </a:r>
-          </a:p>
-          <a:p>
-            <a:pPr lvl="0">
-              <a:lnSpc>
-                <a:spcPct val="150000"/>
-              </a:lnSpc>
-              <a:buFont typeface="+mj-lt"/>
-              <a:buAutoNum type="arabicPeriod"/>
-            </a:pPr>
-            <a:r>
-              <a:rPr lang="en-IN" dirty="0"/>
-              <a:t>Initialize the required number of AI agents</a:t>
-            </a:r>
-          </a:p>
-          <a:p>
-            <a:pPr lvl="0">
-              <a:lnSpc>
-                <a:spcPct val="150000"/>
-              </a:lnSpc>
-              <a:buFont typeface="+mj-lt"/>
-              <a:buAutoNum type="arabicPeriod"/>
-            </a:pPr>
-            <a:r>
-              <a:rPr lang="en-IN" dirty="0"/>
-              <a:t>Using SchedulerAI(), create an initial schedule for each of the agents</a:t>
-            </a:r>
-          </a:p>
-          <a:p>
-            <a:pPr lvl="0">
+              <a:t>class AI-Agent	</a:t>
+            </a:r>
+            <a:endParaRPr lang="en-IN" sz="1600" dirty="0"/>
+          </a:p>
+          <a:p>
+            <a:pPr marL="114300" indent="0">
               <a:lnSpc>
                 <a:spcPct val="100000"/>
               </a:lnSpc>
-              <a:buFont typeface="Arial"/>
-              <a:buChar char="-"/>
-            </a:pPr>
-            <a:endParaRPr sz="1300" dirty="0"/>
+              <a:buNone/>
+            </a:pPr>
+            <a:r>
+              <a:rPr lang="en-IN" dirty="0"/>
+              <a:t>	1. Sprites (villager images and animations)</a:t>
+            </a:r>
+          </a:p>
+          <a:p>
+            <a:pPr marL="114300" indent="0">
+              <a:lnSpc>
+                <a:spcPct val="100000"/>
+              </a:lnSpc>
+              <a:buNone/>
+            </a:pPr>
+            <a:r>
+              <a:rPr lang="en-IN" dirty="0"/>
+              <a:t>	2. Name</a:t>
+            </a:r>
+          </a:p>
+          <a:p>
+            <a:pPr marL="114300" indent="0">
+              <a:lnSpc>
+                <a:spcPct val="100000"/>
+              </a:lnSpc>
+              <a:buNone/>
+            </a:pPr>
+            <a:r>
+              <a:rPr lang="en-IN" dirty="0"/>
+              <a:t>	3. Base Personality</a:t>
+            </a:r>
+          </a:p>
+          <a:p>
+            <a:pPr marL="114300" indent="0">
+              <a:lnSpc>
+                <a:spcPct val="100000"/>
+              </a:lnSpc>
+              <a:buNone/>
+            </a:pPr>
+            <a:r>
+              <a:rPr lang="en-IN" dirty="0"/>
+              <a:t>	4. Energy level</a:t>
+            </a:r>
+          </a:p>
+          <a:p>
+            <a:pPr marL="114300" indent="0">
+              <a:lnSpc>
+                <a:spcPct val="100000"/>
+              </a:lnSpc>
+              <a:buNone/>
+            </a:pPr>
+            <a:r>
+              <a:rPr lang="en-IN" dirty="0"/>
+              <a:t>	5. Relationship (implemented as a dictionary with every other agent as 	  	keys and the corresponding relationship as values.</a:t>
+            </a:r>
+          </a:p>
+          <a:p>
+            <a:pPr marL="114300" indent="0">
+              <a:lnSpc>
+                <a:spcPct val="100000"/>
+              </a:lnSpc>
+              <a:buNone/>
+            </a:pPr>
+            <a:r>
+              <a:rPr lang="en-IN" dirty="0"/>
+              <a:t>	6. Schedule (current schedule)</a:t>
+            </a:r>
+          </a:p>
+          <a:p>
+            <a:pPr marL="114300" indent="0">
+              <a:lnSpc>
+                <a:spcPct val="100000"/>
+              </a:lnSpc>
+              <a:buNone/>
+            </a:pPr>
+            <a:r>
+              <a:rPr lang="en-IN" dirty="0"/>
+              <a:t>	7. Memory</a:t>
+            </a:r>
           </a:p>
         </p:txBody>
       </p:sp>
     </p:spTree>
     <p:extLst>
       <p:ext uri="{BB962C8B-B14F-4D97-AF65-F5344CB8AC3E}">
-        <p14:creationId xmlns:p14="http://schemas.microsoft.com/office/powerpoint/2010/main" val="3202740834"/>
+        <p14:creationId xmlns:p14="http://schemas.microsoft.com/office/powerpoint/2010/main" val="3705752614"/>
       </p:ext>
     </p:extLst>
   </p:cSld>
@@ -14380,7 +14855,7 @@
           <a:p>
             <a:r>
               <a:rPr lang="en-US" sz="2666" dirty="0"/>
-              <a:t>5)</a:t>
+              <a:t>2)</a:t>
             </a:r>
             <a:r>
               <a:rPr lang="en-US" sz="2800" b="1" dirty="0">
@@ -14392,21 +14867,9 @@
             </a:r>
             <a:r>
               <a:rPr lang="en-IN" b="1" u="sng" dirty="0"/>
-              <a:t>Integration of AI into Village</a:t>
-            </a:r>
-            <a:endParaRPr sz="2666" u="sng" dirty="0"/>
-          </a:p>
-          <a:p>
-            <a:pPr marL="0" lvl="0" indent="0" algn="l" rtl="0">
-              <a:spcBef>
-                <a:spcPts val="0"/>
-              </a:spcBef>
-              <a:spcAft>
-                <a:spcPts val="0"/>
-              </a:spcAft>
-              <a:buNone/>
-            </a:pPr>
-            <a:endParaRPr dirty="0"/>
+              <a:t>SchedulerAI</a:t>
+            </a:r>
+            <a:endParaRPr u="sng" dirty="0"/>
           </a:p>
           <a:p>
             <a:pPr marL="0" lvl="0" indent="0" algn="l" rtl="0">
@@ -14434,8 +14897,8 @@
         </p:nvSpPr>
         <p:spPr>
           <a:xfrm>
-            <a:off x="623400" y="1017800"/>
-            <a:ext cx="8520600" cy="3932152"/>
+            <a:off x="311700" y="1368350"/>
+            <a:ext cx="8520600" cy="3339000"/>
           </a:xfrm>
           <a:prstGeom prst="rect">
             <a:avLst/>
@@ -14443,185 +14906,94 @@
         </p:spPr>
         <p:txBody>
           <a:bodyPr spcFirstLastPara="1" wrap="square" lIns="91425" tIns="91425" rIns="91425" bIns="91425" anchor="t" anchorCtr="0">
-            <a:normAutofit fontScale="92500" lnSpcReduction="10000"/>
+            <a:normAutofit/>
           </a:bodyPr>
           <a:lstStyle/>
           <a:p>
             <a:pPr lvl="0">
+              <a:lnSpc>
+                <a:spcPct val="150000"/>
+              </a:lnSpc>
               <a:buFont typeface="+mj-lt"/>
-              <a:buAutoNum type="arabicPeriod" startAt="4"/>
+              <a:buAutoNum type="arabicPeriod"/>
             </a:pPr>
             <a:r>
               <a:rPr lang="en-IN" dirty="0"/>
-              <a:t>while the village is running do</a:t>
-            </a:r>
-          </a:p>
-          <a:p>
-            <a:pPr marL="939800" lvl="1" indent="-342900">
+              <a:t>Start</a:t>
+            </a:r>
+          </a:p>
+          <a:p>
+            <a:pPr lvl="0">
+              <a:lnSpc>
+                <a:spcPct val="150000"/>
+              </a:lnSpc>
               <a:buFont typeface="+mj-lt"/>
-              <a:buAutoNum type="alphaUcPeriod"/>
+              <a:buAutoNum type="arabicPeriod"/>
             </a:pPr>
             <a:r>
               <a:rPr lang="en-IN" dirty="0"/>
-              <a:t>if time==00:00 // New day</a:t>
-            </a:r>
-          </a:p>
-          <a:p>
-            <a:pPr marL="1454150" lvl="2" indent="-400050">
+              <a:t>Read the basic character and memory of the agent from the agent’s object</a:t>
+            </a:r>
+          </a:p>
+          <a:p>
+            <a:pPr lvl="0">
+              <a:lnSpc>
+                <a:spcPct val="150000"/>
+              </a:lnSpc>
               <a:buFont typeface="+mj-lt"/>
-              <a:buAutoNum type="alphaLcParenR"/>
+              <a:buAutoNum type="arabicPeriod"/>
             </a:pPr>
             <a:r>
               <a:rPr lang="en-IN" dirty="0"/>
-              <a:t>SchedulerAI()</a:t>
-            </a:r>
-          </a:p>
-          <a:p>
-            <a:pPr marL="1454150" lvl="2" indent="-400050">
+              <a:t>Prompt the LLM to give the schedule given the above details in the correct format</a:t>
+            </a:r>
+          </a:p>
+          <a:p>
+            <a:pPr lvl="0">
+              <a:lnSpc>
+                <a:spcPct val="150000"/>
+              </a:lnSpc>
               <a:buFont typeface="+mj-lt"/>
-              <a:buAutoNum type="alphaLcParenR"/>
+              <a:buAutoNum type="arabicPeriod"/>
             </a:pPr>
             <a:r>
               <a:rPr lang="en-IN" dirty="0"/>
-              <a:t>Update the new schedule for all AI agents</a:t>
-            </a:r>
-          </a:p>
-          <a:p>
-            <a:pPr marL="939800" lvl="1" indent="-342900">
+              <a:t>Use regular expression to extract the exact schedule from the LLM’s output</a:t>
+            </a:r>
+          </a:p>
+          <a:p>
+            <a:pPr lvl="0">
+              <a:lnSpc>
+                <a:spcPct val="150000"/>
+              </a:lnSpc>
               <a:buFont typeface="+mj-lt"/>
-              <a:buAutoNum type="alphaUcPeriod"/>
+              <a:buAutoNum type="arabicPeriod"/>
             </a:pPr>
             <a:r>
               <a:rPr lang="en-IN" dirty="0"/>
-              <a:t>for each agent</a:t>
-            </a:r>
-          </a:p>
-          <a:p>
-            <a:pPr marL="1397000" lvl="2" indent="-342900">
+              <a:t>Return the extracted schedule</a:t>
+            </a:r>
+          </a:p>
+          <a:p>
+            <a:pPr>
+              <a:lnSpc>
+                <a:spcPct val="150000"/>
+              </a:lnSpc>
               <a:buFont typeface="+mj-lt"/>
-              <a:buAutoNum type="alphaLcParenR"/>
-            </a:pPr>
-            <a:r>
-              <a:rPr lang="en-IN" dirty="0"/>
-              <a:t>Perform the action to be performed at the current time</a:t>
-            </a:r>
-          </a:p>
-          <a:p>
-            <a:pPr marL="1397000" lvl="2" indent="-342900">
-              <a:buFont typeface="+mj-lt"/>
-              <a:buAutoNum type="alphaLcParenR"/>
-            </a:pPr>
-            <a:r>
-              <a:rPr lang="en-IN" dirty="0"/>
-              <a:t>if an agent has to reach another location</a:t>
-            </a:r>
-          </a:p>
-          <a:p>
-            <a:pPr marL="1911350" lvl="3" indent="-400050">
-              <a:buFont typeface="+mj-lt"/>
-              <a:buAutoNum type="romanLcPeriod"/>
-            </a:pPr>
-            <a:r>
-              <a:rPr lang="en-IN" dirty="0"/>
-              <a:t>A_star() </a:t>
-            </a:r>
-          </a:p>
-          <a:p>
-            <a:pPr marL="939800" lvl="1" indent="-342900">
-              <a:buFont typeface="+mj-lt"/>
-              <a:buAutoNum type="alphaUcPeriod"/>
-            </a:pPr>
-            <a:r>
-              <a:rPr lang="en-IN" dirty="0"/>
-              <a:t>if another agent is present within 5 blocks</a:t>
-            </a:r>
-          </a:p>
-          <a:p>
-            <a:pPr marL="1397000" lvl="2" indent="-342900">
-              <a:buFont typeface="+mj-lt"/>
-              <a:buAutoNum type="alphaLcParenR"/>
-            </a:pPr>
-            <a:r>
-              <a:rPr lang="en-IN" dirty="0"/>
-              <a:t>Create a new thread</a:t>
-            </a:r>
-          </a:p>
-          <a:p>
-            <a:pPr marL="1397000" lvl="2" indent="-342900">
-              <a:buFont typeface="+mj-lt"/>
-              <a:buAutoNum type="alphaLcParenR"/>
-            </a:pPr>
-            <a:r>
-              <a:rPr lang="en-IN" dirty="0"/>
-              <a:t>ConversationAI()</a:t>
-            </a:r>
-          </a:p>
-          <a:p>
-            <a:pPr marL="1397000" lvl="2" indent="-342900">
-              <a:buFont typeface="+mj-lt"/>
-              <a:buAutoNum type="alphaLcParenR"/>
-            </a:pPr>
-            <a:r>
-              <a:rPr lang="en-IN" dirty="0"/>
-              <a:t>Update memory, relationship</a:t>
-            </a:r>
-          </a:p>
-          <a:p>
-            <a:pPr marL="1397000" lvl="2" indent="-342900">
-              <a:buFont typeface="+mj-lt"/>
-              <a:buAutoNum type="alphaLcParenR"/>
-            </a:pPr>
-            <a:r>
-              <a:rPr lang="en-IN" dirty="0"/>
-              <a:t>if the conversation leads to a rescheduling</a:t>
-            </a:r>
-          </a:p>
-          <a:p>
-            <a:pPr marL="1911350" lvl="3" indent="-400050">
-              <a:buFont typeface="+mj-lt"/>
-              <a:buAutoNum type="romanLcPeriod"/>
-            </a:pPr>
-            <a:r>
-              <a:rPr lang="en-IN" dirty="0"/>
-              <a:t>Update the previous conversation with SchedulerAI()</a:t>
-            </a:r>
-          </a:p>
-          <a:p>
-            <a:pPr marL="939800" lvl="1" indent="-342900">
-              <a:buFont typeface="+mj-lt"/>
-              <a:buAutoNum type="alphaUcPeriod"/>
-            </a:pPr>
-            <a:r>
-              <a:rPr lang="en-IN" dirty="0"/>
-              <a:t>Display the current village state in the Graphical Interface.</a:t>
-            </a:r>
-          </a:p>
-          <a:p>
-            <a:pPr lvl="0">
-              <a:buFont typeface="+mj-lt"/>
-              <a:buAutoNum type="arabicPeriod" startAt="4"/>
-            </a:pPr>
-            <a:r>
-              <a:rPr lang="en-IN" dirty="0"/>
-              <a:t>end while</a:t>
-            </a:r>
-          </a:p>
-          <a:p>
-            <a:pPr lvl="0">
-              <a:buFont typeface="+mj-lt"/>
-              <a:buAutoNum type="arabicPeriod" startAt="4"/>
+              <a:buAutoNum type="arabicPeriod"/>
             </a:pPr>
             <a:r>
               <a:rPr lang="en-IN" dirty="0"/>
               <a:t>Stop</a:t>
             </a:r>
+            <a:endParaRPr sz="1300" dirty="0"/>
           </a:p>
         </p:txBody>
       </p:sp>
     </p:spTree>
     <p:extLst>
       <p:ext uri="{BB962C8B-B14F-4D97-AF65-F5344CB8AC3E}">
-        <p14:creationId xmlns:p14="http://schemas.microsoft.com/office/powerpoint/2010/main" val="637575282"/>
+        <p14:creationId xmlns:p14="http://schemas.microsoft.com/office/powerpoint/2010/main" val="8269361"/>
       </p:ext>
     </p:extLst>
   </p:cSld>
@@ -14636,7 +15008,7 @@
   <p:cSld>
     <p:spTree>
       <p:nvGrpSpPr>
-        <p:cNvPr id="1" name="Shape 176"/>
+        <p:cNvPr id="1" name="Shape 152"/>
         <p:cNvGrpSpPr/>
         <p:nvPr/>
       </p:nvGrpSpPr>
@@ -14650,7 +15022,7 @@
       </p:grpSpPr>
       <p:sp>
         <p:nvSpPr>
-          <p:cNvPr id="177" name="Google Shape;177;p28"/>
+          <p:cNvPr id="153" name="Google Shape;153;p24"/>
           <p:cNvSpPr txBox="1">
             <a:spLocks noGrp="1"/>
           </p:cNvSpPr>
@@ -14673,6 +15045,25 @@
           </a:bodyPr>
           <a:lstStyle/>
           <a:p>
+            <a:r>
+              <a:rPr lang="en-US" sz="2666" dirty="0"/>
+              <a:t>3)</a:t>
+            </a:r>
+            <a:r>
+              <a:rPr lang="en-US" sz="2800" b="1" dirty="0">
+                <a:ea typeface="Arial"/>
+                <a:cs typeface="Arial"/>
+                <a:sym typeface="Arial"/>
+              </a:rPr>
+              <a:t> </a:t>
+            </a:r>
+            <a:r>
+              <a:rPr lang="en-IN" b="1" u="sng" dirty="0"/>
+              <a:t>ConversationAI</a:t>
+            </a:r>
+            <a:endParaRPr sz="2666" u="sng" dirty="0"/>
+          </a:p>
+          <a:p>
             <a:pPr marL="0" lvl="0" indent="0" algn="l" rtl="0">
               <a:spcBef>
                 <a:spcPts val="0"/>
@@ -14682,17 +15073,25 @@
               </a:spcAft>
               <a:buNone/>
             </a:pPr>
-            <a:r>
-              <a:rPr lang="en"/>
-              <a:t>CONCLUSION</a:t>
-            </a:r>
+            <a:endParaRPr dirty="0"/>
+          </a:p>
+          <a:p>
+            <a:pPr marL="0" lvl="0" indent="0" algn="l" rtl="0">
+              <a:spcBef>
+                <a:spcPts val="0"/>
+              </a:spcBef>
+              <a:spcAft>
+                <a:spcPts val="0"/>
+              </a:spcAft>
+              <a:buNone/>
+            </a:pPr>
             <a:endParaRPr dirty="0"/>
           </a:p>
         </p:txBody>
       </p:sp>
       <p:sp>
         <p:nvSpPr>
-          <p:cNvPr id="178" name="Google Shape;178;p28"/>
+          <p:cNvPr id="154" name="Google Shape;154;p24"/>
           <p:cNvSpPr txBox="1">
             <a:spLocks noGrp="1"/>
           </p:cNvSpPr>
@@ -14702,7 +15101,7 @@
         </p:nvSpPr>
         <p:spPr>
           <a:xfrm>
-            <a:off x="311700" y="1229875"/>
+            <a:off x="311700" y="1368350"/>
             <a:ext cx="8520600" cy="3339000"/>
           </a:xfrm>
           <a:prstGeom prst="rect">
@@ -14715,24 +15114,56 @@
           </a:bodyPr>
           <a:lstStyle/>
           <a:p>
-            <a:pPr marL="0" lvl="0" indent="0" algn="l" rtl="0">
-              <a:spcBef>
-                <a:spcPts val="0"/>
-              </a:spcBef>
-              <a:spcAft>
-                <a:spcPts val="1200"/>
-              </a:spcAft>
-              <a:buNone/>
-            </a:pPr>
-            <a:r>
-              <a:rPr lang="en"/>
-              <a:t>To conclude, our AI Village project demonstrates great promise in advancing understanding of AI behavior and social dynamics within intricate environments. Its emphasis on responsible AI integration, collaborative coexistence, and continuous relationship assessment offers unique opportunities for exploring novel implications and consequences arising from AI presence among us. Ultimately, we hope to inspire informed discussions regarding AI ethics, governance, and societal impact.</a:t>
-            </a:r>
-            <a:endParaRPr dirty="0"/>
+            <a:pPr>
+              <a:lnSpc>
+                <a:spcPct val="150000"/>
+              </a:lnSpc>
+            </a:pPr>
+            <a:r>
+              <a:rPr lang="en-IN" sz="2000" dirty="0"/>
+              <a:t>The ConversationAI is responsible for generating the conversation between two agents.</a:t>
+            </a:r>
+          </a:p>
+          <a:p>
+            <a:pPr>
+              <a:lnSpc>
+                <a:spcPct val="150000"/>
+              </a:lnSpc>
+            </a:pPr>
+            <a:r>
+              <a:rPr lang="en-IN" sz="2000" dirty="0"/>
+              <a:t> It also updates the memory of both the agents with the conversation and the relationship value between the agents. </a:t>
+            </a:r>
+          </a:p>
+          <a:p>
+            <a:pPr>
+              <a:lnSpc>
+                <a:spcPct val="150000"/>
+              </a:lnSpc>
+            </a:pPr>
+            <a:r>
+              <a:rPr lang="en-IN" sz="2000" dirty="0"/>
+              <a:t>The ConversationAI will run in a thread along with the program.</a:t>
+            </a:r>
+          </a:p>
+          <a:p>
+            <a:pPr lvl="0">
+              <a:lnSpc>
+                <a:spcPct val="150000"/>
+              </a:lnSpc>
+              <a:buFont typeface="Arial"/>
+              <a:buChar char="-"/>
+            </a:pPr>
+            <a:endParaRPr sz="1300" dirty="0"/>
           </a:p>
         </p:txBody>
       </p:sp>
     </p:spTree>
+    <p:extLst>
+      <p:ext uri="{BB962C8B-B14F-4D97-AF65-F5344CB8AC3E}">
+        <p14:creationId xmlns:p14="http://schemas.microsoft.com/office/powerpoint/2010/main" val="548028954"/>
+      </p:ext>
+    </p:extLst>
   </p:cSld>
   <p:clrMapOvr>
     <a:masterClrMapping/>
@@ -14745,7 +15176,7 @@
   <p:cSld>
     <p:spTree>
       <p:nvGrpSpPr>
-        <p:cNvPr id="1" name="Shape 182"/>
+        <p:cNvPr id="1" name="Shape 152"/>
         <p:cNvGrpSpPr/>
         <p:nvPr/>
       </p:nvGrpSpPr>
@@ -14759,7 +15190,7 @@
       </p:grpSpPr>
       <p:sp>
         <p:nvSpPr>
-          <p:cNvPr id="183" name="Google Shape;183;p29"/>
+          <p:cNvPr id="153" name="Google Shape;153;p24"/>
           <p:cNvSpPr txBox="1">
             <a:spLocks noGrp="1"/>
           </p:cNvSpPr>
@@ -14782,6 +15213,25 @@
           </a:bodyPr>
           <a:lstStyle/>
           <a:p>
+            <a:r>
+              <a:rPr lang="en-US" sz="2666" dirty="0"/>
+              <a:t>3)</a:t>
+            </a:r>
+            <a:r>
+              <a:rPr lang="en-US" sz="2800" b="1" dirty="0">
+                <a:ea typeface="Arial"/>
+                <a:cs typeface="Arial"/>
+                <a:sym typeface="Arial"/>
+              </a:rPr>
+              <a:t> </a:t>
+            </a:r>
+            <a:r>
+              <a:rPr lang="en-IN" b="1" u="sng" dirty="0"/>
+              <a:t>ConversationAI</a:t>
+            </a:r>
+            <a:endParaRPr sz="2666" u="sng" dirty="0"/>
+          </a:p>
+          <a:p>
             <a:pPr marL="0" lvl="0" indent="0" algn="l" rtl="0">
               <a:spcBef>
                 <a:spcPts val="0"/>
@@ -14791,17 +15241,25 @@
               </a:spcAft>
               <a:buNone/>
             </a:pPr>
-            <a:r>
-              <a:rPr lang="en"/>
-              <a:t>REFERENCES</a:t>
-            </a:r>
+            <a:endParaRPr dirty="0"/>
+          </a:p>
+          <a:p>
+            <a:pPr marL="0" lvl="0" indent="0" algn="l" rtl="0">
+              <a:spcBef>
+                <a:spcPts val="0"/>
+              </a:spcBef>
+              <a:spcAft>
+                <a:spcPts val="0"/>
+              </a:spcAft>
+              <a:buNone/>
+            </a:pPr>
             <a:endParaRPr dirty="0"/>
           </a:p>
         </p:txBody>
       </p:sp>
       <p:sp>
         <p:nvSpPr>
-          <p:cNvPr id="184" name="Google Shape;184;p29"/>
+          <p:cNvPr id="154" name="Google Shape;154;p24"/>
           <p:cNvSpPr txBox="1">
             <a:spLocks noGrp="1"/>
           </p:cNvSpPr>
@@ -14811,7 +15269,7 @@
         </p:nvSpPr>
         <p:spPr>
           <a:xfrm>
-            <a:off x="311700" y="1229875"/>
+            <a:off x="311700" y="1368350"/>
             <a:ext cx="8520600" cy="3339000"/>
           </a:xfrm>
           <a:prstGeom prst="rect">
@@ -14824,88 +15282,83 @@
           </a:bodyPr>
           <a:lstStyle/>
           <a:p>
-            <a:pPr marL="0" lvl="0" indent="0" algn="l" rtl="0">
-              <a:lnSpc>
-                <a:spcPct val="105000"/>
-              </a:lnSpc>
-              <a:spcBef>
-                <a:spcPts val="0"/>
-              </a:spcBef>
-              <a:spcAft>
-                <a:spcPts val="0"/>
-              </a:spcAft>
-              <a:buSzPts val="852"/>
-              <a:buNone/>
-            </a:pPr>
-            <a:r>
-              <a:rPr lang="en" sz="1395" dirty="0"/>
-              <a:t>[1] Joon Sung Park, Joseph C. O’Brien, Carrie J. Cai, Meredith Ringel Morris, Percy Liang, and Michael S. Bernstein. 2023. Generative Agents: Interactive Simulacra of Human Behavior. In ACM, New York, NY, USA.</a:t>
-            </a:r>
-            <a:endParaRPr sz="1395" dirty="0"/>
-          </a:p>
-          <a:p>
-            <a:pPr marL="0" lvl="0" indent="0" algn="l" rtl="0">
-              <a:lnSpc>
-                <a:spcPct val="105000"/>
-              </a:lnSpc>
-              <a:spcBef>
-                <a:spcPts val="1200"/>
-              </a:spcBef>
-              <a:spcAft>
-                <a:spcPts val="0"/>
-              </a:spcAft>
-              <a:buSzPts val="852"/>
-              <a:buNone/>
-            </a:pPr>
-            <a:r>
-              <a:rPr lang="en" sz="1395" dirty="0"/>
-              <a:t>[2] Huang, W., Xia, F., Xiao, T., Chan, H., Liang, J., Florence, P.R., Zeng, A., Tompson, J., Mordatch, I., Chebotar, Y., Sermanet, P., Brown, N., Jackson, T., Luu, L., Levine, S., Hausman, K., &amp; Ichter, B. (2022). Inner Monologue: Embodied Reasoning through Planning with Language Models. Conference on Robot Learning.</a:t>
-            </a:r>
-            <a:endParaRPr sz="1395" dirty="0"/>
-          </a:p>
-          <a:p>
-            <a:pPr marL="0" lvl="0" indent="0" algn="l" rtl="0">
-              <a:lnSpc>
-                <a:spcPct val="105000"/>
-              </a:lnSpc>
-              <a:spcBef>
-                <a:spcPts val="1200"/>
-              </a:spcBef>
-              <a:spcAft>
-                <a:spcPts val="0"/>
-              </a:spcAft>
-              <a:buSzPts val="852"/>
-              <a:buNone/>
-            </a:pPr>
-            <a:r>
-              <a:rPr lang="en" sz="1395" dirty="0"/>
-              <a:t>[3] Mialon, G., Dessì, R., Lomeli, M., Nalmpantis, C., Pasunuru, R., Raileanu, R.,Rozière, B., Schick, T., Dwivedi-Yu, J., Celikyilmaz, A., Grave, E., LeCun, Y., &amp; Scialom, T. (2023). Augmented Language Models: a Survey. ArXiv, abs/2302.07842.</a:t>
-            </a:r>
-            <a:endParaRPr sz="1395" dirty="0"/>
-          </a:p>
-          <a:p>
-            <a:pPr marL="0" lvl="0" indent="0" algn="l" rtl="0">
-              <a:lnSpc>
-                <a:spcPct val="105000"/>
-              </a:lnSpc>
-              <a:spcBef>
-                <a:spcPts val="1200"/>
-              </a:spcBef>
-              <a:spcAft>
-                <a:spcPts val="1200"/>
-              </a:spcAft>
-              <a:buSzPts val="852"/>
-              <a:buNone/>
-            </a:pPr>
-            <a:r>
-              <a:rPr lang="en" sz="1395" dirty="0"/>
-              <a:t>[4] Park, J.S., Popowski, L., Cai, C.J., Morris, M.R., Liang, P., &amp; Bernstein, M.S. (2022). Social Simulacra: Creating Populated Prototypes for Social Computing Systems. Proceedings of the 35th Annual ACM Symposium on User Interface Software and Technology.</a:t>
-            </a:r>
-            <a:endParaRPr sz="1395" dirty="0"/>
+            <a:pPr lvl="0">
+              <a:buFont typeface="+mj-lt"/>
+              <a:buAutoNum type="arabicPeriod"/>
+            </a:pPr>
+            <a:r>
+              <a:rPr lang="en-IN" dirty="0"/>
+              <a:t>Start</a:t>
+            </a:r>
+          </a:p>
+          <a:p>
+            <a:pPr lvl="0">
+              <a:buFont typeface="+mj-lt"/>
+              <a:buAutoNum type="arabicPeriod"/>
+            </a:pPr>
+            <a:r>
+              <a:rPr lang="en-IN" dirty="0"/>
+              <a:t>Read the basic character, relationship, and memory of both the agent from the agents’ object</a:t>
+            </a:r>
+          </a:p>
+          <a:p>
+            <a:pPr lvl="0">
+              <a:buFont typeface="+mj-lt"/>
+              <a:buAutoNum type="arabicPeriod"/>
+            </a:pPr>
+            <a:r>
+              <a:rPr lang="en-IN" dirty="0"/>
+              <a:t>Prompt the LLM to generate a conversation between these two agents, given their base details and memory. Also, ask the LLM to generate a summary of the conversation and the relationship after the conversation between the two agents.</a:t>
+            </a:r>
+          </a:p>
+          <a:p>
+            <a:pPr lvl="0">
+              <a:buFont typeface="+mj-lt"/>
+              <a:buAutoNum type="arabicPeriod"/>
+            </a:pPr>
+            <a:r>
+              <a:rPr lang="en-IN" dirty="0"/>
+              <a:t>Use regular expressions to extract the relevant conversation to print.</a:t>
+            </a:r>
+          </a:p>
+          <a:p>
+            <a:pPr lvl="0">
+              <a:buFont typeface="+mj-lt"/>
+              <a:buAutoNum type="arabicPeriod"/>
+            </a:pPr>
+            <a:r>
+              <a:rPr lang="en-IN" dirty="0"/>
+              <a:t>Update the memory of both agents with the new summary.</a:t>
+            </a:r>
+          </a:p>
+          <a:p>
+            <a:pPr lvl="0">
+              <a:buFont typeface="+mj-lt"/>
+              <a:buAutoNum type="arabicPeriod"/>
+            </a:pPr>
+            <a:r>
+              <a:rPr lang="en-IN" dirty="0"/>
+              <a:t>Update the relationship value between the agents</a:t>
+            </a:r>
+          </a:p>
+          <a:p>
+            <a:pPr lvl="0">
+              <a:buFont typeface="+mj-lt"/>
+              <a:buAutoNum type="arabicPeriod"/>
+            </a:pPr>
+            <a:r>
+              <a:rPr lang="en-IN" dirty="0"/>
+              <a:t>Stop</a:t>
+            </a:r>
           </a:p>
         </p:txBody>
       </p:sp>
     </p:spTree>
+    <p:extLst>
+      <p:ext uri="{BB962C8B-B14F-4D97-AF65-F5344CB8AC3E}">
+        <p14:creationId xmlns:p14="http://schemas.microsoft.com/office/powerpoint/2010/main" val="3068247631"/>
+      </p:ext>
+    </p:extLst>
   </p:cSld>
   <p:clrMapOvr>
     <a:masterClrMapping/>
@@ -15027,6 +15480,1570 @@
   <p:cSld>
     <p:spTree>
       <p:nvGrpSpPr>
+        <p:cNvPr id="1" name="Shape 152"/>
+        <p:cNvGrpSpPr/>
+        <p:nvPr/>
+      </p:nvGrpSpPr>
+      <p:grpSpPr>
+        <a:xfrm>
+          <a:off x="0" y="0"/>
+          <a:ext cx="0" cy="0"/>
+          <a:chOff x="0" y="0"/>
+          <a:chExt cx="0" cy="0"/>
+        </a:xfrm>
+      </p:grpSpPr>
+      <p:sp>
+        <p:nvSpPr>
+          <p:cNvPr id="153" name="Google Shape;153;p24"/>
+          <p:cNvSpPr txBox="1">
+            <a:spLocks noGrp="1"/>
+          </p:cNvSpPr>
+          <p:nvPr>
+            <p:ph type="title"/>
+          </p:nvPr>
+        </p:nvSpPr>
+        <p:spPr>
+          <a:xfrm>
+            <a:off x="311700" y="410000"/>
+            <a:ext cx="8520600" cy="607800"/>
+          </a:xfrm>
+          <a:prstGeom prst="rect">
+            <a:avLst/>
+          </a:prstGeom>
+        </p:spPr>
+        <p:txBody>
+          <a:bodyPr spcFirstLastPara="1" wrap="square" lIns="91425" tIns="91425" rIns="91425" bIns="91425" anchor="t" anchorCtr="0">
+            <a:normAutofit fontScale="90000"/>
+          </a:bodyPr>
+          <a:lstStyle/>
+          <a:p>
+            <a:r>
+              <a:rPr lang="en-US" sz="2666" dirty="0"/>
+              <a:t>4)</a:t>
+            </a:r>
+            <a:r>
+              <a:rPr lang="en-US" sz="2800" b="1" dirty="0">
+                <a:ea typeface="Arial"/>
+                <a:cs typeface="Arial"/>
+                <a:sym typeface="Arial"/>
+              </a:rPr>
+              <a:t> </a:t>
+            </a:r>
+            <a:r>
+              <a:rPr lang="en-IN" b="1" u="sng" dirty="0"/>
+              <a:t>Motion of the agents - A* Algorithm</a:t>
+            </a:r>
+            <a:endParaRPr sz="2666" u="sng" dirty="0"/>
+          </a:p>
+          <a:p>
+            <a:pPr marL="0" lvl="0" indent="0" algn="l" rtl="0">
+              <a:spcBef>
+                <a:spcPts val="0"/>
+              </a:spcBef>
+              <a:spcAft>
+                <a:spcPts val="0"/>
+              </a:spcAft>
+              <a:buNone/>
+            </a:pPr>
+            <a:endParaRPr dirty="0"/>
+          </a:p>
+          <a:p>
+            <a:pPr marL="0" lvl="0" indent="0" algn="l" rtl="0">
+              <a:spcBef>
+                <a:spcPts val="0"/>
+              </a:spcBef>
+              <a:spcAft>
+                <a:spcPts val="0"/>
+              </a:spcAft>
+              <a:buNone/>
+            </a:pPr>
+            <a:endParaRPr dirty="0"/>
+          </a:p>
+        </p:txBody>
+      </p:sp>
+      <mc:AlternateContent xmlns:mc="http://schemas.openxmlformats.org/markup-compatibility/2006">
+        <mc:Choice xmlns:a14="http://schemas.microsoft.com/office/drawing/2010/main" Requires="a14">
+          <p:sp>
+            <p:nvSpPr>
+              <p:cNvPr id="154" name="Google Shape;154;p24"/>
+              <p:cNvSpPr txBox="1">
+                <a:spLocks noGrp="1"/>
+              </p:cNvSpPr>
+              <p:nvPr>
+                <p:ph type="body" idx="1"/>
+              </p:nvPr>
+            </p:nvSpPr>
+            <p:spPr>
+              <a:xfrm>
+                <a:off x="311700" y="1368350"/>
+                <a:ext cx="8520600" cy="3339000"/>
+              </a:xfrm>
+              <a:prstGeom prst="rect">
+                <a:avLst/>
+              </a:prstGeom>
+            </p:spPr>
+            <p:txBody>
+              <a:bodyPr spcFirstLastPara="1" wrap="square" lIns="91425" tIns="91425" rIns="91425" bIns="91425" anchor="t" anchorCtr="0">
+                <a:normAutofit/>
+              </a:bodyPr>
+              <a:lstStyle/>
+              <a:p>
+                <a:pPr fontAlgn="base">
+                  <a:lnSpc>
+                    <a:spcPct val="200000"/>
+                  </a:lnSpc>
+                  <a:buFont typeface="+mj-lt"/>
+                  <a:buAutoNum type="arabicPeriod"/>
+                </a:pPr>
+                <a:r>
+                  <a:rPr lang="en-US" dirty="0"/>
+                  <a:t>Start</a:t>
+                </a:r>
+              </a:p>
+              <a:p>
+                <a:pPr fontAlgn="base">
+                  <a:lnSpc>
+                    <a:spcPct val="200000"/>
+                  </a:lnSpc>
+                  <a:buFont typeface="+mj-lt"/>
+                  <a:buAutoNum type="arabicPeriod"/>
+                </a:pPr>
+                <a:r>
+                  <a:rPr lang="en-US" dirty="0"/>
+                  <a:t>Initialize the start and end locations.</a:t>
+                </a:r>
+              </a:p>
+              <a:p>
+                <a:pPr fontAlgn="base">
+                  <a:lnSpc>
+                    <a:spcPct val="200000"/>
+                  </a:lnSpc>
+                  <a:buFont typeface="+mj-lt"/>
+                  <a:buAutoNum type="arabicPeriod"/>
+                </a:pPr>
+                <a:r>
+                  <a:rPr lang="en-US" dirty="0"/>
+                  <a:t>Create an open list (to be evaluated) and a closed list (already evaluated).</a:t>
+                </a:r>
+              </a:p>
+              <a:p>
+                <a:pPr>
+                  <a:lnSpc>
+                    <a:spcPct val="200000"/>
+                  </a:lnSpc>
+                  <a:buFont typeface="+mj-lt"/>
+                  <a:buAutoNum type="arabicPeriod"/>
+                </a:pPr>
+                <a:r>
+                  <a:rPr lang="en-US" dirty="0"/>
+                  <a:t>Define the heuristic(h) as the Euclidian distance to the final location.</a:t>
+                </a:r>
+              </a:p>
+              <a:p>
+                <a:pPr marL="114300" indent="0">
+                  <a:lnSpc>
+                    <a:spcPct val="150000"/>
+                  </a:lnSpc>
+                  <a:buNone/>
+                </a:pPr>
+                <a:r>
+                  <a:rPr lang="en-US" b="1" dirty="0"/>
+                  <a:t>              h((xi, </a:t>
+                </a:r>
+                <a:r>
+                  <a:rPr lang="en-US" b="1" dirty="0" err="1"/>
+                  <a:t>yi</a:t>
+                </a:r>
+                <a:r>
+                  <a:rPr lang="en-US" b="1" dirty="0"/>
+                  <a:t>), (xf, yf)) = </a:t>
+                </a:r>
+                <a14:m>
+                  <m:oMath xmlns:m="http://schemas.openxmlformats.org/officeDocument/2006/math">
+                    <m:rad>
+                      <m:radPr>
+                        <m:degHide m:val="on"/>
+                        <m:ctrlPr>
+                          <a:rPr lang="en-IN" sz="1300" dirty="0" smtClean="0">
+                            <a:latin typeface="Cambria Math" panose="02040503050406030204" pitchFamily="18" charset="0"/>
+                          </a:rPr>
+                        </m:ctrlPr>
+                      </m:radPr>
+                      <m:deg/>
+                      <m:e>
+                        <m:sSup>
+                          <m:sSupPr>
+                            <m:ctrlPr>
+                              <a:rPr lang="en-US" sz="1400" b="1" i="1">
+                                <a:latin typeface="Cambria Math" panose="02040503050406030204" pitchFamily="18" charset="0"/>
+                              </a:rPr>
+                            </m:ctrlPr>
+                          </m:sSupPr>
+                          <m:e>
+                            <m:r>
+                              <m:rPr>
+                                <m:nor/>
+                              </m:rPr>
+                              <a:rPr lang="en-US" sz="1400" b="1" dirty="0"/>
+                              <m:t>(</m:t>
+                            </m:r>
+                            <m:r>
+                              <m:rPr>
+                                <m:nor/>
+                              </m:rPr>
+                              <a:rPr lang="en-US" sz="1400" b="1"/>
+                              <m:t>xf</m:t>
+                            </m:r>
+                            <m:r>
+                              <m:rPr>
+                                <m:nor/>
+                              </m:rPr>
+                              <a:rPr lang="en-US" sz="1400" b="1" dirty="0"/>
+                              <m:t> − </m:t>
+                            </m:r>
+                            <m:r>
+                              <m:rPr>
+                                <m:nor/>
+                              </m:rPr>
+                              <a:rPr lang="en-US" sz="1400" b="1" dirty="0"/>
+                              <m:t>xi</m:t>
+                            </m:r>
+                            <m:r>
+                              <m:rPr>
+                                <m:nor/>
+                              </m:rPr>
+                              <a:rPr lang="en-US" sz="1400" b="1" dirty="0"/>
+                              <m:t>)</m:t>
+                            </m:r>
+                          </m:e>
+                          <m:sup>
+                            <m:r>
+                              <a:rPr lang="en-US" sz="1400" b="1" i="1">
+                                <a:latin typeface="Cambria Math" panose="02040503050406030204" pitchFamily="18" charset="0"/>
+                              </a:rPr>
+                              <m:t>𝟐</m:t>
+                            </m:r>
+                          </m:sup>
+                        </m:sSup>
+                        <m:r>
+                          <a:rPr lang="en-US" sz="1400" b="1" i="1" smtClean="0">
+                            <a:latin typeface="Cambria Math" panose="02040503050406030204" pitchFamily="18" charset="0"/>
+                          </a:rPr>
+                          <m:t> </m:t>
+                        </m:r>
+                        <m:r>
+                          <a:rPr lang="en-US" sz="1400" b="1" i="1">
+                            <a:latin typeface="Cambria Math" panose="02040503050406030204" pitchFamily="18" charset="0"/>
+                          </a:rPr>
+                          <m:t>+</m:t>
+                        </m:r>
+                        <m:r>
+                          <a:rPr lang="en-US" sz="1400" b="1" i="1" smtClean="0">
+                            <a:latin typeface="Cambria Math" panose="02040503050406030204" pitchFamily="18" charset="0"/>
+                          </a:rPr>
+                          <m:t> </m:t>
+                        </m:r>
+                        <m:sSup>
+                          <m:sSupPr>
+                            <m:ctrlPr>
+                              <a:rPr lang="en-US" sz="1400" b="1" i="1">
+                                <a:latin typeface="Cambria Math" panose="02040503050406030204" pitchFamily="18" charset="0"/>
+                              </a:rPr>
+                            </m:ctrlPr>
+                          </m:sSupPr>
+                          <m:e>
+                            <m:r>
+                              <m:rPr>
+                                <m:nor/>
+                              </m:rPr>
+                              <a:rPr lang="en-US" sz="1400" b="1" dirty="0"/>
+                              <m:t>(</m:t>
+                            </m:r>
+                            <m:r>
+                              <m:rPr>
+                                <m:nor/>
+                              </m:rPr>
+                              <a:rPr lang="en-US" sz="1400" b="1"/>
+                              <m:t>y</m:t>
+                            </m:r>
+                            <m:r>
+                              <m:rPr>
+                                <m:nor/>
+                              </m:rPr>
+                              <a:rPr lang="en-US" sz="1400" b="1"/>
+                              <m:t>f</m:t>
+                            </m:r>
+                            <m:r>
+                              <m:rPr>
+                                <m:nor/>
+                              </m:rPr>
+                              <a:rPr lang="en-US" sz="1400" b="1" dirty="0"/>
+                              <m:t> − </m:t>
+                            </m:r>
+                            <m:r>
+                              <m:rPr>
+                                <m:nor/>
+                              </m:rPr>
+                              <a:rPr lang="en-US" sz="1400" b="1" dirty="0"/>
+                              <m:t>y</m:t>
+                            </m:r>
+                            <m:r>
+                              <m:rPr>
+                                <m:nor/>
+                              </m:rPr>
+                              <a:rPr lang="en-US" sz="1400" b="1" dirty="0"/>
+                              <m:t>i</m:t>
+                            </m:r>
+                            <m:r>
+                              <m:rPr>
+                                <m:nor/>
+                              </m:rPr>
+                              <a:rPr lang="en-US" sz="1400" b="1" dirty="0"/>
+                              <m:t>)</m:t>
+                            </m:r>
+                          </m:e>
+                          <m:sup>
+                            <m:r>
+                              <a:rPr lang="en-US" sz="1400" b="1" i="1">
+                                <a:latin typeface="Cambria Math" panose="02040503050406030204" pitchFamily="18" charset="0"/>
+                              </a:rPr>
+                              <m:t>𝟐</m:t>
+                            </m:r>
+                          </m:sup>
+                        </m:sSup>
+                      </m:e>
+                    </m:rad>
+                  </m:oMath>
+                </a14:m>
+                <a:endParaRPr sz="1300" dirty="0"/>
+              </a:p>
+            </p:txBody>
+          </p:sp>
+        </mc:Choice>
+        <mc:Fallback>
+          <p:sp>
+            <p:nvSpPr>
+              <p:cNvPr id="154" name="Google Shape;154;p24"/>
+              <p:cNvSpPr txBox="1">
+                <a:spLocks noGrp="1" noRot="1" noChangeAspect="1" noMove="1" noResize="1" noEditPoints="1" noAdjustHandles="1" noChangeArrowheads="1" noChangeShapeType="1" noTextEdit="1"/>
+              </p:cNvSpPr>
+              <p:nvPr>
+                <p:ph type="body" idx="1"/>
+              </p:nvPr>
+            </p:nvSpPr>
+            <p:spPr>
+              <a:xfrm>
+                <a:off x="311700" y="1368350"/>
+                <a:ext cx="8520600" cy="3339000"/>
+              </a:xfrm>
+              <a:prstGeom prst="rect">
+                <a:avLst/>
+              </a:prstGeom>
+              <a:blipFill>
+                <a:blip r:embed="rId3"/>
+                <a:stretch>
+                  <a:fillRect/>
+                </a:stretch>
+              </a:blipFill>
+            </p:spPr>
+            <p:txBody>
+              <a:bodyPr/>
+              <a:lstStyle/>
+              <a:p>
+                <a:r>
+                  <a:rPr lang="en-IN">
+                    <a:noFill/>
+                  </a:rPr>
+                  <a:t> </a:t>
+                </a:r>
+              </a:p>
+            </p:txBody>
+          </p:sp>
+        </mc:Fallback>
+      </mc:AlternateContent>
+    </p:spTree>
+    <p:extLst>
+      <p:ext uri="{BB962C8B-B14F-4D97-AF65-F5344CB8AC3E}">
+        <p14:creationId xmlns:p14="http://schemas.microsoft.com/office/powerpoint/2010/main" val="2169659318"/>
+      </p:ext>
+    </p:extLst>
+  </p:cSld>
+  <p:clrMapOvr>
+    <a:masterClrMapping/>
+  </p:clrMapOvr>
+</p:sld>
+</file>
+
+<file path=ppt/slides/slide31.xml><?xml version="1.0" encoding="utf-8"?>
+<p:sld xmlns:a="http://schemas.openxmlformats.org/drawingml/2006/main" xmlns:r="http://schemas.openxmlformats.org/officeDocument/2006/relationships" xmlns:p="http://schemas.openxmlformats.org/presentationml/2006/main">
+  <p:cSld>
+    <p:spTree>
+      <p:nvGrpSpPr>
+        <p:cNvPr id="1" name="Shape 152"/>
+        <p:cNvGrpSpPr/>
+        <p:nvPr/>
+      </p:nvGrpSpPr>
+      <p:grpSpPr>
+        <a:xfrm>
+          <a:off x="0" y="0"/>
+          <a:ext cx="0" cy="0"/>
+          <a:chOff x="0" y="0"/>
+          <a:chExt cx="0" cy="0"/>
+        </a:xfrm>
+      </p:grpSpPr>
+      <p:sp>
+        <p:nvSpPr>
+          <p:cNvPr id="153" name="Google Shape;153;p24"/>
+          <p:cNvSpPr txBox="1">
+            <a:spLocks noGrp="1"/>
+          </p:cNvSpPr>
+          <p:nvPr>
+            <p:ph type="title"/>
+          </p:nvPr>
+        </p:nvSpPr>
+        <p:spPr>
+          <a:xfrm>
+            <a:off x="311700" y="410000"/>
+            <a:ext cx="8520600" cy="607800"/>
+          </a:xfrm>
+          <a:prstGeom prst="rect">
+            <a:avLst/>
+          </a:prstGeom>
+        </p:spPr>
+        <p:txBody>
+          <a:bodyPr spcFirstLastPara="1" wrap="square" lIns="91425" tIns="91425" rIns="91425" bIns="91425" anchor="t" anchorCtr="0">
+            <a:normAutofit fontScale="90000"/>
+          </a:bodyPr>
+          <a:lstStyle/>
+          <a:p>
+            <a:r>
+              <a:rPr lang="en-US" sz="2666" dirty="0"/>
+              <a:t>4)</a:t>
+            </a:r>
+            <a:r>
+              <a:rPr lang="en-US" sz="2800" b="1" dirty="0">
+                <a:ea typeface="Arial"/>
+                <a:cs typeface="Arial"/>
+                <a:sym typeface="Arial"/>
+              </a:rPr>
+              <a:t> </a:t>
+            </a:r>
+            <a:r>
+              <a:rPr lang="en-IN" b="1" u="sng" dirty="0"/>
+              <a:t>Motion of the agents - A* Algorithm</a:t>
+            </a:r>
+            <a:endParaRPr sz="2666" u="sng" dirty="0"/>
+          </a:p>
+          <a:p>
+            <a:pPr marL="0" lvl="0" indent="0" algn="l" rtl="0">
+              <a:spcBef>
+                <a:spcPts val="0"/>
+              </a:spcBef>
+              <a:spcAft>
+                <a:spcPts val="0"/>
+              </a:spcAft>
+              <a:buNone/>
+            </a:pPr>
+            <a:endParaRPr dirty="0"/>
+          </a:p>
+          <a:p>
+            <a:pPr marL="0" lvl="0" indent="0" algn="l" rtl="0">
+              <a:spcBef>
+                <a:spcPts val="0"/>
+              </a:spcBef>
+              <a:spcAft>
+                <a:spcPts val="0"/>
+              </a:spcAft>
+              <a:buNone/>
+            </a:pPr>
+            <a:endParaRPr dirty="0"/>
+          </a:p>
+        </p:txBody>
+      </p:sp>
+      <p:sp>
+        <p:nvSpPr>
+          <p:cNvPr id="154" name="Google Shape;154;p24"/>
+          <p:cNvSpPr txBox="1">
+            <a:spLocks noGrp="1"/>
+          </p:cNvSpPr>
+          <p:nvPr>
+            <p:ph type="body" idx="1"/>
+          </p:nvPr>
+        </p:nvSpPr>
+        <p:spPr>
+          <a:xfrm>
+            <a:off x="311700" y="1368350"/>
+            <a:ext cx="8520600" cy="3339000"/>
+          </a:xfrm>
+          <a:prstGeom prst="rect">
+            <a:avLst/>
+          </a:prstGeom>
+        </p:spPr>
+        <p:txBody>
+          <a:bodyPr spcFirstLastPara="1" wrap="square" lIns="91425" tIns="91425" rIns="91425" bIns="91425" anchor="t" anchorCtr="0">
+            <a:normAutofit fontScale="92500" lnSpcReduction="10000"/>
+          </a:bodyPr>
+          <a:lstStyle/>
+          <a:p>
+            <a:pPr fontAlgn="base">
+              <a:buFont typeface="+mj-lt"/>
+              <a:buAutoNum type="arabicPeriod" startAt="5"/>
+            </a:pPr>
+            <a:r>
+              <a:rPr lang="en-US" dirty="0"/>
+              <a:t>While the agent has not reached the end location, repeat</a:t>
+            </a:r>
+          </a:p>
+          <a:p>
+            <a:pPr marL="939800" lvl="1" indent="-342900" fontAlgn="base">
+              <a:buFont typeface="+mj-lt"/>
+              <a:buAutoNum type="alphaUcPeriod"/>
+            </a:pPr>
+            <a:r>
+              <a:rPr lang="en-US" dirty="0"/>
+              <a:t>Select the node with the lowest f-cost (f = g + h) from the open list.</a:t>
+            </a:r>
+          </a:p>
+          <a:p>
+            <a:pPr marL="939800" lvl="1" indent="-342900" fontAlgn="base">
+              <a:buFont typeface="+mj-lt"/>
+              <a:buAutoNum type="alphaUcPeriod"/>
+            </a:pPr>
+            <a:r>
+              <a:rPr lang="en-US" dirty="0"/>
+              <a:t>Move the current node from the open list to the closed list.</a:t>
+            </a:r>
+          </a:p>
+          <a:p>
+            <a:pPr marL="939800" lvl="1" indent="-342900" fontAlgn="base">
+              <a:buFont typeface="+mj-lt"/>
+              <a:buAutoNum type="alphaUcPeriod"/>
+            </a:pPr>
+            <a:r>
+              <a:rPr lang="en-US" dirty="0"/>
+              <a:t>if current_location == final_location</a:t>
+            </a:r>
+          </a:p>
+          <a:p>
+            <a:pPr marL="1397000" lvl="2" indent="-342900" fontAlgn="base">
+              <a:buFont typeface="+mj-lt"/>
+              <a:buAutoNum type="alphaLcParenR"/>
+            </a:pPr>
+            <a:r>
+              <a:rPr lang="en-US" dirty="0"/>
+              <a:t>return the path to the agent</a:t>
+            </a:r>
+          </a:p>
+          <a:p>
+            <a:pPr marL="939800" lvl="1" indent="-342900" fontAlgn="base">
+              <a:buFont typeface="+mj-lt"/>
+              <a:buAutoNum type="alphaUcPeriod"/>
+            </a:pPr>
+            <a:r>
+              <a:rPr lang="en-US" dirty="0"/>
+              <a:t>else</a:t>
+            </a:r>
+          </a:p>
+          <a:p>
+            <a:pPr marL="1397000" lvl="2" indent="-342900" fontAlgn="base">
+              <a:buFont typeface="+mj-lt"/>
+              <a:buAutoNum type="alphaLcParenR"/>
+            </a:pPr>
+            <a:r>
+              <a:rPr lang="en-US" dirty="0"/>
+              <a:t>if the neighbor is not walkable or is on the closed list</a:t>
+            </a:r>
+          </a:p>
+          <a:p>
+            <a:pPr marL="1911350" lvl="3" indent="-400050" fontAlgn="base">
+              <a:buFont typeface="+mj-lt"/>
+              <a:buAutoNum type="romanLcPeriod"/>
+            </a:pPr>
+            <a:r>
+              <a:rPr lang="en-US" dirty="0"/>
+              <a:t>Do nothing</a:t>
+            </a:r>
+          </a:p>
+          <a:p>
+            <a:pPr marL="1397000" lvl="2" indent="-342900" fontAlgn="base">
+              <a:buFont typeface="+mj-lt"/>
+              <a:buAutoNum type="alphaLcParenR"/>
+            </a:pPr>
+            <a:r>
+              <a:rPr lang="en-US" dirty="0"/>
+              <a:t>Calculate the g and h values for the current location</a:t>
+            </a:r>
+          </a:p>
+          <a:p>
+            <a:pPr marL="1397000" lvl="2" indent="-342900" fontAlgn="base">
+              <a:buFont typeface="+mj-lt"/>
+              <a:buAutoNum type="alphaLcParenR"/>
+            </a:pPr>
+            <a:r>
+              <a:rPr lang="en-US" dirty="0"/>
+              <a:t>if the neighbor is not in the open list, add it to the open list and update its parent</a:t>
+            </a:r>
+          </a:p>
+          <a:p>
+            <a:pPr marL="1397000" lvl="2" indent="-342900" fontAlgn="base">
+              <a:buFont typeface="+mj-lt"/>
+              <a:buAutoNum type="alphaLcParenR"/>
+            </a:pPr>
+            <a:r>
+              <a:rPr lang="en-US" dirty="0"/>
+              <a:t>else:</a:t>
+            </a:r>
+          </a:p>
+          <a:p>
+            <a:pPr marL="1911350" lvl="3" indent="-400050" fontAlgn="base">
+              <a:buFont typeface="+mj-lt"/>
+              <a:buAutoNum type="romanLcPeriod"/>
+            </a:pPr>
+            <a:r>
+              <a:rPr lang="en-US" dirty="0"/>
+              <a:t>Update neighbor’s h and g value, if the current cost is lower than the previous cost</a:t>
+            </a:r>
+          </a:p>
+          <a:p>
+            <a:pPr fontAlgn="base">
+              <a:buFont typeface="+mj-lt"/>
+              <a:buAutoNum type="arabicPeriod" startAt="5"/>
+            </a:pPr>
+            <a:r>
+              <a:rPr lang="en-US" dirty="0"/>
+              <a:t>end while</a:t>
+            </a:r>
+          </a:p>
+          <a:p>
+            <a:pPr fontAlgn="base">
+              <a:buFont typeface="+mj-lt"/>
+              <a:buAutoNum type="arabicPeriod" startAt="5"/>
+            </a:pPr>
+            <a:r>
+              <a:rPr lang="en-US" dirty="0"/>
+              <a:t>Stop</a:t>
+            </a:r>
+          </a:p>
+          <a:p>
+            <a:pPr marL="114300" indent="0" fontAlgn="base">
+              <a:lnSpc>
+                <a:spcPct val="200000"/>
+              </a:lnSpc>
+              <a:buNone/>
+            </a:pPr>
+            <a:endParaRPr sz="1300" dirty="0"/>
+          </a:p>
+        </p:txBody>
+      </p:sp>
+    </p:spTree>
+    <p:extLst>
+      <p:ext uri="{BB962C8B-B14F-4D97-AF65-F5344CB8AC3E}">
+        <p14:creationId xmlns:p14="http://schemas.microsoft.com/office/powerpoint/2010/main" val="3701648891"/>
+      </p:ext>
+    </p:extLst>
+  </p:cSld>
+  <p:clrMapOvr>
+    <a:masterClrMapping/>
+  </p:clrMapOvr>
+</p:sld>
+</file>
+
+<file path=ppt/slides/slide32.xml><?xml version="1.0" encoding="utf-8"?>
+<p:sld xmlns:a="http://schemas.openxmlformats.org/drawingml/2006/main" xmlns:r="http://schemas.openxmlformats.org/officeDocument/2006/relationships" xmlns:p="http://schemas.openxmlformats.org/presentationml/2006/main">
+  <p:cSld>
+    <p:spTree>
+      <p:nvGrpSpPr>
+        <p:cNvPr id="1" name="Shape 152"/>
+        <p:cNvGrpSpPr/>
+        <p:nvPr/>
+      </p:nvGrpSpPr>
+      <p:grpSpPr>
+        <a:xfrm>
+          <a:off x="0" y="0"/>
+          <a:ext cx="0" cy="0"/>
+          <a:chOff x="0" y="0"/>
+          <a:chExt cx="0" cy="0"/>
+        </a:xfrm>
+      </p:grpSpPr>
+      <p:sp>
+        <p:nvSpPr>
+          <p:cNvPr id="153" name="Google Shape;153;p24"/>
+          <p:cNvSpPr txBox="1">
+            <a:spLocks noGrp="1"/>
+          </p:cNvSpPr>
+          <p:nvPr>
+            <p:ph type="title"/>
+          </p:nvPr>
+        </p:nvSpPr>
+        <p:spPr>
+          <a:xfrm>
+            <a:off x="311700" y="410000"/>
+            <a:ext cx="8520600" cy="607800"/>
+          </a:xfrm>
+          <a:prstGeom prst="rect">
+            <a:avLst/>
+          </a:prstGeom>
+        </p:spPr>
+        <p:txBody>
+          <a:bodyPr spcFirstLastPara="1" wrap="square" lIns="91425" tIns="91425" rIns="91425" bIns="91425" anchor="t" anchorCtr="0">
+            <a:normAutofit fontScale="90000"/>
+          </a:bodyPr>
+          <a:lstStyle/>
+          <a:p>
+            <a:r>
+              <a:rPr lang="en-US" sz="2666" dirty="0"/>
+              <a:t>5)</a:t>
+            </a:r>
+            <a:r>
+              <a:rPr lang="en-US" sz="2800" b="1" dirty="0">
+                <a:ea typeface="Arial"/>
+                <a:cs typeface="Arial"/>
+                <a:sym typeface="Arial"/>
+              </a:rPr>
+              <a:t> </a:t>
+            </a:r>
+            <a:r>
+              <a:rPr lang="en-IN" b="1" u="sng" dirty="0"/>
+              <a:t>Integration of AI into Village</a:t>
+            </a:r>
+            <a:endParaRPr sz="2666" u="sng" dirty="0"/>
+          </a:p>
+          <a:p>
+            <a:pPr marL="0" lvl="0" indent="0" algn="l" rtl="0">
+              <a:spcBef>
+                <a:spcPts val="0"/>
+              </a:spcBef>
+              <a:spcAft>
+                <a:spcPts val="0"/>
+              </a:spcAft>
+              <a:buNone/>
+            </a:pPr>
+            <a:endParaRPr dirty="0"/>
+          </a:p>
+          <a:p>
+            <a:pPr marL="0" lvl="0" indent="0" algn="l" rtl="0">
+              <a:spcBef>
+                <a:spcPts val="0"/>
+              </a:spcBef>
+              <a:spcAft>
+                <a:spcPts val="0"/>
+              </a:spcAft>
+              <a:buNone/>
+            </a:pPr>
+            <a:endParaRPr dirty="0"/>
+          </a:p>
+        </p:txBody>
+      </p:sp>
+      <p:sp>
+        <p:nvSpPr>
+          <p:cNvPr id="154" name="Google Shape;154;p24"/>
+          <p:cNvSpPr txBox="1">
+            <a:spLocks noGrp="1"/>
+          </p:cNvSpPr>
+          <p:nvPr>
+            <p:ph type="body" idx="1"/>
+          </p:nvPr>
+        </p:nvSpPr>
+        <p:spPr>
+          <a:xfrm>
+            <a:off x="311700" y="1368350"/>
+            <a:ext cx="8520600" cy="3339000"/>
+          </a:xfrm>
+          <a:prstGeom prst="rect">
+            <a:avLst/>
+          </a:prstGeom>
+        </p:spPr>
+        <p:txBody>
+          <a:bodyPr spcFirstLastPara="1" wrap="square" lIns="91425" tIns="91425" rIns="91425" bIns="91425" anchor="t" anchorCtr="0">
+            <a:normAutofit/>
+          </a:bodyPr>
+          <a:lstStyle/>
+          <a:p>
+            <a:pPr lvl="0">
+              <a:lnSpc>
+                <a:spcPct val="100000"/>
+              </a:lnSpc>
+              <a:buFont typeface="Arial"/>
+              <a:buChar char="-"/>
+            </a:pPr>
+            <a:r>
+              <a:rPr lang="en-IN" dirty="0"/>
+              <a:t>This is the pivotal part of the project where we use ConversationAI and SchedulerAI to control the actions performed by the agents living in the village.</a:t>
+            </a:r>
+          </a:p>
+          <a:p>
+            <a:pPr lvl="0">
+              <a:lnSpc>
+                <a:spcPct val="150000"/>
+              </a:lnSpc>
+              <a:buFont typeface="Arial"/>
+              <a:buChar char="-"/>
+            </a:pPr>
+            <a:r>
+              <a:rPr lang="en-IN" dirty="0"/>
+              <a:t>Algorithm:</a:t>
+            </a:r>
+          </a:p>
+          <a:p>
+            <a:pPr lvl="0">
+              <a:lnSpc>
+                <a:spcPct val="150000"/>
+              </a:lnSpc>
+              <a:buFont typeface="+mj-lt"/>
+              <a:buAutoNum type="arabicPeriod"/>
+            </a:pPr>
+            <a:r>
+              <a:rPr lang="en-IN" dirty="0"/>
+              <a:t>Start</a:t>
+            </a:r>
+          </a:p>
+          <a:p>
+            <a:pPr lvl="0">
+              <a:lnSpc>
+                <a:spcPct val="150000"/>
+              </a:lnSpc>
+              <a:buFont typeface="+mj-lt"/>
+              <a:buAutoNum type="arabicPeriod"/>
+            </a:pPr>
+            <a:r>
+              <a:rPr lang="en-IN" dirty="0"/>
+              <a:t>Initialize the required number of AI agents</a:t>
+            </a:r>
+          </a:p>
+          <a:p>
+            <a:pPr lvl="0">
+              <a:lnSpc>
+                <a:spcPct val="150000"/>
+              </a:lnSpc>
+              <a:buFont typeface="+mj-lt"/>
+              <a:buAutoNum type="arabicPeriod"/>
+            </a:pPr>
+            <a:r>
+              <a:rPr lang="en-IN" dirty="0"/>
+              <a:t>Using SchedulerAI(), create an initial schedule for each of the agents</a:t>
+            </a:r>
+          </a:p>
+          <a:p>
+            <a:pPr lvl="0">
+              <a:lnSpc>
+                <a:spcPct val="100000"/>
+              </a:lnSpc>
+              <a:buFont typeface="Arial"/>
+              <a:buChar char="-"/>
+            </a:pPr>
+            <a:endParaRPr sz="1300" dirty="0"/>
+          </a:p>
+        </p:txBody>
+      </p:sp>
+    </p:spTree>
+    <p:extLst>
+      <p:ext uri="{BB962C8B-B14F-4D97-AF65-F5344CB8AC3E}">
+        <p14:creationId xmlns:p14="http://schemas.microsoft.com/office/powerpoint/2010/main" val="3202740834"/>
+      </p:ext>
+    </p:extLst>
+  </p:cSld>
+  <p:clrMapOvr>
+    <a:masterClrMapping/>
+  </p:clrMapOvr>
+</p:sld>
+</file>
+
+<file path=ppt/slides/slide33.xml><?xml version="1.0" encoding="utf-8"?>
+<p:sld xmlns:a="http://schemas.openxmlformats.org/drawingml/2006/main" xmlns:r="http://schemas.openxmlformats.org/officeDocument/2006/relationships" xmlns:p="http://schemas.openxmlformats.org/presentationml/2006/main">
+  <p:cSld>
+    <p:spTree>
+      <p:nvGrpSpPr>
+        <p:cNvPr id="1" name="Shape 152"/>
+        <p:cNvGrpSpPr/>
+        <p:nvPr/>
+      </p:nvGrpSpPr>
+      <p:grpSpPr>
+        <a:xfrm>
+          <a:off x="0" y="0"/>
+          <a:ext cx="0" cy="0"/>
+          <a:chOff x="0" y="0"/>
+          <a:chExt cx="0" cy="0"/>
+        </a:xfrm>
+      </p:grpSpPr>
+      <p:sp>
+        <p:nvSpPr>
+          <p:cNvPr id="153" name="Google Shape;153;p24"/>
+          <p:cNvSpPr txBox="1">
+            <a:spLocks noGrp="1"/>
+          </p:cNvSpPr>
+          <p:nvPr>
+            <p:ph type="title"/>
+          </p:nvPr>
+        </p:nvSpPr>
+        <p:spPr>
+          <a:xfrm>
+            <a:off x="311700" y="410000"/>
+            <a:ext cx="8520600" cy="607800"/>
+          </a:xfrm>
+          <a:prstGeom prst="rect">
+            <a:avLst/>
+          </a:prstGeom>
+        </p:spPr>
+        <p:txBody>
+          <a:bodyPr spcFirstLastPara="1" wrap="square" lIns="91425" tIns="91425" rIns="91425" bIns="91425" anchor="t" anchorCtr="0">
+            <a:normAutofit fontScale="90000"/>
+          </a:bodyPr>
+          <a:lstStyle/>
+          <a:p>
+            <a:r>
+              <a:rPr lang="en-US" sz="2666" dirty="0"/>
+              <a:t>5)</a:t>
+            </a:r>
+            <a:r>
+              <a:rPr lang="en-US" sz="2800" b="1" dirty="0">
+                <a:ea typeface="Arial"/>
+                <a:cs typeface="Arial"/>
+                <a:sym typeface="Arial"/>
+              </a:rPr>
+              <a:t> </a:t>
+            </a:r>
+            <a:r>
+              <a:rPr lang="en-IN" b="1" u="sng" dirty="0"/>
+              <a:t>Integration of AI into Village</a:t>
+            </a:r>
+            <a:endParaRPr sz="2666" u="sng" dirty="0"/>
+          </a:p>
+          <a:p>
+            <a:pPr marL="0" lvl="0" indent="0" algn="l" rtl="0">
+              <a:spcBef>
+                <a:spcPts val="0"/>
+              </a:spcBef>
+              <a:spcAft>
+                <a:spcPts val="0"/>
+              </a:spcAft>
+              <a:buNone/>
+            </a:pPr>
+            <a:endParaRPr dirty="0"/>
+          </a:p>
+          <a:p>
+            <a:pPr marL="0" lvl="0" indent="0" algn="l" rtl="0">
+              <a:spcBef>
+                <a:spcPts val="0"/>
+              </a:spcBef>
+              <a:spcAft>
+                <a:spcPts val="0"/>
+              </a:spcAft>
+              <a:buNone/>
+            </a:pPr>
+            <a:endParaRPr dirty="0"/>
+          </a:p>
+        </p:txBody>
+      </p:sp>
+      <p:sp>
+        <p:nvSpPr>
+          <p:cNvPr id="154" name="Google Shape;154;p24"/>
+          <p:cNvSpPr txBox="1">
+            <a:spLocks noGrp="1"/>
+          </p:cNvSpPr>
+          <p:nvPr>
+            <p:ph type="body" idx="1"/>
+          </p:nvPr>
+        </p:nvSpPr>
+        <p:spPr>
+          <a:xfrm>
+            <a:off x="623400" y="1017800"/>
+            <a:ext cx="8520600" cy="3932152"/>
+          </a:xfrm>
+          <a:prstGeom prst="rect">
+            <a:avLst/>
+          </a:prstGeom>
+        </p:spPr>
+        <p:txBody>
+          <a:bodyPr spcFirstLastPara="1" wrap="square" lIns="91425" tIns="91425" rIns="91425" bIns="91425" anchor="t" anchorCtr="0">
+            <a:normAutofit fontScale="92500" lnSpcReduction="10000"/>
+          </a:bodyPr>
+          <a:lstStyle/>
+          <a:p>
+            <a:pPr lvl="0">
+              <a:buFont typeface="+mj-lt"/>
+              <a:buAutoNum type="arabicPeriod" startAt="4"/>
+            </a:pPr>
+            <a:r>
+              <a:rPr lang="en-IN" dirty="0"/>
+              <a:t>while the village is running do</a:t>
+            </a:r>
+          </a:p>
+          <a:p>
+            <a:pPr marL="939800" lvl="1" indent="-342900">
+              <a:buFont typeface="+mj-lt"/>
+              <a:buAutoNum type="alphaUcPeriod"/>
+            </a:pPr>
+            <a:r>
+              <a:rPr lang="en-IN" dirty="0"/>
+              <a:t>if time==00:00 // New day</a:t>
+            </a:r>
+          </a:p>
+          <a:p>
+            <a:pPr marL="1454150" lvl="2" indent="-400050">
+              <a:buFont typeface="+mj-lt"/>
+              <a:buAutoNum type="alphaLcParenR"/>
+            </a:pPr>
+            <a:r>
+              <a:rPr lang="en-IN" dirty="0"/>
+              <a:t>SchedulerAI()</a:t>
+            </a:r>
+          </a:p>
+          <a:p>
+            <a:pPr marL="1454150" lvl="2" indent="-400050">
+              <a:buFont typeface="+mj-lt"/>
+              <a:buAutoNum type="alphaLcParenR"/>
+            </a:pPr>
+            <a:r>
+              <a:rPr lang="en-IN" dirty="0"/>
+              <a:t>Update the new schedule for all AI agents</a:t>
+            </a:r>
+          </a:p>
+          <a:p>
+            <a:pPr marL="939800" lvl="1" indent="-342900">
+              <a:buFont typeface="+mj-lt"/>
+              <a:buAutoNum type="alphaUcPeriod"/>
+            </a:pPr>
+            <a:r>
+              <a:rPr lang="en-IN" dirty="0"/>
+              <a:t>for each agent</a:t>
+            </a:r>
+          </a:p>
+          <a:p>
+            <a:pPr marL="1397000" lvl="2" indent="-342900">
+              <a:buFont typeface="+mj-lt"/>
+              <a:buAutoNum type="alphaLcParenR"/>
+            </a:pPr>
+            <a:r>
+              <a:rPr lang="en-IN" dirty="0"/>
+              <a:t>Perform the action to be performed at the current time</a:t>
+            </a:r>
+          </a:p>
+          <a:p>
+            <a:pPr marL="1397000" lvl="2" indent="-342900">
+              <a:buFont typeface="+mj-lt"/>
+              <a:buAutoNum type="alphaLcParenR"/>
+            </a:pPr>
+            <a:r>
+              <a:rPr lang="en-IN" dirty="0"/>
+              <a:t>if an agent has to reach another location</a:t>
+            </a:r>
+          </a:p>
+          <a:p>
+            <a:pPr marL="1911350" lvl="3" indent="-400050">
+              <a:buFont typeface="+mj-lt"/>
+              <a:buAutoNum type="romanLcPeriod"/>
+            </a:pPr>
+            <a:r>
+              <a:rPr lang="en-IN" dirty="0"/>
+              <a:t>A_star() </a:t>
+            </a:r>
+          </a:p>
+          <a:p>
+            <a:pPr marL="939800" lvl="1" indent="-342900">
+              <a:buFont typeface="+mj-lt"/>
+              <a:buAutoNum type="alphaUcPeriod"/>
+            </a:pPr>
+            <a:r>
+              <a:rPr lang="en-IN" dirty="0"/>
+              <a:t>if another agent is present within 5 blocks</a:t>
+            </a:r>
+          </a:p>
+          <a:p>
+            <a:pPr marL="1397000" lvl="2" indent="-342900">
+              <a:buFont typeface="+mj-lt"/>
+              <a:buAutoNum type="alphaLcParenR"/>
+            </a:pPr>
+            <a:r>
+              <a:rPr lang="en-IN" dirty="0"/>
+              <a:t>Create a new thread</a:t>
+            </a:r>
+          </a:p>
+          <a:p>
+            <a:pPr marL="1397000" lvl="2" indent="-342900">
+              <a:buFont typeface="+mj-lt"/>
+              <a:buAutoNum type="alphaLcParenR"/>
+            </a:pPr>
+            <a:r>
+              <a:rPr lang="en-IN" dirty="0"/>
+              <a:t>ConversationAI()</a:t>
+            </a:r>
+          </a:p>
+          <a:p>
+            <a:pPr marL="1397000" lvl="2" indent="-342900">
+              <a:buFont typeface="+mj-lt"/>
+              <a:buAutoNum type="alphaLcParenR"/>
+            </a:pPr>
+            <a:r>
+              <a:rPr lang="en-IN" dirty="0"/>
+              <a:t>Update memory, relationship</a:t>
+            </a:r>
+          </a:p>
+          <a:p>
+            <a:pPr marL="1397000" lvl="2" indent="-342900">
+              <a:buFont typeface="+mj-lt"/>
+              <a:buAutoNum type="alphaLcParenR"/>
+            </a:pPr>
+            <a:r>
+              <a:rPr lang="en-IN" dirty="0"/>
+              <a:t>if the conversation leads to a rescheduling</a:t>
+            </a:r>
+          </a:p>
+          <a:p>
+            <a:pPr marL="1911350" lvl="3" indent="-400050">
+              <a:buFont typeface="+mj-lt"/>
+              <a:buAutoNum type="romanLcPeriod"/>
+            </a:pPr>
+            <a:r>
+              <a:rPr lang="en-IN" dirty="0"/>
+              <a:t>Update the previous conversation with SchedulerAI()</a:t>
+            </a:r>
+          </a:p>
+          <a:p>
+            <a:pPr marL="939800" lvl="1" indent="-342900">
+              <a:buFont typeface="+mj-lt"/>
+              <a:buAutoNum type="alphaUcPeriod"/>
+            </a:pPr>
+            <a:r>
+              <a:rPr lang="en-IN" dirty="0"/>
+              <a:t>Display the current village state in the Graphical Interface.</a:t>
+            </a:r>
+          </a:p>
+          <a:p>
+            <a:pPr lvl="0">
+              <a:buFont typeface="+mj-lt"/>
+              <a:buAutoNum type="arabicPeriod" startAt="4"/>
+            </a:pPr>
+            <a:r>
+              <a:rPr lang="en-IN" dirty="0"/>
+              <a:t>end while</a:t>
+            </a:r>
+          </a:p>
+          <a:p>
+            <a:pPr lvl="0">
+              <a:buFont typeface="+mj-lt"/>
+              <a:buAutoNum type="arabicPeriod" startAt="4"/>
+            </a:pPr>
+            <a:r>
+              <a:rPr lang="en-IN" dirty="0"/>
+              <a:t>Stop</a:t>
+            </a:r>
+          </a:p>
+        </p:txBody>
+      </p:sp>
+    </p:spTree>
+    <p:extLst>
+      <p:ext uri="{BB962C8B-B14F-4D97-AF65-F5344CB8AC3E}">
+        <p14:creationId xmlns:p14="http://schemas.microsoft.com/office/powerpoint/2010/main" val="637575282"/>
+      </p:ext>
+    </p:extLst>
+  </p:cSld>
+  <p:clrMapOvr>
+    <a:masterClrMapping/>
+  </p:clrMapOvr>
+</p:sld>
+</file>
+
+<file path=ppt/slides/slide34.xml><?xml version="1.0" encoding="utf-8"?>
+<p:sld xmlns:a="http://schemas.openxmlformats.org/drawingml/2006/main" xmlns:r="http://schemas.openxmlformats.org/officeDocument/2006/relationships" xmlns:p="http://schemas.openxmlformats.org/presentationml/2006/main">
+  <p:cSld>
+    <p:spTree>
+      <p:nvGrpSpPr>
+        <p:cNvPr id="1" name="Shape 176"/>
+        <p:cNvGrpSpPr/>
+        <p:nvPr/>
+      </p:nvGrpSpPr>
+      <p:grpSpPr>
+        <a:xfrm>
+          <a:off x="0" y="0"/>
+          <a:ext cx="0" cy="0"/>
+          <a:chOff x="0" y="0"/>
+          <a:chExt cx="0" cy="0"/>
+        </a:xfrm>
+      </p:grpSpPr>
+      <p:sp>
+        <p:nvSpPr>
+          <p:cNvPr id="177" name="Google Shape;177;p28"/>
+          <p:cNvSpPr txBox="1">
+            <a:spLocks noGrp="1"/>
+          </p:cNvSpPr>
+          <p:nvPr>
+            <p:ph type="title"/>
+          </p:nvPr>
+        </p:nvSpPr>
+        <p:spPr>
+          <a:xfrm>
+            <a:off x="311700" y="410000"/>
+            <a:ext cx="8520600" cy="607800"/>
+          </a:xfrm>
+          <a:prstGeom prst="rect">
+            <a:avLst/>
+          </a:prstGeom>
+        </p:spPr>
+        <p:txBody>
+          <a:bodyPr spcFirstLastPara="1" wrap="square" lIns="91425" tIns="91425" rIns="91425" bIns="91425" anchor="t" anchorCtr="0">
+            <a:normAutofit fontScale="90000"/>
+          </a:bodyPr>
+          <a:lstStyle/>
+          <a:p>
+            <a:pPr lvl="0"/>
+            <a:r>
+              <a:rPr lang="en-IN" dirty="0"/>
+              <a:t>Results</a:t>
+            </a:r>
+            <a:endParaRPr dirty="0"/>
+          </a:p>
+        </p:txBody>
+      </p:sp>
+      <p:sp>
+        <p:nvSpPr>
+          <p:cNvPr id="178" name="Google Shape;178;p28"/>
+          <p:cNvSpPr txBox="1">
+            <a:spLocks noGrp="1"/>
+          </p:cNvSpPr>
+          <p:nvPr>
+            <p:ph type="body" idx="1"/>
+          </p:nvPr>
+        </p:nvSpPr>
+        <p:spPr>
+          <a:xfrm>
+            <a:off x="311700" y="1017800"/>
+            <a:ext cx="8520600" cy="3339000"/>
+          </a:xfrm>
+          <a:prstGeom prst="rect">
+            <a:avLst/>
+          </a:prstGeom>
+        </p:spPr>
+        <p:txBody>
+          <a:bodyPr spcFirstLastPara="1" wrap="square" lIns="91425" tIns="91425" rIns="91425" bIns="91425" anchor="t" anchorCtr="0">
+            <a:normAutofit/>
+          </a:bodyPr>
+          <a:lstStyle/>
+          <a:p>
+            <a:pPr marL="114300" indent="0">
+              <a:buNone/>
+            </a:pPr>
+            <a:r>
+              <a:rPr lang="en-US" dirty="0"/>
+              <a:t>The AI Village project has successfully created a simulated village where autonomous agents, controlled by Large Language Models (LLMs), interact and coexist. The agents have developed their own social dynamics, relationships, and behaviors, showcasing the potential for complex AI systems.</a:t>
+            </a:r>
+          </a:p>
+          <a:p>
+            <a:pPr marL="114300" indent="0">
+              <a:buNone/>
+            </a:pPr>
+            <a:endParaRPr lang="en-US" dirty="0"/>
+          </a:p>
+          <a:p>
+            <a:pPr marL="114300" indent="0">
+              <a:buNone/>
+            </a:pPr>
+            <a:r>
+              <a:rPr lang="en-US" dirty="0"/>
+              <a:t>Notable events have occurred in the village, including a heated debate between two agents regarding their work ethics, which eventually leads to a massive fight and the formation of a strong bond between the two agents. These events highlight the importance of social dynamics, emotional intelligence, and adaptability in AI systems.</a:t>
+            </a:r>
+          </a:p>
+        </p:txBody>
+      </p:sp>
+    </p:spTree>
+    <p:extLst>
+      <p:ext uri="{BB962C8B-B14F-4D97-AF65-F5344CB8AC3E}">
+        <p14:creationId xmlns:p14="http://schemas.microsoft.com/office/powerpoint/2010/main" val="3375704374"/>
+      </p:ext>
+    </p:extLst>
+  </p:cSld>
+  <p:clrMapOvr>
+    <a:masterClrMapping/>
+  </p:clrMapOvr>
+</p:sld>
+</file>
+
+<file path=ppt/slides/slide35.xml><?xml version="1.0" encoding="utf-8"?>
+<p:sld xmlns:a="http://schemas.openxmlformats.org/drawingml/2006/main" xmlns:r="http://schemas.openxmlformats.org/officeDocument/2006/relationships" xmlns:p="http://schemas.openxmlformats.org/presentationml/2006/main">
+  <p:cSld>
+    <p:spTree>
+      <p:nvGrpSpPr>
+        <p:cNvPr id="1" name="Shape 176"/>
+        <p:cNvGrpSpPr/>
+        <p:nvPr/>
+      </p:nvGrpSpPr>
+      <p:grpSpPr>
+        <a:xfrm>
+          <a:off x="0" y="0"/>
+          <a:ext cx="0" cy="0"/>
+          <a:chOff x="0" y="0"/>
+          <a:chExt cx="0" cy="0"/>
+        </a:xfrm>
+      </p:grpSpPr>
+      <p:sp>
+        <p:nvSpPr>
+          <p:cNvPr id="177" name="Google Shape;177;p28"/>
+          <p:cNvSpPr txBox="1">
+            <a:spLocks noGrp="1"/>
+          </p:cNvSpPr>
+          <p:nvPr>
+            <p:ph type="title"/>
+          </p:nvPr>
+        </p:nvSpPr>
+        <p:spPr>
+          <a:xfrm>
+            <a:off x="311700" y="410000"/>
+            <a:ext cx="8520600" cy="607800"/>
+          </a:xfrm>
+          <a:prstGeom prst="rect">
+            <a:avLst/>
+          </a:prstGeom>
+        </p:spPr>
+        <p:txBody>
+          <a:bodyPr spcFirstLastPara="1" wrap="square" lIns="91425" tIns="91425" rIns="91425" bIns="91425" anchor="t" anchorCtr="0">
+            <a:normAutofit fontScale="90000"/>
+          </a:bodyPr>
+          <a:lstStyle/>
+          <a:p>
+            <a:pPr marL="0" lvl="0" indent="0" algn="l" rtl="0">
+              <a:spcBef>
+                <a:spcPts val="0"/>
+              </a:spcBef>
+              <a:spcAft>
+                <a:spcPts val="0"/>
+              </a:spcAft>
+              <a:buNone/>
+            </a:pPr>
+            <a:r>
+              <a:rPr lang="en" dirty="0"/>
+              <a:t>CONCLUSION</a:t>
+            </a:r>
+            <a:endParaRPr dirty="0"/>
+          </a:p>
+        </p:txBody>
+      </p:sp>
+      <p:sp>
+        <p:nvSpPr>
+          <p:cNvPr id="178" name="Google Shape;178;p28"/>
+          <p:cNvSpPr txBox="1">
+            <a:spLocks noGrp="1"/>
+          </p:cNvSpPr>
+          <p:nvPr>
+            <p:ph type="body" idx="1"/>
+          </p:nvPr>
+        </p:nvSpPr>
+        <p:spPr>
+          <a:xfrm>
+            <a:off x="311700" y="1229875"/>
+            <a:ext cx="8520600" cy="3339000"/>
+          </a:xfrm>
+          <a:prstGeom prst="rect">
+            <a:avLst/>
+          </a:prstGeom>
+        </p:spPr>
+        <p:txBody>
+          <a:bodyPr spcFirstLastPara="1" wrap="square" lIns="91425" tIns="91425" rIns="91425" bIns="91425" anchor="t" anchorCtr="0">
+            <a:normAutofit/>
+          </a:bodyPr>
+          <a:lstStyle/>
+          <a:p>
+            <a:pPr marL="0" lvl="0" indent="0" algn="l" rtl="0">
+              <a:spcBef>
+                <a:spcPts val="0"/>
+              </a:spcBef>
+              <a:spcAft>
+                <a:spcPts val="1200"/>
+              </a:spcAft>
+              <a:buNone/>
+            </a:pPr>
+            <a:r>
+              <a:rPr lang="en"/>
+              <a:t>To conclude, our AI Village project demonstrates great promise in advancing understanding of AI behavior and social dynamics within intricate environments. Its emphasis on responsible AI integration, collaborative coexistence, and continuous relationship assessment offers unique opportunities for exploring novel implications and consequences arising from AI presence among us. Ultimately, we hope to inspire informed discussions regarding AI ethics, governance, and societal impact.</a:t>
+            </a:r>
+            <a:endParaRPr dirty="0"/>
+          </a:p>
+        </p:txBody>
+      </p:sp>
+    </p:spTree>
+  </p:cSld>
+  <p:clrMapOvr>
+    <a:masterClrMapping/>
+  </p:clrMapOvr>
+</p:sld>
+</file>
+
+<file path=ppt/slides/slide36.xml><?xml version="1.0" encoding="utf-8"?>
+<p:sld xmlns:a="http://schemas.openxmlformats.org/drawingml/2006/main" xmlns:r="http://schemas.openxmlformats.org/officeDocument/2006/relationships" xmlns:p="http://schemas.openxmlformats.org/presentationml/2006/main">
+  <p:cSld>
+    <p:spTree>
+      <p:nvGrpSpPr>
+        <p:cNvPr id="1" name="Shape 182"/>
+        <p:cNvGrpSpPr/>
+        <p:nvPr/>
+      </p:nvGrpSpPr>
+      <p:grpSpPr>
+        <a:xfrm>
+          <a:off x="0" y="0"/>
+          <a:ext cx="0" cy="0"/>
+          <a:chOff x="0" y="0"/>
+          <a:chExt cx="0" cy="0"/>
+        </a:xfrm>
+      </p:grpSpPr>
+      <p:sp>
+        <p:nvSpPr>
+          <p:cNvPr id="183" name="Google Shape;183;p29"/>
+          <p:cNvSpPr txBox="1">
+            <a:spLocks noGrp="1"/>
+          </p:cNvSpPr>
+          <p:nvPr>
+            <p:ph type="title"/>
+          </p:nvPr>
+        </p:nvSpPr>
+        <p:spPr>
+          <a:xfrm>
+            <a:off x="311700" y="410000"/>
+            <a:ext cx="8520600" cy="607800"/>
+          </a:xfrm>
+          <a:prstGeom prst="rect">
+            <a:avLst/>
+          </a:prstGeom>
+        </p:spPr>
+        <p:txBody>
+          <a:bodyPr spcFirstLastPara="1" wrap="square" lIns="91425" tIns="91425" rIns="91425" bIns="91425" anchor="t" anchorCtr="0">
+            <a:normAutofit fontScale="90000"/>
+          </a:bodyPr>
+          <a:lstStyle/>
+          <a:p>
+            <a:pPr marL="0" lvl="0" indent="0" algn="l" rtl="0">
+              <a:spcBef>
+                <a:spcPts val="0"/>
+              </a:spcBef>
+              <a:spcAft>
+                <a:spcPts val="0"/>
+              </a:spcAft>
+              <a:buNone/>
+            </a:pPr>
+            <a:r>
+              <a:rPr lang="en"/>
+              <a:t>REFERENCES</a:t>
+            </a:r>
+            <a:endParaRPr dirty="0"/>
+          </a:p>
+        </p:txBody>
+      </p:sp>
+      <p:sp>
+        <p:nvSpPr>
+          <p:cNvPr id="184" name="Google Shape;184;p29"/>
+          <p:cNvSpPr txBox="1">
+            <a:spLocks noGrp="1"/>
+          </p:cNvSpPr>
+          <p:nvPr>
+            <p:ph type="body" idx="1"/>
+          </p:nvPr>
+        </p:nvSpPr>
+        <p:spPr>
+          <a:xfrm>
+            <a:off x="311700" y="1229875"/>
+            <a:ext cx="8520600" cy="3339000"/>
+          </a:xfrm>
+          <a:prstGeom prst="rect">
+            <a:avLst/>
+          </a:prstGeom>
+        </p:spPr>
+        <p:txBody>
+          <a:bodyPr spcFirstLastPara="1" wrap="square" lIns="91425" tIns="91425" rIns="91425" bIns="91425" anchor="t" anchorCtr="0">
+            <a:normAutofit fontScale="92500"/>
+          </a:bodyPr>
+          <a:lstStyle/>
+          <a:p>
+            <a:pPr marL="0" lvl="0" indent="0" algn="l" rtl="0">
+              <a:lnSpc>
+                <a:spcPct val="105000"/>
+              </a:lnSpc>
+              <a:spcBef>
+                <a:spcPts val="0"/>
+              </a:spcBef>
+              <a:spcAft>
+                <a:spcPts val="0"/>
+              </a:spcAft>
+              <a:buSzPts val="852"/>
+              <a:buNone/>
+            </a:pPr>
+            <a:r>
+              <a:rPr lang="en" sz="1395" dirty="0"/>
+              <a:t>[1] Joon Sung Park, Joseph C. O’Brien, Carrie J. Cai, Meredith Ringel Morris, Percy Liang, and Michael S. Bernstein. 2023. Generative Agents: Interactive Simulacra of Human Behavior. In ACM, New York, NY, USA.</a:t>
+            </a:r>
+            <a:endParaRPr sz="1395" dirty="0"/>
+          </a:p>
+          <a:p>
+            <a:pPr marL="0" lvl="0" indent="0" algn="l" rtl="0">
+              <a:lnSpc>
+                <a:spcPct val="105000"/>
+              </a:lnSpc>
+              <a:spcBef>
+                <a:spcPts val="1200"/>
+              </a:spcBef>
+              <a:spcAft>
+                <a:spcPts val="0"/>
+              </a:spcAft>
+              <a:buSzPts val="852"/>
+              <a:buNone/>
+            </a:pPr>
+            <a:r>
+              <a:rPr lang="en" sz="1395" dirty="0"/>
+              <a:t>[2] Huang, W., Xia, F., Xiao, T., Chan, H., Liang, J., Florence, P.R., Zeng, A., Tompson, J., Mordatch, I., Chebotar, Y., Sermanet, P., Brown, N., Jackson, T., Luu, L., Levine, S., Hausman, K., &amp; Ichter, B. (2022). Inner Monologue: Embodied Reasoning through Planning with Language Models. Conference on Robot Learning.</a:t>
+            </a:r>
+            <a:endParaRPr sz="1395" dirty="0"/>
+          </a:p>
+          <a:p>
+            <a:pPr marL="0" lvl="0" indent="0" algn="l" rtl="0">
+              <a:lnSpc>
+                <a:spcPct val="105000"/>
+              </a:lnSpc>
+              <a:spcBef>
+                <a:spcPts val="1200"/>
+              </a:spcBef>
+              <a:spcAft>
+                <a:spcPts val="0"/>
+              </a:spcAft>
+              <a:buSzPts val="852"/>
+              <a:buNone/>
+            </a:pPr>
+            <a:r>
+              <a:rPr lang="en" sz="1395" dirty="0"/>
+              <a:t>[3] Mialon, G., Dessì, R., Lomeli, M., Nalmpantis, C., Pasunuru, R., Raileanu, R.,Rozière, B., Schick, T., Dwivedi-Yu, J., Celikyilmaz, A., Grave, E., LeCun, Y., &amp; Scialom, T. (2023). Augmented Language Models: a Survey. ArXiv, abs/2302.07842.</a:t>
+            </a:r>
+            <a:endParaRPr sz="1395" dirty="0"/>
+          </a:p>
+          <a:p>
+            <a:pPr marL="0" lvl="0" indent="0" algn="l" rtl="0">
+              <a:lnSpc>
+                <a:spcPct val="105000"/>
+              </a:lnSpc>
+              <a:spcBef>
+                <a:spcPts val="1200"/>
+              </a:spcBef>
+              <a:spcAft>
+                <a:spcPts val="1200"/>
+              </a:spcAft>
+              <a:buSzPts val="852"/>
+              <a:buNone/>
+            </a:pPr>
+            <a:r>
+              <a:rPr lang="en" sz="1395" dirty="0"/>
+              <a:t>[4] Park, J.S., Popowski, L., Cai, C.J., Morris, M.R., Liang, P., &amp; Bernstein, M.S. (2022). Social Simulacra: Creating Populated Prototypes for Social Computing Systems. Proceedings of the 35th Annual ACM Symposium on User Interface Software and Technology.</a:t>
+            </a:r>
+            <a:endParaRPr sz="1395" dirty="0"/>
+          </a:p>
+        </p:txBody>
+      </p:sp>
+    </p:spTree>
+  </p:cSld>
+  <p:clrMapOvr>
+    <a:masterClrMapping/>
+  </p:clrMapOvr>
+</p:sld>
+</file>
+
+<file path=ppt/slides/slide37.xml><?xml version="1.0" encoding="utf-8"?>
+<p:sld xmlns:a="http://schemas.openxmlformats.org/drawingml/2006/main" xmlns:r="http://schemas.openxmlformats.org/officeDocument/2006/relationships" xmlns:p="http://schemas.openxmlformats.org/presentationml/2006/main">
+  <p:cSld>
+    <p:spTree>
+      <p:nvGrpSpPr>
         <p:cNvPr id="1" name="Shape 188"/>
         <p:cNvGrpSpPr/>
         <p:nvPr/>
@@ -15169,7 +17186,7 @@
 </p:sld>
 </file>
 
-<file path=ppt/slides/slide31.xml><?xml version="1.0" encoding="utf-8"?>
+<file path=ppt/slides/slide38.xml><?xml version="1.0" encoding="utf-8"?>
 <p:sld xmlns:a="http://schemas.openxmlformats.org/drawingml/2006/main" xmlns:r="http://schemas.openxmlformats.org/officeDocument/2006/relationships" xmlns:p="http://schemas.openxmlformats.org/presentationml/2006/main">
   <p:cSld>
     <p:spTree>
@@ -15246,7 +17263,7 @@
 </p:sld>
 </file>
 
-<file path=ppt/slides/slide32.xml><?xml version="1.0" encoding="utf-8"?>
+<file path=ppt/slides/slide39.xml><?xml version="1.0" encoding="utf-8"?>
 <p:sld xmlns:a="http://schemas.openxmlformats.org/drawingml/2006/main" xmlns:r="http://schemas.openxmlformats.org/officeDocument/2006/relationships" xmlns:p="http://schemas.openxmlformats.org/presentationml/2006/main">
   <p:cSld>
     <p:spTree>
@@ -15625,7 +17642,7 @@
               <a:rPr lang="en" sz="2666" u="sng"/>
               <a:t>Generative Agents: Interactive Simulacra of Human Behavior</a:t>
             </a:r>
-            <a:endParaRPr sz="2666" u="sng"/>
+            <a:endParaRPr sz="2666" u="sng" dirty="0"/>
           </a:p>
           <a:p>
             <a:pPr marL="0" lvl="0" indent="0" algn="l" rtl="0">
@@ -15811,29 +17828,13 @@
           <a:p>
             <a:r>
               <a:rPr lang="en-IN" sz="800" dirty="0"/>
-              <a:t>Joon Sung Park, Joseph C. O’Brien, Carrie J. Cai, Meredith </a:t>
-            </a:r>
-            <a:r>
-              <a:rPr lang="en-IN" sz="800" dirty="0" err="1"/>
-              <a:t>Ringel</a:t>
-            </a:r>
+              <a:t>Joon Sung Park, Joseph C. O’Brien, Carrie J. Cai, Meredith Ringel Morris, Percy Liang, and Michael S. Bernstein. 2023. </a:t>
+            </a:r>
+          </a:p>
+          <a:p>
             <a:r>
               <a:rPr lang="en-IN" sz="800" dirty="0"/>
-              <a:t> Morris, Percy Liang, and Michael S. Bernstein. 2023. </a:t>
-            </a:r>
-          </a:p>
-          <a:p>
-            <a:r>
-              <a:rPr lang="en-IN" sz="800" dirty="0"/>
-              <a:t>Generative Agents: Interactive Simulacra of Human </a:t>
-            </a:r>
-            <a:r>
-              <a:rPr lang="en-IN" sz="800" dirty="0" err="1"/>
-              <a:t>Behavior</a:t>
-            </a:r>
-            <a:r>
-              <a:rPr lang="en-IN" sz="800" dirty="0"/>
-              <a:t>. In ACM, New York, NY, USA.</a:t>
+              <a:t>Generative Agents: Interactive Simulacra of Human Behavior. In ACM, New York, NY, USA.</a:t>
             </a:r>
           </a:p>
         </p:txBody>
@@ -16062,55 +18063,7 @@
             </a:pPr>
             <a:r>
               <a:rPr lang="en-IN" sz="800" dirty="0"/>
-              <a:t>Huang, W., Xia, F., Xiao, T., Chan, H., Liang, J., Florence, P.R., Zeng, A., </a:t>
-            </a:r>
-            <a:r>
-              <a:rPr lang="en-IN" sz="800" dirty="0" err="1"/>
-              <a:t>Tompson</a:t>
-            </a:r>
-            <a:r>
-              <a:rPr lang="en-IN" sz="800" dirty="0"/>
-              <a:t>, J., </a:t>
-            </a:r>
-            <a:r>
-              <a:rPr lang="en-IN" sz="800" dirty="0" err="1"/>
-              <a:t>Mordatch</a:t>
-            </a:r>
-            <a:r>
-              <a:rPr lang="en-IN" sz="800" dirty="0"/>
-              <a:t>, I., </a:t>
-            </a:r>
-            <a:r>
-              <a:rPr lang="en-IN" sz="800" dirty="0" err="1"/>
-              <a:t>Chebotar</a:t>
-            </a:r>
-            <a:r>
-              <a:rPr lang="en-IN" sz="800" dirty="0"/>
-              <a:t>, Y., </a:t>
-            </a:r>
-            <a:r>
-              <a:rPr lang="en-IN" sz="800" dirty="0" err="1"/>
-              <a:t>Sermanet</a:t>
-            </a:r>
-            <a:r>
-              <a:rPr lang="en-IN" sz="800" dirty="0"/>
-              <a:t>, P., Brown, N., Jackson, T., </a:t>
-            </a:r>
-            <a:r>
-              <a:rPr lang="en-IN" sz="800" dirty="0" err="1"/>
-              <a:t>Luu</a:t>
-            </a:r>
-            <a:r>
-              <a:rPr lang="en-IN" sz="800" dirty="0"/>
-              <a:t>, L., Levine, S., Hausman, K., &amp; </a:t>
-            </a:r>
-            <a:r>
-              <a:rPr lang="en-IN" sz="800" dirty="0" err="1"/>
-              <a:t>Ichter</a:t>
-            </a:r>
-            <a:r>
-              <a:rPr lang="en-IN" sz="800" dirty="0"/>
-              <a:t>, B. (2022). Inner Monologue: Embodied Reasoning through Planning with Language Models. Conference on Robot Learning.</a:t>
+              <a:t>Huang, W., Xia, F., Xiao, T., Chan, H., Liang, J., Florence, P.R., Zeng, A., Tompson, J., Mordatch, I., Chebotar, Y., Sermanet, P., Brown, N., Jackson, T., Luu, L., Levine, S., Hausman, K., &amp; Ichter, B. (2022). Inner Monologue: Embodied Reasoning through Planning with Language Models. Conference on Robot Learning.</a:t>
             </a:r>
           </a:p>
         </p:txBody>
@@ -16570,29 +18523,13 @@
           <a:p>
             <a:r>
               <a:rPr lang="en-IN" sz="800" dirty="0"/>
-              <a:t>Joon Sung Park, Joseph C. O’Brien, Carrie J. Cai, Meredith </a:t>
-            </a:r>
-            <a:r>
-              <a:rPr lang="en-IN" sz="800" dirty="0" err="1"/>
-              <a:t>Ringel</a:t>
-            </a:r>
+              <a:t>Joon Sung Park, Joseph C. O’Brien, Carrie J. Cai, Meredith Ringel Morris, Percy Liang, and Michael S. Bernstein. 2023. </a:t>
+            </a:r>
+          </a:p>
+          <a:p>
             <a:r>
               <a:rPr lang="en-IN" sz="800" dirty="0"/>
-              <a:t> Morris, Percy Liang, and Michael S. Bernstein. 2023. </a:t>
-            </a:r>
-          </a:p>
-          <a:p>
-            <a:r>
-              <a:rPr lang="en-IN" sz="800" dirty="0"/>
-              <a:t>Generative Agents: Interactive Simulacra of Human </a:t>
-            </a:r>
-            <a:r>
-              <a:rPr lang="en-IN" sz="800" dirty="0" err="1"/>
-              <a:t>Behavior</a:t>
-            </a:r>
-            <a:r>
-              <a:rPr lang="en-IN" sz="800" dirty="0"/>
-              <a:t>. In ACM, New York, NY, USA.</a:t>
+              <a:t>Generative Agents: Interactive Simulacra of Human Behavior. In ACM, New York, NY, USA.</a:t>
             </a:r>
           </a:p>
         </p:txBody>
@@ -16837,23 +18774,7 @@
             </a:pPr>
             <a:r>
               <a:rPr lang="en-IN" sz="800" dirty="0"/>
-              <a:t>Wei, J., Wang, X., Schuurmans, D., </a:t>
-            </a:r>
-            <a:r>
-              <a:rPr lang="en-IN" sz="800" dirty="0" err="1"/>
-              <a:t>Bosma</a:t>
-            </a:r>
-            <a:r>
-              <a:rPr lang="en-IN" sz="800" dirty="0"/>
-              <a:t>, M., Chi, E.H., Xia, F., Le, Q., &amp; Zhou, D. (2022). Chain of Thought Prompting Elicits Reasoning in Large Language Models. </a:t>
-            </a:r>
-            <a:r>
-              <a:rPr lang="en-IN" sz="800" dirty="0" err="1"/>
-              <a:t>ArXiv</a:t>
-            </a:r>
-            <a:r>
-              <a:rPr lang="en-IN" sz="800" dirty="0"/>
-              <a:t>, abs/2201.11903.</a:t>
+              <a:t>Wei, J., Wang, X., Schuurmans, D., Bosma, M., Chi, E.H., Xia, F., Le, Q., &amp; Zhou, D. (2022). Chain of Thought Prompting Elicits Reasoning in Large Language Models. ArXiv, abs/2201.11903.</a:t>
             </a:r>
           </a:p>
         </p:txBody>
